--- a/IFELL/3_RNN/11_Recurrent Neural Net 실습.pptx
+++ b/IFELL/3_RNN/11_Recurrent Neural Net 실습.pptx
@@ -1,29 +1,36 @@
 
 <file path=ppt/presentation.xml><?xml version="1.0" encoding="utf-8"?>
-<p:presentation xmlns:a="http://schemas.openxmlformats.org/drawingml/2006/main" xmlns:r="http://schemas.openxmlformats.org/officeDocument/2006/relationships" xmlns:mc="http://schemas.openxmlformats.org/markup-compatibility/2006" xmlns:mv="urn:schemas-microsoft-com:mac:vml" xmlns:p="http://schemas.openxmlformats.org/presentationml/2006/main" xmlns:c="http://schemas.openxmlformats.org/drawingml/2006/chart" xmlns:dgm="http://schemas.openxmlformats.org/drawingml/2006/diagram" xmlns:o="urn:schemas-microsoft-com:office:office" xmlns:v="urn:schemas-microsoft-com:vml" xmlns:pvml="urn:schemas-microsoft-com:office:powerpoint" xmlns:com="http://schemas.openxmlformats.org/drawingml/2006/compatibility" xmlns:p14="http://schemas.microsoft.com/office/powerpoint/2010/main" xmlns:p15="http://schemas.microsoft.com/office/powerpoint/2012/main" xmlns:ahyp="http://schemas.microsoft.com/office/drawing/2018/hyperlinkcolor" autoCompressPictures="0" embedTrueTypeFonts="1" strictFirstAndLastChars="0" saveSubsetFonts="1">
+<p:presentation xmlns:a="http://schemas.openxmlformats.org/drawingml/2006/main" xmlns:r="http://schemas.openxmlformats.org/officeDocument/2006/relationships" xmlns:p="http://schemas.openxmlformats.org/presentationml/2006/main" strictFirstAndLastChars="0" embedTrueTypeFonts="1" saveSubsetFonts="1" autoCompressPictures="0">
   <p:sldMasterIdLst>
-    <p:sldMasterId id="2147483648" r:id="rId4"/>
+    <p:sldMasterId id="2147483648" r:id="rId1"/>
   </p:sldMasterIdLst>
   <p:notesMasterIdLst>
-    <p:notesMasterId r:id="rId5"/>
+    <p:notesMasterId r:id="rId4"/>
   </p:notesMasterIdLst>
   <p:sldIdLst>
-    <p:sldId id="256" r:id="rId6"/>
-    <p:sldId id="257" r:id="rId7"/>
+    <p:sldId id="256" r:id="rId2"/>
+    <p:sldId id="257" r:id="rId3"/>
   </p:sldIdLst>
-  <p:sldSz cy="5143500" cx="9144000"/>
+  <p:sldSz cx="9144000" cy="5143500" type="screen16x9"/>
   <p:notesSz cx="6858000" cy="9144000"/>
   <p:embeddedFontLst>
     <p:embeddedFont>
-      <p:font typeface="Helvetica Neue Light"/>
-      <p:regular r:id="rId8"/>
-      <p:bold r:id="rId9"/>
-      <p:italic r:id="rId10"/>
-      <p:boldItalic r:id="rId11"/>
+      <p:font typeface="Helvetica Neue Light" panose="020B0600000101010101" charset="0"/>
+      <p:regular r:id="rId5"/>
+      <p:bold r:id="rId6"/>
+      <p:italic r:id="rId7"/>
+      <p:boldItalic r:id="rId8"/>
+    </p:embeddedFont>
+    <p:embeddedFont>
+      <p:font typeface="Verdana" panose="020B0604030504040204" pitchFamily="34" charset="0"/>
+      <p:regular r:id="rId9"/>
+      <p:bold r:id="rId10"/>
+      <p:italic r:id="rId11"/>
+      <p:boldItalic r:id="rId12"/>
     </p:embeddedFont>
   </p:embeddedFontLst>
   <p:defaultTextStyle>
-    <a:defPPr lvl="0" marR="0" rtl="0" algn="l">
+    <a:defPPr marR="0" lvl="0" algn="l" rtl="0">
       <a:lnSpc>
         <a:spcPct val="100000"/>
       </a:lnSpc>
@@ -34,7 +41,7 @@
         <a:spcPts val="0"/>
       </a:spcAft>
     </a:defPPr>
-    <a:lvl1pPr lvl="0" marR="0" rtl="0" algn="l">
+    <a:lvl1pPr marR="0" lvl="0" algn="l" rtl="0">
       <a:lnSpc>
         <a:spcPct val="100000"/>
       </a:lnSpc>
@@ -48,7 +55,7 @@
         <a:srgbClr val="000000"/>
       </a:buClr>
       <a:buFont typeface="Arial"/>
-      <a:defRPr b="0" i="0" sz="1400" u="none" cap="none" strike="noStrike">
+      <a:defRPr sz="1400" b="0" i="0" u="none" strike="noStrike" cap="none">
         <a:solidFill>
           <a:srgbClr val="000000"/>
         </a:solidFill>
@@ -58,7 +65,7 @@
         <a:sym typeface="Arial"/>
       </a:defRPr>
     </a:lvl1pPr>
-    <a:lvl2pPr lvl="1" marR="0" rtl="0" algn="l">
+    <a:lvl2pPr marR="0" lvl="1" algn="l" rtl="0">
       <a:lnSpc>
         <a:spcPct val="100000"/>
       </a:lnSpc>
@@ -72,7 +79,7 @@
         <a:srgbClr val="000000"/>
       </a:buClr>
       <a:buFont typeface="Arial"/>
-      <a:defRPr b="0" i="0" sz="1400" u="none" cap="none" strike="noStrike">
+      <a:defRPr sz="1400" b="0" i="0" u="none" strike="noStrike" cap="none">
         <a:solidFill>
           <a:srgbClr val="000000"/>
         </a:solidFill>
@@ -82,7 +89,7 @@
         <a:sym typeface="Arial"/>
       </a:defRPr>
     </a:lvl2pPr>
-    <a:lvl3pPr lvl="2" marR="0" rtl="0" algn="l">
+    <a:lvl3pPr marR="0" lvl="2" algn="l" rtl="0">
       <a:lnSpc>
         <a:spcPct val="100000"/>
       </a:lnSpc>
@@ -96,7 +103,7 @@
         <a:srgbClr val="000000"/>
       </a:buClr>
       <a:buFont typeface="Arial"/>
-      <a:defRPr b="0" i="0" sz="1400" u="none" cap="none" strike="noStrike">
+      <a:defRPr sz="1400" b="0" i="0" u="none" strike="noStrike" cap="none">
         <a:solidFill>
           <a:srgbClr val="000000"/>
         </a:solidFill>
@@ -106,7 +113,7 @@
         <a:sym typeface="Arial"/>
       </a:defRPr>
     </a:lvl3pPr>
-    <a:lvl4pPr lvl="3" marR="0" rtl="0" algn="l">
+    <a:lvl4pPr marR="0" lvl="3" algn="l" rtl="0">
       <a:lnSpc>
         <a:spcPct val="100000"/>
       </a:lnSpc>
@@ -120,7 +127,7 @@
         <a:srgbClr val="000000"/>
       </a:buClr>
       <a:buFont typeface="Arial"/>
-      <a:defRPr b="0" i="0" sz="1400" u="none" cap="none" strike="noStrike">
+      <a:defRPr sz="1400" b="0" i="0" u="none" strike="noStrike" cap="none">
         <a:solidFill>
           <a:srgbClr val="000000"/>
         </a:solidFill>
@@ -130,7 +137,7 @@
         <a:sym typeface="Arial"/>
       </a:defRPr>
     </a:lvl4pPr>
-    <a:lvl5pPr lvl="4" marR="0" rtl="0" algn="l">
+    <a:lvl5pPr marR="0" lvl="4" algn="l" rtl="0">
       <a:lnSpc>
         <a:spcPct val="100000"/>
       </a:lnSpc>
@@ -144,7 +151,7 @@
         <a:srgbClr val="000000"/>
       </a:buClr>
       <a:buFont typeface="Arial"/>
-      <a:defRPr b="0" i="0" sz="1400" u="none" cap="none" strike="noStrike">
+      <a:defRPr sz="1400" b="0" i="0" u="none" strike="noStrike" cap="none">
         <a:solidFill>
           <a:srgbClr val="000000"/>
         </a:solidFill>
@@ -154,7 +161,7 @@
         <a:sym typeface="Arial"/>
       </a:defRPr>
     </a:lvl5pPr>
-    <a:lvl6pPr lvl="5" marR="0" rtl="0" algn="l">
+    <a:lvl6pPr marR="0" lvl="5" algn="l" rtl="0">
       <a:lnSpc>
         <a:spcPct val="100000"/>
       </a:lnSpc>
@@ -168,7 +175,7 @@
         <a:srgbClr val="000000"/>
       </a:buClr>
       <a:buFont typeface="Arial"/>
-      <a:defRPr b="0" i="0" sz="1400" u="none" cap="none" strike="noStrike">
+      <a:defRPr sz="1400" b="0" i="0" u="none" strike="noStrike" cap="none">
         <a:solidFill>
           <a:srgbClr val="000000"/>
         </a:solidFill>
@@ -178,7 +185,7 @@
         <a:sym typeface="Arial"/>
       </a:defRPr>
     </a:lvl6pPr>
-    <a:lvl7pPr lvl="6" marR="0" rtl="0" algn="l">
+    <a:lvl7pPr marR="0" lvl="6" algn="l" rtl="0">
       <a:lnSpc>
         <a:spcPct val="100000"/>
       </a:lnSpc>
@@ -192,7 +199,7 @@
         <a:srgbClr val="000000"/>
       </a:buClr>
       <a:buFont typeface="Arial"/>
-      <a:defRPr b="0" i="0" sz="1400" u="none" cap="none" strike="noStrike">
+      <a:defRPr sz="1400" b="0" i="0" u="none" strike="noStrike" cap="none">
         <a:solidFill>
           <a:srgbClr val="000000"/>
         </a:solidFill>
@@ -202,7 +209,7 @@
         <a:sym typeface="Arial"/>
       </a:defRPr>
     </a:lvl7pPr>
-    <a:lvl8pPr lvl="7" marR="0" rtl="0" algn="l">
+    <a:lvl8pPr marR="0" lvl="7" algn="l" rtl="0">
       <a:lnSpc>
         <a:spcPct val="100000"/>
       </a:lnSpc>
@@ -216,7 +223,7 @@
         <a:srgbClr val="000000"/>
       </a:buClr>
       <a:buFont typeface="Arial"/>
-      <a:defRPr b="0" i="0" sz="1400" u="none" cap="none" strike="noStrike">
+      <a:defRPr sz="1400" b="0" i="0" u="none" strike="noStrike" cap="none">
         <a:solidFill>
           <a:srgbClr val="000000"/>
         </a:solidFill>
@@ -226,7 +233,7 @@
         <a:sym typeface="Arial"/>
       </a:defRPr>
     </a:lvl8pPr>
-    <a:lvl9pPr lvl="8" marR="0" rtl="0" algn="l">
+    <a:lvl9pPr marR="0" lvl="8" algn="l" rtl="0">
       <a:lnSpc>
         <a:spcPct val="100000"/>
       </a:lnSpc>
@@ -240,7 +247,7 @@
         <a:srgbClr val="000000"/>
       </a:buClr>
       <a:buFont typeface="Arial"/>
-      <a:defRPr b="0" i="0" sz="1400" u="none" cap="none" strike="noStrike">
+      <a:defRPr sz="1400" b="0" i="0" u="none" strike="noStrike" cap="none">
         <a:solidFill>
           <a:srgbClr val="000000"/>
         </a:solidFill>
@@ -253,7 +260,7 @@
   </p:defaultTextStyle>
   <p:extLst>
     <p:ext uri="{EFAFB233-063F-42B5-8137-9DF3F51BA10A}">
-      <p15:sldGuideLst>
+      <p15:sldGuideLst xmlns:p15="http://schemas.microsoft.com/office/powerpoint/2012/main">
         <p15:guide id="1" orient="horz" pos="1620">
           <p15:clr>
             <a:srgbClr val="A4A3A4"/>
@@ -267,18 +274,23 @@
       </p15:sldGuideLst>
     </p:ext>
     <p:ext uri="GoogleSlidesCustomDataVersion2">
-      <go:slidesCustomData xmlns:go="http://customooxmlschemas.google.com/" r:id="rId12" roundtripDataSignature="AMtx7miQZnvSRSdNa6/+/03/N42UIB696A=="/>
+      <go:slidesCustomData xmlns:go="http://customooxmlschemas.google.com/" xmlns:ahyp="http://schemas.microsoft.com/office/drawing/2018/hyperlinkcolor" xmlns:p15="http://schemas.microsoft.com/office/powerpoint/2012/main" xmlns:p14="http://schemas.microsoft.com/office/powerpoint/2010/main" xmlns:com="http://schemas.openxmlformats.org/drawingml/2006/compatibility" xmlns:pvml="urn:schemas-microsoft-com:office:powerpoint" xmlns:v="urn:schemas-microsoft-com:vml" xmlns:o="urn:schemas-microsoft-com:office:office" xmlns:dgm="http://schemas.openxmlformats.org/drawingml/2006/diagram" xmlns:c="http://schemas.openxmlformats.org/drawingml/2006/chart" xmlns:mv="urn:schemas-microsoft-com:mac:vml" xmlns:mc="http://schemas.openxmlformats.org/markup-compatibility/2006" xmlns="" r:id="rId13" roundtripDataSignature="AMtx7miQZnvSRSdNa6/+/03/N42UIB696A=="/>
     </p:ext>
   </p:extLst>
 </p:presentation>
 </file>
 
 <file path=ppt/notesMasters/notesMaster1.xml><?xml version="1.0" encoding="utf-8"?>
-<p:notesMaster xmlns:a="http://schemas.openxmlformats.org/drawingml/2006/main" xmlns:r="http://schemas.openxmlformats.org/officeDocument/2006/relationships" xmlns:mc="http://schemas.openxmlformats.org/markup-compatibility/2006" xmlns:mv="urn:schemas-microsoft-com:mac:vml" xmlns:p="http://schemas.openxmlformats.org/presentationml/2006/main" xmlns:c="http://schemas.openxmlformats.org/drawingml/2006/chart" xmlns:dgm="http://schemas.openxmlformats.org/drawingml/2006/diagram" xmlns:o="urn:schemas-microsoft-com:office:office" xmlns:v="urn:schemas-microsoft-com:vml" xmlns:pvml="urn:schemas-microsoft-com:office:powerpoint" xmlns:com="http://schemas.openxmlformats.org/drawingml/2006/compatibility" xmlns:p14="http://schemas.microsoft.com/office/powerpoint/2010/main" xmlns:p15="http://schemas.microsoft.com/office/powerpoint/2012/main" xmlns:ahyp="http://schemas.microsoft.com/office/drawing/2018/hyperlinkcolor">
+<p:notesMaster xmlns:a="http://schemas.openxmlformats.org/drawingml/2006/main" xmlns:r="http://schemas.openxmlformats.org/officeDocument/2006/relationships" xmlns:p="http://schemas.openxmlformats.org/presentationml/2006/main">
   <p:cSld>
+    <p:bg>
+      <p:bgRef idx="1001">
+        <a:schemeClr val="bg1"/>
+      </p:bgRef>
+    </p:bg>
     <p:spTree>
       <p:nvGrpSpPr>
-        <p:cNvPr id="2" name="Shape 2"/>
+        <p:cNvPr id="1" name="Shape 2"/>
         <p:cNvGrpSpPr/>
         <p:nvPr/>
       </p:nvGrpSpPr>
@@ -293,9 +305,11 @@
       <p:sp>
         <p:nvSpPr>
           <p:cNvPr id="3" name="Google Shape;3;n"/>
-          <p:cNvSpPr/>
+          <p:cNvSpPr>
+            <a:spLocks noGrp="1" noRot="1" noChangeAspect="1"/>
+          </p:cNvSpPr>
           <p:nvPr>
-            <p:ph idx="2" type="sldImg"/>
+            <p:ph type="sldImg" idx="2"/>
           </p:nvPr>
         </p:nvSpPr>
         <p:spPr>
@@ -304,9 +318,13 @@
             <a:ext cx="6096075" cy="3429000"/>
           </a:xfrm>
           <a:custGeom>
-            <a:rect b="b" l="l" r="r" t="t"/>
+            <a:avLst/>
+            <a:gdLst/>
+            <a:ahLst/>
+            <a:cxnLst/>
+            <a:rect l="l" t="t" r="r" b="b"/>
             <a:pathLst>
-              <a:path extrusionOk="0" h="120000" w="120000">
+              <a:path w="120000" h="120000" extrusionOk="0">
                 <a:moveTo>
                   <a:pt x="0" y="0"/>
                 </a:moveTo>
@@ -324,23 +342,25 @@
             </a:pathLst>
           </a:custGeom>
           <a:noFill/>
-          <a:ln cap="flat" cmpd="sng" w="9525">
+          <a:ln w="9525" cap="flat" cmpd="sng">
             <a:solidFill>
               <a:srgbClr val="000000"/>
             </a:solidFill>
             <a:prstDash val="solid"/>
             <a:round/>
-            <a:headEnd len="sm" w="sm" type="none"/>
-            <a:tailEnd len="sm" w="sm" type="none"/>
+            <a:headEnd type="none" w="sm" len="sm"/>
+            <a:tailEnd type="none" w="sm" len="sm"/>
           </a:ln>
         </p:spPr>
       </p:sp>
       <p:sp>
         <p:nvSpPr>
           <p:cNvPr id="4" name="Google Shape;4;n"/>
-          <p:cNvSpPr txBox="1"/>
+          <p:cNvSpPr txBox="1">
+            <a:spLocks noGrp="1"/>
+          </p:cNvSpPr>
           <p:nvPr>
-            <p:ph idx="1" type="body"/>
+            <p:ph type="body" idx="1"/>
           </p:nvPr>
         </p:nvSpPr>
         <p:spPr>
@@ -357,11 +377,11 @@
           </a:ln>
         </p:spPr>
         <p:txBody>
-          <a:bodyPr anchorCtr="0" anchor="t" bIns="91425" lIns="91425" spcFirstLastPara="1" rIns="91425" wrap="square" tIns="91425">
+          <a:bodyPr spcFirstLastPara="1" wrap="square" lIns="91425" tIns="91425" rIns="91425" bIns="91425" anchor="t" anchorCtr="0">
             <a:noAutofit/>
           </a:bodyPr>
           <a:lstStyle>
-            <a:lvl1pPr indent="-298450" lvl="0" marL="457200" marR="0" rtl="0" algn="l">
+            <a:lvl1pPr marL="457200" marR="0" lvl="0" indent="-298450" algn="l" rtl="0">
               <a:lnSpc>
                 <a:spcPct val="100000"/>
               </a:lnSpc>
@@ -377,7 +397,7 @@
               <a:buSzPts val="1100"/>
               <a:buFont typeface="Arial"/>
               <a:buChar char="●"/>
-              <a:defRPr b="0" i="0" sz="1100" u="none" cap="none" strike="noStrike">
+              <a:defRPr sz="1100" b="0" i="0" u="none" strike="noStrike" cap="none">
                 <a:solidFill>
                   <a:srgbClr val="000000"/>
                 </a:solidFill>
@@ -387,7 +407,7 @@
                 <a:sym typeface="Arial"/>
               </a:defRPr>
             </a:lvl1pPr>
-            <a:lvl2pPr indent="-298450" lvl="1" marL="914400" marR="0" rtl="0" algn="l">
+            <a:lvl2pPr marL="914400" marR="0" lvl="1" indent="-298450" algn="l" rtl="0">
               <a:lnSpc>
                 <a:spcPct val="100000"/>
               </a:lnSpc>
@@ -403,7 +423,7 @@
               <a:buSzPts val="1100"/>
               <a:buFont typeface="Arial"/>
               <a:buChar char="○"/>
-              <a:defRPr b="0" i="0" sz="1100" u="none" cap="none" strike="noStrike">
+              <a:defRPr sz="1100" b="0" i="0" u="none" strike="noStrike" cap="none">
                 <a:solidFill>
                   <a:srgbClr val="000000"/>
                 </a:solidFill>
@@ -413,7 +433,7 @@
                 <a:sym typeface="Arial"/>
               </a:defRPr>
             </a:lvl2pPr>
-            <a:lvl3pPr indent="-298450" lvl="2" marL="1371600" marR="0" rtl="0" algn="l">
+            <a:lvl3pPr marL="1371600" marR="0" lvl="2" indent="-298450" algn="l" rtl="0">
               <a:lnSpc>
                 <a:spcPct val="100000"/>
               </a:lnSpc>
@@ -429,7 +449,7 @@
               <a:buSzPts val="1100"/>
               <a:buFont typeface="Arial"/>
               <a:buChar char="■"/>
-              <a:defRPr b="0" i="0" sz="1100" u="none" cap="none" strike="noStrike">
+              <a:defRPr sz="1100" b="0" i="0" u="none" strike="noStrike" cap="none">
                 <a:solidFill>
                   <a:srgbClr val="000000"/>
                 </a:solidFill>
@@ -439,7 +459,7 @@
                 <a:sym typeface="Arial"/>
               </a:defRPr>
             </a:lvl3pPr>
-            <a:lvl4pPr indent="-298450" lvl="3" marL="1828800" marR="0" rtl="0" algn="l">
+            <a:lvl4pPr marL="1828800" marR="0" lvl="3" indent="-298450" algn="l" rtl="0">
               <a:lnSpc>
                 <a:spcPct val="100000"/>
               </a:lnSpc>
@@ -455,7 +475,7 @@
               <a:buSzPts val="1100"/>
               <a:buFont typeface="Arial"/>
               <a:buChar char="●"/>
-              <a:defRPr b="0" i="0" sz="1100" u="none" cap="none" strike="noStrike">
+              <a:defRPr sz="1100" b="0" i="0" u="none" strike="noStrike" cap="none">
                 <a:solidFill>
                   <a:srgbClr val="000000"/>
                 </a:solidFill>
@@ -465,7 +485,7 @@
                 <a:sym typeface="Arial"/>
               </a:defRPr>
             </a:lvl4pPr>
-            <a:lvl5pPr indent="-298450" lvl="4" marL="2286000" marR="0" rtl="0" algn="l">
+            <a:lvl5pPr marL="2286000" marR="0" lvl="4" indent="-298450" algn="l" rtl="0">
               <a:lnSpc>
                 <a:spcPct val="100000"/>
               </a:lnSpc>
@@ -481,7 +501,7 @@
               <a:buSzPts val="1100"/>
               <a:buFont typeface="Arial"/>
               <a:buChar char="○"/>
-              <a:defRPr b="0" i="0" sz="1100" u="none" cap="none" strike="noStrike">
+              <a:defRPr sz="1100" b="0" i="0" u="none" strike="noStrike" cap="none">
                 <a:solidFill>
                   <a:srgbClr val="000000"/>
                 </a:solidFill>
@@ -491,7 +511,7 @@
                 <a:sym typeface="Arial"/>
               </a:defRPr>
             </a:lvl5pPr>
-            <a:lvl6pPr indent="-298450" lvl="5" marL="2743200" marR="0" rtl="0" algn="l">
+            <a:lvl6pPr marL="2743200" marR="0" lvl="5" indent="-298450" algn="l" rtl="0">
               <a:lnSpc>
                 <a:spcPct val="100000"/>
               </a:lnSpc>
@@ -507,7 +527,7 @@
               <a:buSzPts val="1100"/>
               <a:buFont typeface="Arial"/>
               <a:buChar char="■"/>
-              <a:defRPr b="0" i="0" sz="1100" u="none" cap="none" strike="noStrike">
+              <a:defRPr sz="1100" b="0" i="0" u="none" strike="noStrike" cap="none">
                 <a:solidFill>
                   <a:srgbClr val="000000"/>
                 </a:solidFill>
@@ -517,7 +537,7 @@
                 <a:sym typeface="Arial"/>
               </a:defRPr>
             </a:lvl6pPr>
-            <a:lvl7pPr indent="-298450" lvl="6" marL="3200400" marR="0" rtl="0" algn="l">
+            <a:lvl7pPr marL="3200400" marR="0" lvl="6" indent="-298450" algn="l" rtl="0">
               <a:lnSpc>
                 <a:spcPct val="100000"/>
               </a:lnSpc>
@@ -533,7 +553,7 @@
               <a:buSzPts val="1100"/>
               <a:buFont typeface="Arial"/>
               <a:buChar char="●"/>
-              <a:defRPr b="0" i="0" sz="1100" u="none" cap="none" strike="noStrike">
+              <a:defRPr sz="1100" b="0" i="0" u="none" strike="noStrike" cap="none">
                 <a:solidFill>
                   <a:srgbClr val="000000"/>
                 </a:solidFill>
@@ -543,7 +563,7 @@
                 <a:sym typeface="Arial"/>
               </a:defRPr>
             </a:lvl7pPr>
-            <a:lvl8pPr indent="-298450" lvl="7" marL="3657600" marR="0" rtl="0" algn="l">
+            <a:lvl8pPr marL="3657600" marR="0" lvl="7" indent="-298450" algn="l" rtl="0">
               <a:lnSpc>
                 <a:spcPct val="100000"/>
               </a:lnSpc>
@@ -559,7 +579,7 @@
               <a:buSzPts val="1100"/>
               <a:buFont typeface="Arial"/>
               <a:buChar char="○"/>
-              <a:defRPr b="0" i="0" sz="1100" u="none" cap="none" strike="noStrike">
+              <a:defRPr sz="1100" b="0" i="0" u="none" strike="noStrike" cap="none">
                 <a:solidFill>
                   <a:srgbClr val="000000"/>
                 </a:solidFill>
@@ -569,7 +589,7 @@
                 <a:sym typeface="Arial"/>
               </a:defRPr>
             </a:lvl8pPr>
-            <a:lvl9pPr indent="-298450" lvl="8" marL="4114800" marR="0" rtl="0" algn="l">
+            <a:lvl9pPr marL="4114800" marR="0" lvl="8" indent="-298450" algn="l" rtl="0">
               <a:lnSpc>
                 <a:spcPct val="100000"/>
               </a:lnSpc>
@@ -585,7 +605,7 @@
               <a:buSzPts val="1100"/>
               <a:buFont typeface="Arial"/>
               <a:buChar char="■"/>
-              <a:defRPr b="0" i="0" sz="1100" u="none" cap="none" strike="noStrike">
+              <a:defRPr sz="1100" b="0" i="0" u="none" strike="noStrike" cap="none">
                 <a:solidFill>
                   <a:srgbClr val="000000"/>
                 </a:solidFill>
@@ -596,14 +616,16 @@
               </a:defRPr>
             </a:lvl9pPr>
           </a:lstStyle>
-          <a:p/>
+          <a:p>
+            <a:endParaRPr/>
+          </a:p>
         </p:txBody>
       </p:sp>
     </p:spTree>
   </p:cSld>
-  <p:clrMap accent1="accent1" accent2="accent2" accent3="accent3" accent4="accent4" accent5="accent5" accent6="accent6" bg1="lt1" bg2="dk2" tx1="dk1" tx2="lt2" folHlink="folHlink" hlink="hlink"/>
+  <p:clrMap bg1="lt1" tx1="dk1" bg2="dk2" tx2="lt2" accent1="accent1" accent2="accent2" accent3="accent3" accent4="accent4" accent5="accent5" accent6="accent6" hlink="hlink" folHlink="folHlink"/>
   <p:notesStyle>
-    <a:defPPr lvl="0" marR="0" rtl="0" algn="l">
+    <a:defPPr marR="0" lvl="0" algn="l" rtl="0">
       <a:lnSpc>
         <a:spcPct val="100000"/>
       </a:lnSpc>
@@ -614,7 +636,7 @@
         <a:spcPts val="0"/>
       </a:spcAft>
     </a:defPPr>
-    <a:lvl1pPr lvl="0" marR="0" rtl="0" algn="l">
+    <a:lvl1pPr marR="0" lvl="0" algn="l" rtl="0">
       <a:lnSpc>
         <a:spcPct val="100000"/>
       </a:lnSpc>
@@ -628,7 +650,7 @@
         <a:srgbClr val="000000"/>
       </a:buClr>
       <a:buFont typeface="Arial"/>
-      <a:defRPr b="0" i="0" sz="1400" u="none" cap="none" strike="noStrike">
+      <a:defRPr sz="1400" b="0" i="0" u="none" strike="noStrike" cap="none">
         <a:solidFill>
           <a:srgbClr val="000000"/>
         </a:solidFill>
@@ -638,7 +660,7 @@
         <a:sym typeface="Arial"/>
       </a:defRPr>
     </a:lvl1pPr>
-    <a:lvl2pPr lvl="1" marR="0" rtl="0" algn="l">
+    <a:lvl2pPr marR="0" lvl="1" algn="l" rtl="0">
       <a:lnSpc>
         <a:spcPct val="100000"/>
       </a:lnSpc>
@@ -652,7 +674,7 @@
         <a:srgbClr val="000000"/>
       </a:buClr>
       <a:buFont typeface="Arial"/>
-      <a:defRPr b="0" i="0" sz="1400" u="none" cap="none" strike="noStrike">
+      <a:defRPr sz="1400" b="0" i="0" u="none" strike="noStrike" cap="none">
         <a:solidFill>
           <a:srgbClr val="000000"/>
         </a:solidFill>
@@ -662,7 +684,7 @@
         <a:sym typeface="Arial"/>
       </a:defRPr>
     </a:lvl2pPr>
-    <a:lvl3pPr lvl="2" marR="0" rtl="0" algn="l">
+    <a:lvl3pPr marR="0" lvl="2" algn="l" rtl="0">
       <a:lnSpc>
         <a:spcPct val="100000"/>
       </a:lnSpc>
@@ -676,7 +698,7 @@
         <a:srgbClr val="000000"/>
       </a:buClr>
       <a:buFont typeface="Arial"/>
-      <a:defRPr b="0" i="0" sz="1400" u="none" cap="none" strike="noStrike">
+      <a:defRPr sz="1400" b="0" i="0" u="none" strike="noStrike" cap="none">
         <a:solidFill>
           <a:srgbClr val="000000"/>
         </a:solidFill>
@@ -686,7 +708,7 @@
         <a:sym typeface="Arial"/>
       </a:defRPr>
     </a:lvl3pPr>
-    <a:lvl4pPr lvl="3" marR="0" rtl="0" algn="l">
+    <a:lvl4pPr marR="0" lvl="3" algn="l" rtl="0">
       <a:lnSpc>
         <a:spcPct val="100000"/>
       </a:lnSpc>
@@ -700,7 +722,7 @@
         <a:srgbClr val="000000"/>
       </a:buClr>
       <a:buFont typeface="Arial"/>
-      <a:defRPr b="0" i="0" sz="1400" u="none" cap="none" strike="noStrike">
+      <a:defRPr sz="1400" b="0" i="0" u="none" strike="noStrike" cap="none">
         <a:solidFill>
           <a:srgbClr val="000000"/>
         </a:solidFill>
@@ -710,7 +732,7 @@
         <a:sym typeface="Arial"/>
       </a:defRPr>
     </a:lvl4pPr>
-    <a:lvl5pPr lvl="4" marR="0" rtl="0" algn="l">
+    <a:lvl5pPr marR="0" lvl="4" algn="l" rtl="0">
       <a:lnSpc>
         <a:spcPct val="100000"/>
       </a:lnSpc>
@@ -724,7 +746,7 @@
         <a:srgbClr val="000000"/>
       </a:buClr>
       <a:buFont typeface="Arial"/>
-      <a:defRPr b="0" i="0" sz="1400" u="none" cap="none" strike="noStrike">
+      <a:defRPr sz="1400" b="0" i="0" u="none" strike="noStrike" cap="none">
         <a:solidFill>
           <a:srgbClr val="000000"/>
         </a:solidFill>
@@ -734,7 +756,7 @@
         <a:sym typeface="Arial"/>
       </a:defRPr>
     </a:lvl5pPr>
-    <a:lvl6pPr lvl="5" marR="0" rtl="0" algn="l">
+    <a:lvl6pPr marR="0" lvl="5" algn="l" rtl="0">
       <a:lnSpc>
         <a:spcPct val="100000"/>
       </a:lnSpc>
@@ -748,7 +770,7 @@
         <a:srgbClr val="000000"/>
       </a:buClr>
       <a:buFont typeface="Arial"/>
-      <a:defRPr b="0" i="0" sz="1400" u="none" cap="none" strike="noStrike">
+      <a:defRPr sz="1400" b="0" i="0" u="none" strike="noStrike" cap="none">
         <a:solidFill>
           <a:srgbClr val="000000"/>
         </a:solidFill>
@@ -758,7 +780,7 @@
         <a:sym typeface="Arial"/>
       </a:defRPr>
     </a:lvl6pPr>
-    <a:lvl7pPr lvl="6" marR="0" rtl="0" algn="l">
+    <a:lvl7pPr marR="0" lvl="6" algn="l" rtl="0">
       <a:lnSpc>
         <a:spcPct val="100000"/>
       </a:lnSpc>
@@ -772,7 +794,7 @@
         <a:srgbClr val="000000"/>
       </a:buClr>
       <a:buFont typeface="Arial"/>
-      <a:defRPr b="0" i="0" sz="1400" u="none" cap="none" strike="noStrike">
+      <a:defRPr sz="1400" b="0" i="0" u="none" strike="noStrike" cap="none">
         <a:solidFill>
           <a:srgbClr val="000000"/>
         </a:solidFill>
@@ -782,7 +804,7 @@
         <a:sym typeface="Arial"/>
       </a:defRPr>
     </a:lvl7pPr>
-    <a:lvl8pPr lvl="7" marR="0" rtl="0" algn="l">
+    <a:lvl8pPr marR="0" lvl="7" algn="l" rtl="0">
       <a:lnSpc>
         <a:spcPct val="100000"/>
       </a:lnSpc>
@@ -796,7 +818,7 @@
         <a:srgbClr val="000000"/>
       </a:buClr>
       <a:buFont typeface="Arial"/>
-      <a:defRPr b="0" i="0" sz="1400" u="none" cap="none" strike="noStrike">
+      <a:defRPr sz="1400" b="0" i="0" u="none" strike="noStrike" cap="none">
         <a:solidFill>
           <a:srgbClr val="000000"/>
         </a:solidFill>
@@ -806,7 +828,7 @@
         <a:sym typeface="Arial"/>
       </a:defRPr>
     </a:lvl8pPr>
-    <a:lvl9pPr lvl="8" marR="0" rtl="0" algn="l">
+    <a:lvl9pPr marR="0" lvl="8" algn="l" rtl="0">
       <a:lnSpc>
         <a:spcPct val="100000"/>
       </a:lnSpc>
@@ -820,7 +842,7 @@
         <a:srgbClr val="000000"/>
       </a:buClr>
       <a:buFont typeface="Arial"/>
-      <a:defRPr b="0" i="0" sz="1400" u="none" cap="none" strike="noStrike">
+      <a:defRPr sz="1400" b="0" i="0" u="none" strike="noStrike" cap="none">
         <a:solidFill>
           <a:srgbClr val="000000"/>
         </a:solidFill>
@@ -835,11 +857,11 @@
 </file>
 
 <file path=ppt/notesSlides/notesSlide1.xml><?xml version="1.0" encoding="utf-8"?>
-<p:notes xmlns:a="http://schemas.openxmlformats.org/drawingml/2006/main" xmlns:r="http://schemas.openxmlformats.org/officeDocument/2006/relationships" xmlns:mc="http://schemas.openxmlformats.org/markup-compatibility/2006" xmlns:mv="urn:schemas-microsoft-com:mac:vml" xmlns:p="http://schemas.openxmlformats.org/presentationml/2006/main" xmlns:c="http://schemas.openxmlformats.org/drawingml/2006/chart" xmlns:dgm="http://schemas.openxmlformats.org/drawingml/2006/diagram" xmlns:o="urn:schemas-microsoft-com:office:office" xmlns:v="urn:schemas-microsoft-com:vml" xmlns:pvml="urn:schemas-microsoft-com:office:powerpoint" xmlns:com="http://schemas.openxmlformats.org/drawingml/2006/compatibility" xmlns:p14="http://schemas.microsoft.com/office/powerpoint/2010/main" xmlns:p15="http://schemas.microsoft.com/office/powerpoint/2012/main" xmlns:ahyp="http://schemas.microsoft.com/office/drawing/2018/hyperlinkcolor" showMasterPhAnim="0" showMasterSp="0">
+<p:notes xmlns:a="http://schemas.openxmlformats.org/drawingml/2006/main" xmlns:r="http://schemas.openxmlformats.org/officeDocument/2006/relationships" xmlns:p="http://schemas.openxmlformats.org/presentationml/2006/main" showMasterSp="0" showMasterPhAnim="0">
   <p:cSld>
     <p:spTree>
       <p:nvGrpSpPr>
-        <p:cNvPr id="53" name="Shape 53"/>
+        <p:cNvPr id="1" name="Shape 53"/>
         <p:cNvGrpSpPr/>
         <p:nvPr/>
       </p:nvGrpSpPr>
@@ -854,20 +876,26 @@
       <p:sp>
         <p:nvSpPr>
           <p:cNvPr id="54" name="Google Shape;54;p1:notes"/>
-          <p:cNvSpPr/>
+          <p:cNvSpPr>
+            <a:spLocks noGrp="1" noRot="1" noChangeAspect="1"/>
+          </p:cNvSpPr>
           <p:nvPr>
-            <p:ph idx="2" type="sldImg"/>
+            <p:ph type="sldImg" idx="2"/>
           </p:nvPr>
         </p:nvSpPr>
         <p:spPr>
           <a:xfrm>
-            <a:off x="381300" y="685800"/>
-            <a:ext cx="6096075" cy="3429000"/>
+            <a:off x="381000" y="685800"/>
+            <a:ext cx="6096000" cy="3429000"/>
           </a:xfrm>
           <a:custGeom>
-            <a:rect b="b" l="l" r="r" t="t"/>
+            <a:avLst/>
+            <a:gdLst/>
+            <a:ahLst/>
+            <a:cxnLst/>
+            <a:rect l="l" t="t" r="r" b="b"/>
             <a:pathLst>
-              <a:path extrusionOk="0" h="120000" w="120000">
+              <a:path w="120000" h="120000" extrusionOk="0">
                 <a:moveTo>
                   <a:pt x="0" y="0"/>
                 </a:moveTo>
@@ -885,23 +913,25 @@
             </a:pathLst>
           </a:custGeom>
           <a:noFill/>
-          <a:ln cap="flat" cmpd="sng" w="9525">
+          <a:ln w="9525" cap="flat" cmpd="sng">
             <a:solidFill>
               <a:srgbClr val="000000"/>
             </a:solidFill>
             <a:prstDash val="solid"/>
             <a:round/>
-            <a:headEnd len="sm" w="sm" type="none"/>
-            <a:tailEnd len="sm" w="sm" type="none"/>
+            <a:headEnd type="none" w="sm" len="sm"/>
+            <a:tailEnd type="none" w="sm" len="sm"/>
           </a:ln>
         </p:spPr>
       </p:sp>
       <p:sp>
         <p:nvSpPr>
           <p:cNvPr id="55" name="Google Shape;55;p1:notes"/>
-          <p:cNvSpPr txBox="1"/>
+          <p:cNvSpPr txBox="1">
+            <a:spLocks noGrp="1"/>
+          </p:cNvSpPr>
           <p:nvPr>
-            <p:ph idx="1" type="body"/>
+            <p:ph type="body" idx="1"/>
           </p:nvPr>
         </p:nvSpPr>
         <p:spPr>
@@ -918,12 +948,12 @@
           </a:ln>
         </p:spPr>
         <p:txBody>
-          <a:bodyPr anchorCtr="0" anchor="t" bIns="91425" lIns="91425" spcFirstLastPara="1" rIns="91425" wrap="square" tIns="91425">
+          <a:bodyPr spcFirstLastPara="1" wrap="square" lIns="91425" tIns="91425" rIns="91425" bIns="91425" anchor="t" anchorCtr="0">
             <a:noAutofit/>
           </a:bodyPr>
           <a:lstStyle/>
           <a:p>
-            <a:pPr indent="0" lvl="0" marL="0" rtl="0" algn="l">
+            <a:pPr marL="0" lvl="0" indent="0" algn="l" rtl="0">
               <a:lnSpc>
                 <a:spcPct val="100000"/>
               </a:lnSpc>
@@ -936,9 +966,6 @@
               <a:buSzPts val="1100"/>
               <a:buNone/>
             </a:pPr>
-            <a:r>
-              <a:t/>
-            </a:r>
             <a:endParaRPr/>
           </a:p>
         </p:txBody>
@@ -952,11 +979,11 @@
 </file>
 
 <file path=ppt/notesSlides/notesSlide2.xml><?xml version="1.0" encoding="utf-8"?>
-<p:notes xmlns:a="http://schemas.openxmlformats.org/drawingml/2006/main" xmlns:r="http://schemas.openxmlformats.org/officeDocument/2006/relationships" xmlns:mc="http://schemas.openxmlformats.org/markup-compatibility/2006" xmlns:mv="urn:schemas-microsoft-com:mac:vml" xmlns:p="http://schemas.openxmlformats.org/presentationml/2006/main" xmlns:c="http://schemas.openxmlformats.org/drawingml/2006/chart" xmlns:dgm="http://schemas.openxmlformats.org/drawingml/2006/diagram" xmlns:o="urn:schemas-microsoft-com:office:office" xmlns:v="urn:schemas-microsoft-com:vml" xmlns:pvml="urn:schemas-microsoft-com:office:powerpoint" xmlns:com="http://schemas.openxmlformats.org/drawingml/2006/compatibility" xmlns:p14="http://schemas.microsoft.com/office/powerpoint/2010/main" xmlns:p15="http://schemas.microsoft.com/office/powerpoint/2012/main" xmlns:ahyp="http://schemas.microsoft.com/office/drawing/2018/hyperlinkcolor" showMasterPhAnim="0" showMasterSp="0">
+<p:notes xmlns:a="http://schemas.openxmlformats.org/drawingml/2006/main" xmlns:r="http://schemas.openxmlformats.org/officeDocument/2006/relationships" xmlns:p="http://schemas.openxmlformats.org/presentationml/2006/main" showMasterSp="0" showMasterPhAnim="0">
   <p:cSld>
     <p:spTree>
       <p:nvGrpSpPr>
-        <p:cNvPr id="60" name="Shape 60"/>
+        <p:cNvPr id="1" name="Shape 60"/>
         <p:cNvGrpSpPr/>
         <p:nvPr/>
       </p:nvGrpSpPr>
@@ -971,9 +998,11 @@
       <p:sp>
         <p:nvSpPr>
           <p:cNvPr id="61" name="Google Shape;61;p2:notes"/>
-          <p:cNvSpPr/>
+          <p:cNvSpPr>
+            <a:spLocks noGrp="1" noRot="1" noChangeAspect="1"/>
+          </p:cNvSpPr>
           <p:nvPr>
-            <p:ph idx="2" type="sldImg"/>
+            <p:ph type="sldImg" idx="2"/>
           </p:nvPr>
         </p:nvSpPr>
         <p:spPr>
@@ -982,9 +1011,13 @@
             <a:ext cx="6096000" cy="3429000"/>
           </a:xfrm>
           <a:custGeom>
-            <a:rect b="b" l="l" r="r" t="t"/>
+            <a:avLst/>
+            <a:gdLst/>
+            <a:ahLst/>
+            <a:cxnLst/>
+            <a:rect l="l" t="t" r="r" b="b"/>
             <a:pathLst>
-              <a:path extrusionOk="0" h="120000" w="120000">
+              <a:path w="120000" h="120000" extrusionOk="0">
                 <a:moveTo>
                   <a:pt x="0" y="0"/>
                 </a:moveTo>
@@ -1002,23 +1035,25 @@
             </a:pathLst>
           </a:custGeom>
           <a:noFill/>
-          <a:ln cap="flat" cmpd="sng" w="9525">
+          <a:ln w="9525" cap="flat" cmpd="sng">
             <a:solidFill>
               <a:srgbClr val="000000"/>
             </a:solidFill>
             <a:prstDash val="solid"/>
             <a:round/>
-            <a:headEnd len="sm" w="sm" type="none"/>
-            <a:tailEnd len="sm" w="sm" type="none"/>
+            <a:headEnd type="none" w="sm" len="sm"/>
+            <a:tailEnd type="none" w="sm" len="sm"/>
           </a:ln>
         </p:spPr>
       </p:sp>
       <p:sp>
         <p:nvSpPr>
           <p:cNvPr id="62" name="Google Shape;62;p2:notes"/>
-          <p:cNvSpPr txBox="1"/>
+          <p:cNvSpPr txBox="1">
+            <a:spLocks noGrp="1"/>
+          </p:cNvSpPr>
           <p:nvPr>
-            <p:ph idx="1" type="body"/>
+            <p:ph type="body" idx="1"/>
           </p:nvPr>
         </p:nvSpPr>
         <p:spPr>
@@ -1035,12 +1070,12 @@
           </a:ln>
         </p:spPr>
         <p:txBody>
-          <a:bodyPr anchorCtr="0" anchor="t" bIns="91425" lIns="91425" spcFirstLastPara="1" rIns="91425" wrap="square" tIns="91425">
+          <a:bodyPr spcFirstLastPara="1" wrap="square" lIns="91425" tIns="91425" rIns="91425" bIns="91425" anchor="t" anchorCtr="0">
             <a:noAutofit/>
           </a:bodyPr>
           <a:lstStyle/>
           <a:p>
-            <a:pPr indent="0" lvl="0" marL="0" rtl="0" algn="l">
+            <a:pPr marL="0" lvl="0" indent="0" algn="l" rtl="0">
               <a:lnSpc>
                 <a:spcPct val="100000"/>
               </a:lnSpc>
@@ -1053,9 +1088,6 @@
               <a:buSzPts val="1100"/>
               <a:buNone/>
             </a:pPr>
-            <a:r>
-              <a:t/>
-            </a:r>
             <a:endParaRPr/>
           </a:p>
         </p:txBody>
@@ -1069,11 +1101,11 @@
 </file>
 
 <file path=ppt/slideLayouts/slideLayout1.xml><?xml version="1.0" encoding="utf-8"?>
-<p:sldLayout xmlns:a="http://schemas.openxmlformats.org/drawingml/2006/main" xmlns:r="http://schemas.openxmlformats.org/officeDocument/2006/relationships" xmlns:mc="http://schemas.openxmlformats.org/markup-compatibility/2006" xmlns:mv="urn:schemas-microsoft-com:mac:vml" xmlns:p="http://schemas.openxmlformats.org/presentationml/2006/main" xmlns:c="http://schemas.openxmlformats.org/drawingml/2006/chart" xmlns:dgm="http://schemas.openxmlformats.org/drawingml/2006/diagram" xmlns:o="urn:schemas-microsoft-com:office:office" xmlns:v="urn:schemas-microsoft-com:vml" xmlns:pvml="urn:schemas-microsoft-com:office:powerpoint" xmlns:com="http://schemas.openxmlformats.org/drawingml/2006/compatibility" xmlns:p14="http://schemas.microsoft.com/office/powerpoint/2010/main" xmlns:p15="http://schemas.microsoft.com/office/powerpoint/2012/main" xmlns:ahyp="http://schemas.microsoft.com/office/drawing/2018/hyperlinkcolor" matchingName="Title slide" type="title">
+<p:sldLayout xmlns:a="http://schemas.openxmlformats.org/drawingml/2006/main" xmlns:r="http://schemas.openxmlformats.org/officeDocument/2006/relationships" xmlns:p="http://schemas.openxmlformats.org/presentationml/2006/main" matchingName="Title slide" type="title">
   <p:cSld name="TITLE">
     <p:spTree>
       <p:nvGrpSpPr>
-        <p:cNvPr id="9" name="Shape 9"/>
+        <p:cNvPr id="1" name="Shape 9"/>
         <p:cNvGrpSpPr/>
         <p:nvPr/>
       </p:nvGrpSpPr>
@@ -1088,7 +1120,9 @@
       <p:sp>
         <p:nvSpPr>
           <p:cNvPr id="10" name="Google Shape;10;p4"/>
-          <p:cNvSpPr txBox="1"/>
+          <p:cNvSpPr txBox="1">
+            <a:spLocks noGrp="1"/>
+          </p:cNvSpPr>
           <p:nvPr>
             <p:ph type="ctrTitle"/>
           </p:nvPr>
@@ -1107,7 +1141,7 @@
           </a:ln>
         </p:spPr>
         <p:txBody>
-          <a:bodyPr anchorCtr="0" anchor="b" bIns="91425" lIns="91425" spcFirstLastPara="1" rIns="91425" wrap="square" tIns="91425">
+          <a:bodyPr spcFirstLastPara="1" wrap="square" lIns="91425" tIns="91425" rIns="91425" bIns="91425" anchor="b" anchorCtr="0">
             <a:noAutofit/>
           </a:bodyPr>
           <a:lstStyle>
@@ -1238,15 +1272,19 @@
               <a:defRPr sz="5200"/>
             </a:lvl9pPr>
           </a:lstStyle>
-          <a:p/>
+          <a:p>
+            <a:endParaRPr/>
+          </a:p>
         </p:txBody>
       </p:sp>
       <p:sp>
         <p:nvSpPr>
           <p:cNvPr id="11" name="Google Shape;11;p4"/>
-          <p:cNvSpPr txBox="1"/>
+          <p:cNvSpPr txBox="1">
+            <a:spLocks noGrp="1"/>
+          </p:cNvSpPr>
           <p:nvPr>
-            <p:ph idx="1" type="subTitle"/>
+            <p:ph type="subTitle" idx="1"/>
           </p:nvPr>
         </p:nvSpPr>
         <p:spPr>
@@ -1263,7 +1301,7 @@
           </a:ln>
         </p:spPr>
         <p:txBody>
-          <a:bodyPr anchorCtr="0" anchor="t" bIns="91425" lIns="91425" spcFirstLastPara="1" rIns="91425" wrap="square" tIns="91425">
+          <a:bodyPr spcFirstLastPara="1" wrap="square" lIns="91425" tIns="91425" rIns="91425" bIns="91425" anchor="t" anchorCtr="0">
             <a:noAutofit/>
           </a:bodyPr>
           <a:lstStyle>
@@ -1394,15 +1432,19 @@
               <a:defRPr sz="2800"/>
             </a:lvl9pPr>
           </a:lstStyle>
-          <a:p/>
+          <a:p>
+            <a:endParaRPr/>
+          </a:p>
         </p:txBody>
       </p:sp>
       <p:sp>
         <p:nvSpPr>
           <p:cNvPr id="12" name="Google Shape;12;p4"/>
-          <p:cNvSpPr txBox="1"/>
+          <p:cNvSpPr txBox="1">
+            <a:spLocks noGrp="1"/>
+          </p:cNvSpPr>
           <p:nvPr>
-            <p:ph idx="12" type="sldNum"/>
+            <p:ph type="sldNum" idx="12"/>
           </p:nvPr>
         </p:nvSpPr>
         <p:spPr>
@@ -1419,27 +1461,27 @@
           </a:ln>
         </p:spPr>
         <p:txBody>
-          <a:bodyPr anchorCtr="0" anchor="ctr" bIns="91425" lIns="91425" spcFirstLastPara="1" rIns="91425" wrap="square" tIns="91425">
+          <a:bodyPr spcFirstLastPara="1" wrap="square" lIns="91425" tIns="91425" rIns="91425" bIns="91425" anchor="ctr" anchorCtr="0">
             <a:noAutofit/>
           </a:bodyPr>
           <a:lstStyle>
-            <a:lvl1pPr indent="0" lvl="0" marL="0" marR="0" algn="r">
-              <a:lnSpc>
-                <a:spcPct val="100000"/>
-              </a:lnSpc>
-              <a:spcBef>
-                <a:spcPts val="0"/>
-              </a:spcBef>
-              <a:spcAft>
-                <a:spcPts val="0"/>
-              </a:spcAft>
-              <a:buClr>
-                <a:srgbClr val="000000"/>
-              </a:buClr>
-              <a:buSzPts val="1000"/>
-              <a:buFont typeface="Arial"/>
-              <a:buNone/>
-              <a:defRPr b="0" i="0" sz="1000" u="none" cap="none" strike="noStrike">
+            <a:lvl1pPr marL="0" marR="0" lvl="0" indent="0" algn="r">
+              <a:lnSpc>
+                <a:spcPct val="100000"/>
+              </a:lnSpc>
+              <a:spcBef>
+                <a:spcPts val="0"/>
+              </a:spcBef>
+              <a:spcAft>
+                <a:spcPts val="0"/>
+              </a:spcAft>
+              <a:buClr>
+                <a:srgbClr val="000000"/>
+              </a:buClr>
+              <a:buSzPts val="1000"/>
+              <a:buFont typeface="Arial"/>
+              <a:buNone/>
+              <a:defRPr sz="1000" b="0" i="0" u="none" strike="noStrike" cap="none">
                 <a:solidFill>
                   <a:schemeClr val="dk2"/>
                 </a:solidFill>
@@ -1449,23 +1491,23 @@
                 <a:sym typeface="Arial"/>
               </a:defRPr>
             </a:lvl1pPr>
-            <a:lvl2pPr indent="0" lvl="1" marL="0" marR="0" algn="r">
-              <a:lnSpc>
-                <a:spcPct val="100000"/>
-              </a:lnSpc>
-              <a:spcBef>
-                <a:spcPts val="0"/>
-              </a:spcBef>
-              <a:spcAft>
-                <a:spcPts val="0"/>
-              </a:spcAft>
-              <a:buClr>
-                <a:srgbClr val="000000"/>
-              </a:buClr>
-              <a:buSzPts val="1000"/>
-              <a:buFont typeface="Arial"/>
-              <a:buNone/>
-              <a:defRPr b="0" i="0" sz="1000" u="none" cap="none" strike="noStrike">
+            <a:lvl2pPr marL="0" marR="0" lvl="1" indent="0" algn="r">
+              <a:lnSpc>
+                <a:spcPct val="100000"/>
+              </a:lnSpc>
+              <a:spcBef>
+                <a:spcPts val="0"/>
+              </a:spcBef>
+              <a:spcAft>
+                <a:spcPts val="0"/>
+              </a:spcAft>
+              <a:buClr>
+                <a:srgbClr val="000000"/>
+              </a:buClr>
+              <a:buSzPts val="1000"/>
+              <a:buFont typeface="Arial"/>
+              <a:buNone/>
+              <a:defRPr sz="1000" b="0" i="0" u="none" strike="noStrike" cap="none">
                 <a:solidFill>
                   <a:schemeClr val="dk2"/>
                 </a:solidFill>
@@ -1475,23 +1517,23 @@
                 <a:sym typeface="Arial"/>
               </a:defRPr>
             </a:lvl2pPr>
-            <a:lvl3pPr indent="0" lvl="2" marL="0" marR="0" algn="r">
-              <a:lnSpc>
-                <a:spcPct val="100000"/>
-              </a:lnSpc>
-              <a:spcBef>
-                <a:spcPts val="0"/>
-              </a:spcBef>
-              <a:spcAft>
-                <a:spcPts val="0"/>
-              </a:spcAft>
-              <a:buClr>
-                <a:srgbClr val="000000"/>
-              </a:buClr>
-              <a:buSzPts val="1000"/>
-              <a:buFont typeface="Arial"/>
-              <a:buNone/>
-              <a:defRPr b="0" i="0" sz="1000" u="none" cap="none" strike="noStrike">
+            <a:lvl3pPr marL="0" marR="0" lvl="2" indent="0" algn="r">
+              <a:lnSpc>
+                <a:spcPct val="100000"/>
+              </a:lnSpc>
+              <a:spcBef>
+                <a:spcPts val="0"/>
+              </a:spcBef>
+              <a:spcAft>
+                <a:spcPts val="0"/>
+              </a:spcAft>
+              <a:buClr>
+                <a:srgbClr val="000000"/>
+              </a:buClr>
+              <a:buSzPts val="1000"/>
+              <a:buFont typeface="Arial"/>
+              <a:buNone/>
+              <a:defRPr sz="1000" b="0" i="0" u="none" strike="noStrike" cap="none">
                 <a:solidFill>
                   <a:schemeClr val="dk2"/>
                 </a:solidFill>
@@ -1501,23 +1543,23 @@
                 <a:sym typeface="Arial"/>
               </a:defRPr>
             </a:lvl3pPr>
-            <a:lvl4pPr indent="0" lvl="3" marL="0" marR="0" algn="r">
-              <a:lnSpc>
-                <a:spcPct val="100000"/>
-              </a:lnSpc>
-              <a:spcBef>
-                <a:spcPts val="0"/>
-              </a:spcBef>
-              <a:spcAft>
-                <a:spcPts val="0"/>
-              </a:spcAft>
-              <a:buClr>
-                <a:srgbClr val="000000"/>
-              </a:buClr>
-              <a:buSzPts val="1000"/>
-              <a:buFont typeface="Arial"/>
-              <a:buNone/>
-              <a:defRPr b="0" i="0" sz="1000" u="none" cap="none" strike="noStrike">
+            <a:lvl4pPr marL="0" marR="0" lvl="3" indent="0" algn="r">
+              <a:lnSpc>
+                <a:spcPct val="100000"/>
+              </a:lnSpc>
+              <a:spcBef>
+                <a:spcPts val="0"/>
+              </a:spcBef>
+              <a:spcAft>
+                <a:spcPts val="0"/>
+              </a:spcAft>
+              <a:buClr>
+                <a:srgbClr val="000000"/>
+              </a:buClr>
+              <a:buSzPts val="1000"/>
+              <a:buFont typeface="Arial"/>
+              <a:buNone/>
+              <a:defRPr sz="1000" b="0" i="0" u="none" strike="noStrike" cap="none">
                 <a:solidFill>
                   <a:schemeClr val="dk2"/>
                 </a:solidFill>
@@ -1527,23 +1569,23 @@
                 <a:sym typeface="Arial"/>
               </a:defRPr>
             </a:lvl4pPr>
-            <a:lvl5pPr indent="0" lvl="4" marL="0" marR="0" algn="r">
-              <a:lnSpc>
-                <a:spcPct val="100000"/>
-              </a:lnSpc>
-              <a:spcBef>
-                <a:spcPts val="0"/>
-              </a:spcBef>
-              <a:spcAft>
-                <a:spcPts val="0"/>
-              </a:spcAft>
-              <a:buClr>
-                <a:srgbClr val="000000"/>
-              </a:buClr>
-              <a:buSzPts val="1000"/>
-              <a:buFont typeface="Arial"/>
-              <a:buNone/>
-              <a:defRPr b="0" i="0" sz="1000" u="none" cap="none" strike="noStrike">
+            <a:lvl5pPr marL="0" marR="0" lvl="4" indent="0" algn="r">
+              <a:lnSpc>
+                <a:spcPct val="100000"/>
+              </a:lnSpc>
+              <a:spcBef>
+                <a:spcPts val="0"/>
+              </a:spcBef>
+              <a:spcAft>
+                <a:spcPts val="0"/>
+              </a:spcAft>
+              <a:buClr>
+                <a:srgbClr val="000000"/>
+              </a:buClr>
+              <a:buSzPts val="1000"/>
+              <a:buFont typeface="Arial"/>
+              <a:buNone/>
+              <a:defRPr sz="1000" b="0" i="0" u="none" strike="noStrike" cap="none">
                 <a:solidFill>
                   <a:schemeClr val="dk2"/>
                 </a:solidFill>
@@ -1553,23 +1595,23 @@
                 <a:sym typeface="Arial"/>
               </a:defRPr>
             </a:lvl5pPr>
-            <a:lvl6pPr indent="0" lvl="5" marL="0" marR="0" algn="r">
-              <a:lnSpc>
-                <a:spcPct val="100000"/>
-              </a:lnSpc>
-              <a:spcBef>
-                <a:spcPts val="0"/>
-              </a:spcBef>
-              <a:spcAft>
-                <a:spcPts val="0"/>
-              </a:spcAft>
-              <a:buClr>
-                <a:srgbClr val="000000"/>
-              </a:buClr>
-              <a:buSzPts val="1000"/>
-              <a:buFont typeface="Arial"/>
-              <a:buNone/>
-              <a:defRPr b="0" i="0" sz="1000" u="none" cap="none" strike="noStrike">
+            <a:lvl6pPr marL="0" marR="0" lvl="5" indent="0" algn="r">
+              <a:lnSpc>
+                <a:spcPct val="100000"/>
+              </a:lnSpc>
+              <a:spcBef>
+                <a:spcPts val="0"/>
+              </a:spcBef>
+              <a:spcAft>
+                <a:spcPts val="0"/>
+              </a:spcAft>
+              <a:buClr>
+                <a:srgbClr val="000000"/>
+              </a:buClr>
+              <a:buSzPts val="1000"/>
+              <a:buFont typeface="Arial"/>
+              <a:buNone/>
+              <a:defRPr sz="1000" b="0" i="0" u="none" strike="noStrike" cap="none">
                 <a:solidFill>
                   <a:schemeClr val="dk2"/>
                 </a:solidFill>
@@ -1579,23 +1621,23 @@
                 <a:sym typeface="Arial"/>
               </a:defRPr>
             </a:lvl6pPr>
-            <a:lvl7pPr indent="0" lvl="6" marL="0" marR="0" algn="r">
-              <a:lnSpc>
-                <a:spcPct val="100000"/>
-              </a:lnSpc>
-              <a:spcBef>
-                <a:spcPts val="0"/>
-              </a:spcBef>
-              <a:spcAft>
-                <a:spcPts val="0"/>
-              </a:spcAft>
-              <a:buClr>
-                <a:srgbClr val="000000"/>
-              </a:buClr>
-              <a:buSzPts val="1000"/>
-              <a:buFont typeface="Arial"/>
-              <a:buNone/>
-              <a:defRPr b="0" i="0" sz="1000" u="none" cap="none" strike="noStrike">
+            <a:lvl7pPr marL="0" marR="0" lvl="6" indent="0" algn="r">
+              <a:lnSpc>
+                <a:spcPct val="100000"/>
+              </a:lnSpc>
+              <a:spcBef>
+                <a:spcPts val="0"/>
+              </a:spcBef>
+              <a:spcAft>
+                <a:spcPts val="0"/>
+              </a:spcAft>
+              <a:buClr>
+                <a:srgbClr val="000000"/>
+              </a:buClr>
+              <a:buSzPts val="1000"/>
+              <a:buFont typeface="Arial"/>
+              <a:buNone/>
+              <a:defRPr sz="1000" b="0" i="0" u="none" strike="noStrike" cap="none">
                 <a:solidFill>
                   <a:schemeClr val="dk2"/>
                 </a:solidFill>
@@ -1605,23 +1647,23 @@
                 <a:sym typeface="Arial"/>
               </a:defRPr>
             </a:lvl7pPr>
-            <a:lvl8pPr indent="0" lvl="7" marL="0" marR="0" algn="r">
-              <a:lnSpc>
-                <a:spcPct val="100000"/>
-              </a:lnSpc>
-              <a:spcBef>
-                <a:spcPts val="0"/>
-              </a:spcBef>
-              <a:spcAft>
-                <a:spcPts val="0"/>
-              </a:spcAft>
-              <a:buClr>
-                <a:srgbClr val="000000"/>
-              </a:buClr>
-              <a:buSzPts val="1000"/>
-              <a:buFont typeface="Arial"/>
-              <a:buNone/>
-              <a:defRPr b="0" i="0" sz="1000" u="none" cap="none" strike="noStrike">
+            <a:lvl8pPr marL="0" marR="0" lvl="7" indent="0" algn="r">
+              <a:lnSpc>
+                <a:spcPct val="100000"/>
+              </a:lnSpc>
+              <a:spcBef>
+                <a:spcPts val="0"/>
+              </a:spcBef>
+              <a:spcAft>
+                <a:spcPts val="0"/>
+              </a:spcAft>
+              <a:buClr>
+                <a:srgbClr val="000000"/>
+              </a:buClr>
+              <a:buSzPts val="1000"/>
+              <a:buFont typeface="Arial"/>
+              <a:buNone/>
+              <a:defRPr sz="1000" b="0" i="0" u="none" strike="noStrike" cap="none">
                 <a:solidFill>
                   <a:schemeClr val="dk2"/>
                 </a:solidFill>
@@ -1631,23 +1673,23 @@
                 <a:sym typeface="Arial"/>
               </a:defRPr>
             </a:lvl8pPr>
-            <a:lvl9pPr indent="0" lvl="8" marL="0" marR="0" algn="r">
-              <a:lnSpc>
-                <a:spcPct val="100000"/>
-              </a:lnSpc>
-              <a:spcBef>
-                <a:spcPts val="0"/>
-              </a:spcBef>
-              <a:spcAft>
-                <a:spcPts val="0"/>
-              </a:spcAft>
-              <a:buClr>
-                <a:srgbClr val="000000"/>
-              </a:buClr>
-              <a:buSzPts val="1000"/>
-              <a:buFont typeface="Arial"/>
-              <a:buNone/>
-              <a:defRPr b="0" i="0" sz="1000" u="none" cap="none" strike="noStrike">
+            <a:lvl9pPr marL="0" marR="0" lvl="8" indent="0" algn="r">
+              <a:lnSpc>
+                <a:spcPct val="100000"/>
+              </a:lnSpc>
+              <a:spcBef>
+                <a:spcPts val="0"/>
+              </a:spcBef>
+              <a:spcAft>
+                <a:spcPts val="0"/>
+              </a:spcAft>
+              <a:buClr>
+                <a:srgbClr val="000000"/>
+              </a:buClr>
+              <a:buSzPts val="1000"/>
+              <a:buFont typeface="Arial"/>
+              <a:buNone/>
+              <a:defRPr sz="1000" b="0" i="0" u="none" strike="noStrike" cap="none">
                 <a:solidFill>
                   <a:schemeClr val="dk2"/>
                 </a:solidFill>
@@ -1659,7 +1701,7 @@
             </a:lvl9pPr>
           </a:lstStyle>
           <a:p>
-            <a:pPr indent="0" lvl="0" marL="0" rtl="0" algn="r">
+            <a:pPr marL="0" lvl="0" indent="0" algn="r" rtl="0">
               <a:spcBef>
                 <a:spcPts val="0"/>
               </a:spcBef>
@@ -1685,11 +1727,11 @@
 </file>
 
 <file path=ppt/slideLayouts/slideLayout10.xml><?xml version="1.0" encoding="utf-8"?>
-<p:sldLayout xmlns:a="http://schemas.openxmlformats.org/drawingml/2006/main" xmlns:r="http://schemas.openxmlformats.org/officeDocument/2006/relationships" xmlns:mc="http://schemas.openxmlformats.org/markup-compatibility/2006" xmlns:mv="urn:schemas-microsoft-com:mac:vml" xmlns:p="http://schemas.openxmlformats.org/presentationml/2006/main" xmlns:c="http://schemas.openxmlformats.org/drawingml/2006/chart" xmlns:dgm="http://schemas.openxmlformats.org/drawingml/2006/diagram" xmlns:o="urn:schemas-microsoft-com:office:office" xmlns:v="urn:schemas-microsoft-com:vml" xmlns:pvml="urn:schemas-microsoft-com:office:powerpoint" xmlns:com="http://schemas.openxmlformats.org/drawingml/2006/compatibility" xmlns:p14="http://schemas.microsoft.com/office/powerpoint/2010/main" xmlns:p15="http://schemas.microsoft.com/office/powerpoint/2012/main" xmlns:ahyp="http://schemas.microsoft.com/office/drawing/2018/hyperlinkcolor" matchingName="Big number">
+<p:sldLayout xmlns:a="http://schemas.openxmlformats.org/drawingml/2006/main" xmlns:r="http://schemas.openxmlformats.org/officeDocument/2006/relationships" xmlns:p="http://schemas.openxmlformats.org/presentationml/2006/main" matchingName="Big number">
   <p:cSld name="BIG_NUMBER">
     <p:spTree>
       <p:nvGrpSpPr>
-        <p:cNvPr id="44" name="Shape 44"/>
+        <p:cNvPr id="1" name="Shape 44"/>
         <p:cNvGrpSpPr/>
         <p:nvPr/>
       </p:nvGrpSpPr>
@@ -1704,9 +1746,11 @@
       <p:sp>
         <p:nvSpPr>
           <p:cNvPr id="45" name="Google Shape;45;p13"/>
-          <p:cNvSpPr txBox="1"/>
+          <p:cNvSpPr txBox="1">
+            <a:spLocks noGrp="1"/>
+          </p:cNvSpPr>
           <p:nvPr>
-            <p:ph hasCustomPrompt="1" type="title"/>
+            <p:ph type="title" hasCustomPrompt="1"/>
           </p:nvPr>
         </p:nvSpPr>
         <p:spPr>
@@ -1723,7 +1767,7 @@
           </a:ln>
         </p:spPr>
         <p:txBody>
-          <a:bodyPr anchorCtr="0" anchor="b" bIns="91425" lIns="91425" spcFirstLastPara="1" rIns="91425" wrap="square" tIns="91425">
+          <a:bodyPr spcFirstLastPara="1" wrap="square" lIns="91425" tIns="91425" rIns="91425" bIns="91425" anchor="b" anchorCtr="0">
             <a:noAutofit/>
           </a:bodyPr>
           <a:lstStyle>
@@ -1864,9 +1908,11 @@
       <p:sp>
         <p:nvSpPr>
           <p:cNvPr id="46" name="Google Shape;46;p13"/>
-          <p:cNvSpPr txBox="1"/>
+          <p:cNvSpPr txBox="1">
+            <a:spLocks noGrp="1"/>
+          </p:cNvSpPr>
           <p:nvPr>
-            <p:ph idx="1" type="body"/>
+            <p:ph type="body" idx="1"/>
           </p:nvPr>
         </p:nvSpPr>
         <p:spPr>
@@ -1883,11 +1929,11 @@
           </a:ln>
         </p:spPr>
         <p:txBody>
-          <a:bodyPr anchorCtr="0" anchor="t" bIns="91425" lIns="91425" spcFirstLastPara="1" rIns="91425" wrap="square" tIns="91425">
+          <a:bodyPr spcFirstLastPara="1" wrap="square" lIns="91425" tIns="91425" rIns="91425" bIns="91425" anchor="t" anchorCtr="0">
             <a:noAutofit/>
           </a:bodyPr>
           <a:lstStyle>
-            <a:lvl1pPr indent="-342900" lvl="0" marL="457200" algn="ctr">
+            <a:lvl1pPr marL="457200" lvl="0" indent="-342900" algn="ctr">
               <a:lnSpc>
                 <a:spcPct val="115000"/>
               </a:lnSpc>
@@ -1901,7 +1947,7 @@
               <a:buChar char="●"/>
               <a:defRPr/>
             </a:lvl1pPr>
-            <a:lvl2pPr indent="-317500" lvl="1" marL="914400" algn="ctr">
+            <a:lvl2pPr marL="914400" lvl="1" indent="-317500" algn="ctr">
               <a:lnSpc>
                 <a:spcPct val="115000"/>
               </a:lnSpc>
@@ -1915,7 +1961,7 @@
               <a:buChar char="○"/>
               <a:defRPr/>
             </a:lvl2pPr>
-            <a:lvl3pPr indent="-317500" lvl="2" marL="1371600" algn="ctr">
+            <a:lvl3pPr marL="1371600" lvl="2" indent="-317500" algn="ctr">
               <a:lnSpc>
                 <a:spcPct val="115000"/>
               </a:lnSpc>
@@ -1929,7 +1975,7 @@
               <a:buChar char="■"/>
               <a:defRPr/>
             </a:lvl3pPr>
-            <a:lvl4pPr indent="-317500" lvl="3" marL="1828800" algn="ctr">
+            <a:lvl4pPr marL="1828800" lvl="3" indent="-317500" algn="ctr">
               <a:lnSpc>
                 <a:spcPct val="115000"/>
               </a:lnSpc>
@@ -1943,7 +1989,7 @@
               <a:buChar char="●"/>
               <a:defRPr/>
             </a:lvl4pPr>
-            <a:lvl5pPr indent="-317500" lvl="4" marL="2286000" algn="ctr">
+            <a:lvl5pPr marL="2286000" lvl="4" indent="-317500" algn="ctr">
               <a:lnSpc>
                 <a:spcPct val="115000"/>
               </a:lnSpc>
@@ -1957,7 +2003,7 @@
               <a:buChar char="○"/>
               <a:defRPr/>
             </a:lvl5pPr>
-            <a:lvl6pPr indent="-317500" lvl="5" marL="2743200" algn="ctr">
+            <a:lvl6pPr marL="2743200" lvl="5" indent="-317500" algn="ctr">
               <a:lnSpc>
                 <a:spcPct val="115000"/>
               </a:lnSpc>
@@ -1971,7 +2017,7 @@
               <a:buChar char="■"/>
               <a:defRPr/>
             </a:lvl6pPr>
-            <a:lvl7pPr indent="-317500" lvl="6" marL="3200400" algn="ctr">
+            <a:lvl7pPr marL="3200400" lvl="6" indent="-317500" algn="ctr">
               <a:lnSpc>
                 <a:spcPct val="115000"/>
               </a:lnSpc>
@@ -1985,7 +2031,7 @@
               <a:buChar char="●"/>
               <a:defRPr/>
             </a:lvl7pPr>
-            <a:lvl8pPr indent="-317500" lvl="7" marL="3657600" algn="ctr">
+            <a:lvl8pPr marL="3657600" lvl="7" indent="-317500" algn="ctr">
               <a:lnSpc>
                 <a:spcPct val="115000"/>
               </a:lnSpc>
@@ -1999,7 +2045,7 @@
               <a:buChar char="○"/>
               <a:defRPr/>
             </a:lvl8pPr>
-            <a:lvl9pPr indent="-317500" lvl="8" marL="4114800" algn="ctr">
+            <a:lvl9pPr marL="4114800" lvl="8" indent="-317500" algn="ctr">
               <a:lnSpc>
                 <a:spcPct val="115000"/>
               </a:lnSpc>
@@ -2014,15 +2060,19 @@
               <a:defRPr/>
             </a:lvl9pPr>
           </a:lstStyle>
-          <a:p/>
+          <a:p>
+            <a:endParaRPr/>
+          </a:p>
         </p:txBody>
       </p:sp>
       <p:sp>
         <p:nvSpPr>
           <p:cNvPr id="47" name="Google Shape;47;p13"/>
-          <p:cNvSpPr txBox="1"/>
+          <p:cNvSpPr txBox="1">
+            <a:spLocks noGrp="1"/>
+          </p:cNvSpPr>
           <p:nvPr>
-            <p:ph idx="12" type="sldNum"/>
+            <p:ph type="sldNum" idx="12"/>
           </p:nvPr>
         </p:nvSpPr>
         <p:spPr>
@@ -2039,27 +2089,27 @@
           </a:ln>
         </p:spPr>
         <p:txBody>
-          <a:bodyPr anchorCtr="0" anchor="ctr" bIns="91425" lIns="91425" spcFirstLastPara="1" rIns="91425" wrap="square" tIns="91425">
+          <a:bodyPr spcFirstLastPara="1" wrap="square" lIns="91425" tIns="91425" rIns="91425" bIns="91425" anchor="ctr" anchorCtr="0">
             <a:noAutofit/>
           </a:bodyPr>
           <a:lstStyle>
-            <a:lvl1pPr indent="0" lvl="0" marL="0" marR="0" algn="r">
-              <a:lnSpc>
-                <a:spcPct val="100000"/>
-              </a:lnSpc>
-              <a:spcBef>
-                <a:spcPts val="0"/>
-              </a:spcBef>
-              <a:spcAft>
-                <a:spcPts val="0"/>
-              </a:spcAft>
-              <a:buClr>
-                <a:srgbClr val="000000"/>
-              </a:buClr>
-              <a:buSzPts val="1000"/>
-              <a:buFont typeface="Arial"/>
-              <a:buNone/>
-              <a:defRPr b="0" i="0" sz="1000" u="none" cap="none" strike="noStrike">
+            <a:lvl1pPr marL="0" marR="0" lvl="0" indent="0" algn="r">
+              <a:lnSpc>
+                <a:spcPct val="100000"/>
+              </a:lnSpc>
+              <a:spcBef>
+                <a:spcPts val="0"/>
+              </a:spcBef>
+              <a:spcAft>
+                <a:spcPts val="0"/>
+              </a:spcAft>
+              <a:buClr>
+                <a:srgbClr val="000000"/>
+              </a:buClr>
+              <a:buSzPts val="1000"/>
+              <a:buFont typeface="Arial"/>
+              <a:buNone/>
+              <a:defRPr sz="1000" b="0" i="0" u="none" strike="noStrike" cap="none">
                 <a:solidFill>
                   <a:schemeClr val="dk2"/>
                 </a:solidFill>
@@ -2069,23 +2119,23 @@
                 <a:sym typeface="Arial"/>
               </a:defRPr>
             </a:lvl1pPr>
-            <a:lvl2pPr indent="0" lvl="1" marL="0" marR="0" algn="r">
-              <a:lnSpc>
-                <a:spcPct val="100000"/>
-              </a:lnSpc>
-              <a:spcBef>
-                <a:spcPts val="0"/>
-              </a:spcBef>
-              <a:spcAft>
-                <a:spcPts val="0"/>
-              </a:spcAft>
-              <a:buClr>
-                <a:srgbClr val="000000"/>
-              </a:buClr>
-              <a:buSzPts val="1000"/>
-              <a:buFont typeface="Arial"/>
-              <a:buNone/>
-              <a:defRPr b="0" i="0" sz="1000" u="none" cap="none" strike="noStrike">
+            <a:lvl2pPr marL="0" marR="0" lvl="1" indent="0" algn="r">
+              <a:lnSpc>
+                <a:spcPct val="100000"/>
+              </a:lnSpc>
+              <a:spcBef>
+                <a:spcPts val="0"/>
+              </a:spcBef>
+              <a:spcAft>
+                <a:spcPts val="0"/>
+              </a:spcAft>
+              <a:buClr>
+                <a:srgbClr val="000000"/>
+              </a:buClr>
+              <a:buSzPts val="1000"/>
+              <a:buFont typeface="Arial"/>
+              <a:buNone/>
+              <a:defRPr sz="1000" b="0" i="0" u="none" strike="noStrike" cap="none">
                 <a:solidFill>
                   <a:schemeClr val="dk2"/>
                 </a:solidFill>
@@ -2095,23 +2145,23 @@
                 <a:sym typeface="Arial"/>
               </a:defRPr>
             </a:lvl2pPr>
-            <a:lvl3pPr indent="0" lvl="2" marL="0" marR="0" algn="r">
-              <a:lnSpc>
-                <a:spcPct val="100000"/>
-              </a:lnSpc>
-              <a:spcBef>
-                <a:spcPts val="0"/>
-              </a:spcBef>
-              <a:spcAft>
-                <a:spcPts val="0"/>
-              </a:spcAft>
-              <a:buClr>
-                <a:srgbClr val="000000"/>
-              </a:buClr>
-              <a:buSzPts val="1000"/>
-              <a:buFont typeface="Arial"/>
-              <a:buNone/>
-              <a:defRPr b="0" i="0" sz="1000" u="none" cap="none" strike="noStrike">
+            <a:lvl3pPr marL="0" marR="0" lvl="2" indent="0" algn="r">
+              <a:lnSpc>
+                <a:spcPct val="100000"/>
+              </a:lnSpc>
+              <a:spcBef>
+                <a:spcPts val="0"/>
+              </a:spcBef>
+              <a:spcAft>
+                <a:spcPts val="0"/>
+              </a:spcAft>
+              <a:buClr>
+                <a:srgbClr val="000000"/>
+              </a:buClr>
+              <a:buSzPts val="1000"/>
+              <a:buFont typeface="Arial"/>
+              <a:buNone/>
+              <a:defRPr sz="1000" b="0" i="0" u="none" strike="noStrike" cap="none">
                 <a:solidFill>
                   <a:schemeClr val="dk2"/>
                 </a:solidFill>
@@ -2121,23 +2171,23 @@
                 <a:sym typeface="Arial"/>
               </a:defRPr>
             </a:lvl3pPr>
-            <a:lvl4pPr indent="0" lvl="3" marL="0" marR="0" algn="r">
-              <a:lnSpc>
-                <a:spcPct val="100000"/>
-              </a:lnSpc>
-              <a:spcBef>
-                <a:spcPts val="0"/>
-              </a:spcBef>
-              <a:spcAft>
-                <a:spcPts val="0"/>
-              </a:spcAft>
-              <a:buClr>
-                <a:srgbClr val="000000"/>
-              </a:buClr>
-              <a:buSzPts val="1000"/>
-              <a:buFont typeface="Arial"/>
-              <a:buNone/>
-              <a:defRPr b="0" i="0" sz="1000" u="none" cap="none" strike="noStrike">
+            <a:lvl4pPr marL="0" marR="0" lvl="3" indent="0" algn="r">
+              <a:lnSpc>
+                <a:spcPct val="100000"/>
+              </a:lnSpc>
+              <a:spcBef>
+                <a:spcPts val="0"/>
+              </a:spcBef>
+              <a:spcAft>
+                <a:spcPts val="0"/>
+              </a:spcAft>
+              <a:buClr>
+                <a:srgbClr val="000000"/>
+              </a:buClr>
+              <a:buSzPts val="1000"/>
+              <a:buFont typeface="Arial"/>
+              <a:buNone/>
+              <a:defRPr sz="1000" b="0" i="0" u="none" strike="noStrike" cap="none">
                 <a:solidFill>
                   <a:schemeClr val="dk2"/>
                 </a:solidFill>
@@ -2147,23 +2197,23 @@
                 <a:sym typeface="Arial"/>
               </a:defRPr>
             </a:lvl4pPr>
-            <a:lvl5pPr indent="0" lvl="4" marL="0" marR="0" algn="r">
-              <a:lnSpc>
-                <a:spcPct val="100000"/>
-              </a:lnSpc>
-              <a:spcBef>
-                <a:spcPts val="0"/>
-              </a:spcBef>
-              <a:spcAft>
-                <a:spcPts val="0"/>
-              </a:spcAft>
-              <a:buClr>
-                <a:srgbClr val="000000"/>
-              </a:buClr>
-              <a:buSzPts val="1000"/>
-              <a:buFont typeface="Arial"/>
-              <a:buNone/>
-              <a:defRPr b="0" i="0" sz="1000" u="none" cap="none" strike="noStrike">
+            <a:lvl5pPr marL="0" marR="0" lvl="4" indent="0" algn="r">
+              <a:lnSpc>
+                <a:spcPct val="100000"/>
+              </a:lnSpc>
+              <a:spcBef>
+                <a:spcPts val="0"/>
+              </a:spcBef>
+              <a:spcAft>
+                <a:spcPts val="0"/>
+              </a:spcAft>
+              <a:buClr>
+                <a:srgbClr val="000000"/>
+              </a:buClr>
+              <a:buSzPts val="1000"/>
+              <a:buFont typeface="Arial"/>
+              <a:buNone/>
+              <a:defRPr sz="1000" b="0" i="0" u="none" strike="noStrike" cap="none">
                 <a:solidFill>
                   <a:schemeClr val="dk2"/>
                 </a:solidFill>
@@ -2173,23 +2223,23 @@
                 <a:sym typeface="Arial"/>
               </a:defRPr>
             </a:lvl5pPr>
-            <a:lvl6pPr indent="0" lvl="5" marL="0" marR="0" algn="r">
-              <a:lnSpc>
-                <a:spcPct val="100000"/>
-              </a:lnSpc>
-              <a:spcBef>
-                <a:spcPts val="0"/>
-              </a:spcBef>
-              <a:spcAft>
-                <a:spcPts val="0"/>
-              </a:spcAft>
-              <a:buClr>
-                <a:srgbClr val="000000"/>
-              </a:buClr>
-              <a:buSzPts val="1000"/>
-              <a:buFont typeface="Arial"/>
-              <a:buNone/>
-              <a:defRPr b="0" i="0" sz="1000" u="none" cap="none" strike="noStrike">
+            <a:lvl6pPr marL="0" marR="0" lvl="5" indent="0" algn="r">
+              <a:lnSpc>
+                <a:spcPct val="100000"/>
+              </a:lnSpc>
+              <a:spcBef>
+                <a:spcPts val="0"/>
+              </a:spcBef>
+              <a:spcAft>
+                <a:spcPts val="0"/>
+              </a:spcAft>
+              <a:buClr>
+                <a:srgbClr val="000000"/>
+              </a:buClr>
+              <a:buSzPts val="1000"/>
+              <a:buFont typeface="Arial"/>
+              <a:buNone/>
+              <a:defRPr sz="1000" b="0" i="0" u="none" strike="noStrike" cap="none">
                 <a:solidFill>
                   <a:schemeClr val="dk2"/>
                 </a:solidFill>
@@ -2199,23 +2249,23 @@
                 <a:sym typeface="Arial"/>
               </a:defRPr>
             </a:lvl6pPr>
-            <a:lvl7pPr indent="0" lvl="6" marL="0" marR="0" algn="r">
-              <a:lnSpc>
-                <a:spcPct val="100000"/>
-              </a:lnSpc>
-              <a:spcBef>
-                <a:spcPts val="0"/>
-              </a:spcBef>
-              <a:spcAft>
-                <a:spcPts val="0"/>
-              </a:spcAft>
-              <a:buClr>
-                <a:srgbClr val="000000"/>
-              </a:buClr>
-              <a:buSzPts val="1000"/>
-              <a:buFont typeface="Arial"/>
-              <a:buNone/>
-              <a:defRPr b="0" i="0" sz="1000" u="none" cap="none" strike="noStrike">
+            <a:lvl7pPr marL="0" marR="0" lvl="6" indent="0" algn="r">
+              <a:lnSpc>
+                <a:spcPct val="100000"/>
+              </a:lnSpc>
+              <a:spcBef>
+                <a:spcPts val="0"/>
+              </a:spcBef>
+              <a:spcAft>
+                <a:spcPts val="0"/>
+              </a:spcAft>
+              <a:buClr>
+                <a:srgbClr val="000000"/>
+              </a:buClr>
+              <a:buSzPts val="1000"/>
+              <a:buFont typeface="Arial"/>
+              <a:buNone/>
+              <a:defRPr sz="1000" b="0" i="0" u="none" strike="noStrike" cap="none">
                 <a:solidFill>
                   <a:schemeClr val="dk2"/>
                 </a:solidFill>
@@ -2225,23 +2275,23 @@
                 <a:sym typeface="Arial"/>
               </a:defRPr>
             </a:lvl7pPr>
-            <a:lvl8pPr indent="0" lvl="7" marL="0" marR="0" algn="r">
-              <a:lnSpc>
-                <a:spcPct val="100000"/>
-              </a:lnSpc>
-              <a:spcBef>
-                <a:spcPts val="0"/>
-              </a:spcBef>
-              <a:spcAft>
-                <a:spcPts val="0"/>
-              </a:spcAft>
-              <a:buClr>
-                <a:srgbClr val="000000"/>
-              </a:buClr>
-              <a:buSzPts val="1000"/>
-              <a:buFont typeface="Arial"/>
-              <a:buNone/>
-              <a:defRPr b="0" i="0" sz="1000" u="none" cap="none" strike="noStrike">
+            <a:lvl8pPr marL="0" marR="0" lvl="7" indent="0" algn="r">
+              <a:lnSpc>
+                <a:spcPct val="100000"/>
+              </a:lnSpc>
+              <a:spcBef>
+                <a:spcPts val="0"/>
+              </a:spcBef>
+              <a:spcAft>
+                <a:spcPts val="0"/>
+              </a:spcAft>
+              <a:buClr>
+                <a:srgbClr val="000000"/>
+              </a:buClr>
+              <a:buSzPts val="1000"/>
+              <a:buFont typeface="Arial"/>
+              <a:buNone/>
+              <a:defRPr sz="1000" b="0" i="0" u="none" strike="noStrike" cap="none">
                 <a:solidFill>
                   <a:schemeClr val="dk2"/>
                 </a:solidFill>
@@ -2251,23 +2301,23 @@
                 <a:sym typeface="Arial"/>
               </a:defRPr>
             </a:lvl8pPr>
-            <a:lvl9pPr indent="0" lvl="8" marL="0" marR="0" algn="r">
-              <a:lnSpc>
-                <a:spcPct val="100000"/>
-              </a:lnSpc>
-              <a:spcBef>
-                <a:spcPts val="0"/>
-              </a:spcBef>
-              <a:spcAft>
-                <a:spcPts val="0"/>
-              </a:spcAft>
-              <a:buClr>
-                <a:srgbClr val="000000"/>
-              </a:buClr>
-              <a:buSzPts val="1000"/>
-              <a:buFont typeface="Arial"/>
-              <a:buNone/>
-              <a:defRPr b="0" i="0" sz="1000" u="none" cap="none" strike="noStrike">
+            <a:lvl9pPr marL="0" marR="0" lvl="8" indent="0" algn="r">
+              <a:lnSpc>
+                <a:spcPct val="100000"/>
+              </a:lnSpc>
+              <a:spcBef>
+                <a:spcPts val="0"/>
+              </a:spcBef>
+              <a:spcAft>
+                <a:spcPts val="0"/>
+              </a:spcAft>
+              <a:buClr>
+                <a:srgbClr val="000000"/>
+              </a:buClr>
+              <a:buSzPts val="1000"/>
+              <a:buFont typeface="Arial"/>
+              <a:buNone/>
+              <a:defRPr sz="1000" b="0" i="0" u="none" strike="noStrike" cap="none">
                 <a:solidFill>
                   <a:schemeClr val="dk2"/>
                 </a:solidFill>
@@ -2279,7 +2329,7 @@
             </a:lvl9pPr>
           </a:lstStyle>
           <a:p>
-            <a:pPr indent="0" lvl="0" marL="0" rtl="0" algn="r">
+            <a:pPr marL="0" lvl="0" indent="0" algn="r" rtl="0">
               <a:spcBef>
                 <a:spcPts val="0"/>
               </a:spcBef>
@@ -2305,11 +2355,11 @@
 </file>
 
 <file path=ppt/slideLayouts/slideLayout11.xml><?xml version="1.0" encoding="utf-8"?>
-<p:sldLayout xmlns:a="http://schemas.openxmlformats.org/drawingml/2006/main" xmlns:r="http://schemas.openxmlformats.org/officeDocument/2006/relationships" xmlns:mc="http://schemas.openxmlformats.org/markup-compatibility/2006" xmlns:mv="urn:schemas-microsoft-com:mac:vml" xmlns:p="http://schemas.openxmlformats.org/presentationml/2006/main" xmlns:c="http://schemas.openxmlformats.org/drawingml/2006/chart" xmlns:dgm="http://schemas.openxmlformats.org/drawingml/2006/diagram" xmlns:o="urn:schemas-microsoft-com:office:office" xmlns:v="urn:schemas-microsoft-com:vml" xmlns:pvml="urn:schemas-microsoft-com:office:powerpoint" xmlns:com="http://schemas.openxmlformats.org/drawingml/2006/compatibility" xmlns:p14="http://schemas.microsoft.com/office/powerpoint/2010/main" xmlns:p15="http://schemas.microsoft.com/office/powerpoint/2012/main" xmlns:ahyp="http://schemas.microsoft.com/office/drawing/2018/hyperlinkcolor" matchingName="Blank" type="blank">
+<p:sldLayout xmlns:a="http://schemas.openxmlformats.org/drawingml/2006/main" xmlns:r="http://schemas.openxmlformats.org/officeDocument/2006/relationships" xmlns:p="http://schemas.openxmlformats.org/presentationml/2006/main" matchingName="Blank" type="blank">
   <p:cSld name="BLANK">
     <p:spTree>
       <p:nvGrpSpPr>
-        <p:cNvPr id="48" name="Shape 48"/>
+        <p:cNvPr id="1" name="Shape 48"/>
         <p:cNvGrpSpPr/>
         <p:nvPr/>
       </p:nvGrpSpPr>
@@ -2324,9 +2374,11 @@
       <p:sp>
         <p:nvSpPr>
           <p:cNvPr id="49" name="Google Shape;49;p14"/>
-          <p:cNvSpPr txBox="1"/>
+          <p:cNvSpPr txBox="1">
+            <a:spLocks noGrp="1"/>
+          </p:cNvSpPr>
           <p:nvPr>
-            <p:ph idx="12" type="sldNum"/>
+            <p:ph type="sldNum" idx="12"/>
           </p:nvPr>
         </p:nvSpPr>
         <p:spPr>
@@ -2343,27 +2395,27 @@
           </a:ln>
         </p:spPr>
         <p:txBody>
-          <a:bodyPr anchorCtr="0" anchor="ctr" bIns="91425" lIns="91425" spcFirstLastPara="1" rIns="91425" wrap="square" tIns="91425">
+          <a:bodyPr spcFirstLastPara="1" wrap="square" lIns="91425" tIns="91425" rIns="91425" bIns="91425" anchor="ctr" anchorCtr="0">
             <a:noAutofit/>
           </a:bodyPr>
           <a:lstStyle>
-            <a:lvl1pPr indent="0" lvl="0" marL="0" marR="0" algn="r">
-              <a:lnSpc>
-                <a:spcPct val="100000"/>
-              </a:lnSpc>
-              <a:spcBef>
-                <a:spcPts val="0"/>
-              </a:spcBef>
-              <a:spcAft>
-                <a:spcPts val="0"/>
-              </a:spcAft>
-              <a:buClr>
-                <a:srgbClr val="000000"/>
-              </a:buClr>
-              <a:buSzPts val="1000"/>
-              <a:buFont typeface="Arial"/>
-              <a:buNone/>
-              <a:defRPr b="0" i="0" sz="1000" u="none" cap="none" strike="noStrike">
+            <a:lvl1pPr marL="0" marR="0" lvl="0" indent="0" algn="r">
+              <a:lnSpc>
+                <a:spcPct val="100000"/>
+              </a:lnSpc>
+              <a:spcBef>
+                <a:spcPts val="0"/>
+              </a:spcBef>
+              <a:spcAft>
+                <a:spcPts val="0"/>
+              </a:spcAft>
+              <a:buClr>
+                <a:srgbClr val="000000"/>
+              </a:buClr>
+              <a:buSzPts val="1000"/>
+              <a:buFont typeface="Arial"/>
+              <a:buNone/>
+              <a:defRPr sz="1000" b="0" i="0" u="none" strike="noStrike" cap="none">
                 <a:solidFill>
                   <a:schemeClr val="dk2"/>
                 </a:solidFill>
@@ -2373,23 +2425,23 @@
                 <a:sym typeface="Arial"/>
               </a:defRPr>
             </a:lvl1pPr>
-            <a:lvl2pPr indent="0" lvl="1" marL="0" marR="0" algn="r">
-              <a:lnSpc>
-                <a:spcPct val="100000"/>
-              </a:lnSpc>
-              <a:spcBef>
-                <a:spcPts val="0"/>
-              </a:spcBef>
-              <a:spcAft>
-                <a:spcPts val="0"/>
-              </a:spcAft>
-              <a:buClr>
-                <a:srgbClr val="000000"/>
-              </a:buClr>
-              <a:buSzPts val="1000"/>
-              <a:buFont typeface="Arial"/>
-              <a:buNone/>
-              <a:defRPr b="0" i="0" sz="1000" u="none" cap="none" strike="noStrike">
+            <a:lvl2pPr marL="0" marR="0" lvl="1" indent="0" algn="r">
+              <a:lnSpc>
+                <a:spcPct val="100000"/>
+              </a:lnSpc>
+              <a:spcBef>
+                <a:spcPts val="0"/>
+              </a:spcBef>
+              <a:spcAft>
+                <a:spcPts val="0"/>
+              </a:spcAft>
+              <a:buClr>
+                <a:srgbClr val="000000"/>
+              </a:buClr>
+              <a:buSzPts val="1000"/>
+              <a:buFont typeface="Arial"/>
+              <a:buNone/>
+              <a:defRPr sz="1000" b="0" i="0" u="none" strike="noStrike" cap="none">
                 <a:solidFill>
                   <a:schemeClr val="dk2"/>
                 </a:solidFill>
@@ -2399,23 +2451,23 @@
                 <a:sym typeface="Arial"/>
               </a:defRPr>
             </a:lvl2pPr>
-            <a:lvl3pPr indent="0" lvl="2" marL="0" marR="0" algn="r">
-              <a:lnSpc>
-                <a:spcPct val="100000"/>
-              </a:lnSpc>
-              <a:spcBef>
-                <a:spcPts val="0"/>
-              </a:spcBef>
-              <a:spcAft>
-                <a:spcPts val="0"/>
-              </a:spcAft>
-              <a:buClr>
-                <a:srgbClr val="000000"/>
-              </a:buClr>
-              <a:buSzPts val="1000"/>
-              <a:buFont typeface="Arial"/>
-              <a:buNone/>
-              <a:defRPr b="0" i="0" sz="1000" u="none" cap="none" strike="noStrike">
+            <a:lvl3pPr marL="0" marR="0" lvl="2" indent="0" algn="r">
+              <a:lnSpc>
+                <a:spcPct val="100000"/>
+              </a:lnSpc>
+              <a:spcBef>
+                <a:spcPts val="0"/>
+              </a:spcBef>
+              <a:spcAft>
+                <a:spcPts val="0"/>
+              </a:spcAft>
+              <a:buClr>
+                <a:srgbClr val="000000"/>
+              </a:buClr>
+              <a:buSzPts val="1000"/>
+              <a:buFont typeface="Arial"/>
+              <a:buNone/>
+              <a:defRPr sz="1000" b="0" i="0" u="none" strike="noStrike" cap="none">
                 <a:solidFill>
                   <a:schemeClr val="dk2"/>
                 </a:solidFill>
@@ -2425,23 +2477,23 @@
                 <a:sym typeface="Arial"/>
               </a:defRPr>
             </a:lvl3pPr>
-            <a:lvl4pPr indent="0" lvl="3" marL="0" marR="0" algn="r">
-              <a:lnSpc>
-                <a:spcPct val="100000"/>
-              </a:lnSpc>
-              <a:spcBef>
-                <a:spcPts val="0"/>
-              </a:spcBef>
-              <a:spcAft>
-                <a:spcPts val="0"/>
-              </a:spcAft>
-              <a:buClr>
-                <a:srgbClr val="000000"/>
-              </a:buClr>
-              <a:buSzPts val="1000"/>
-              <a:buFont typeface="Arial"/>
-              <a:buNone/>
-              <a:defRPr b="0" i="0" sz="1000" u="none" cap="none" strike="noStrike">
+            <a:lvl4pPr marL="0" marR="0" lvl="3" indent="0" algn="r">
+              <a:lnSpc>
+                <a:spcPct val="100000"/>
+              </a:lnSpc>
+              <a:spcBef>
+                <a:spcPts val="0"/>
+              </a:spcBef>
+              <a:spcAft>
+                <a:spcPts val="0"/>
+              </a:spcAft>
+              <a:buClr>
+                <a:srgbClr val="000000"/>
+              </a:buClr>
+              <a:buSzPts val="1000"/>
+              <a:buFont typeface="Arial"/>
+              <a:buNone/>
+              <a:defRPr sz="1000" b="0" i="0" u="none" strike="noStrike" cap="none">
                 <a:solidFill>
                   <a:schemeClr val="dk2"/>
                 </a:solidFill>
@@ -2451,23 +2503,23 @@
                 <a:sym typeface="Arial"/>
               </a:defRPr>
             </a:lvl4pPr>
-            <a:lvl5pPr indent="0" lvl="4" marL="0" marR="0" algn="r">
-              <a:lnSpc>
-                <a:spcPct val="100000"/>
-              </a:lnSpc>
-              <a:spcBef>
-                <a:spcPts val="0"/>
-              </a:spcBef>
-              <a:spcAft>
-                <a:spcPts val="0"/>
-              </a:spcAft>
-              <a:buClr>
-                <a:srgbClr val="000000"/>
-              </a:buClr>
-              <a:buSzPts val="1000"/>
-              <a:buFont typeface="Arial"/>
-              <a:buNone/>
-              <a:defRPr b="0" i="0" sz="1000" u="none" cap="none" strike="noStrike">
+            <a:lvl5pPr marL="0" marR="0" lvl="4" indent="0" algn="r">
+              <a:lnSpc>
+                <a:spcPct val="100000"/>
+              </a:lnSpc>
+              <a:spcBef>
+                <a:spcPts val="0"/>
+              </a:spcBef>
+              <a:spcAft>
+                <a:spcPts val="0"/>
+              </a:spcAft>
+              <a:buClr>
+                <a:srgbClr val="000000"/>
+              </a:buClr>
+              <a:buSzPts val="1000"/>
+              <a:buFont typeface="Arial"/>
+              <a:buNone/>
+              <a:defRPr sz="1000" b="0" i="0" u="none" strike="noStrike" cap="none">
                 <a:solidFill>
                   <a:schemeClr val="dk2"/>
                 </a:solidFill>
@@ -2477,23 +2529,23 @@
                 <a:sym typeface="Arial"/>
               </a:defRPr>
             </a:lvl5pPr>
-            <a:lvl6pPr indent="0" lvl="5" marL="0" marR="0" algn="r">
-              <a:lnSpc>
-                <a:spcPct val="100000"/>
-              </a:lnSpc>
-              <a:spcBef>
-                <a:spcPts val="0"/>
-              </a:spcBef>
-              <a:spcAft>
-                <a:spcPts val="0"/>
-              </a:spcAft>
-              <a:buClr>
-                <a:srgbClr val="000000"/>
-              </a:buClr>
-              <a:buSzPts val="1000"/>
-              <a:buFont typeface="Arial"/>
-              <a:buNone/>
-              <a:defRPr b="0" i="0" sz="1000" u="none" cap="none" strike="noStrike">
+            <a:lvl6pPr marL="0" marR="0" lvl="5" indent="0" algn="r">
+              <a:lnSpc>
+                <a:spcPct val="100000"/>
+              </a:lnSpc>
+              <a:spcBef>
+                <a:spcPts val="0"/>
+              </a:spcBef>
+              <a:spcAft>
+                <a:spcPts val="0"/>
+              </a:spcAft>
+              <a:buClr>
+                <a:srgbClr val="000000"/>
+              </a:buClr>
+              <a:buSzPts val="1000"/>
+              <a:buFont typeface="Arial"/>
+              <a:buNone/>
+              <a:defRPr sz="1000" b="0" i="0" u="none" strike="noStrike" cap="none">
                 <a:solidFill>
                   <a:schemeClr val="dk2"/>
                 </a:solidFill>
@@ -2503,23 +2555,23 @@
                 <a:sym typeface="Arial"/>
               </a:defRPr>
             </a:lvl6pPr>
-            <a:lvl7pPr indent="0" lvl="6" marL="0" marR="0" algn="r">
-              <a:lnSpc>
-                <a:spcPct val="100000"/>
-              </a:lnSpc>
-              <a:spcBef>
-                <a:spcPts val="0"/>
-              </a:spcBef>
-              <a:spcAft>
-                <a:spcPts val="0"/>
-              </a:spcAft>
-              <a:buClr>
-                <a:srgbClr val="000000"/>
-              </a:buClr>
-              <a:buSzPts val="1000"/>
-              <a:buFont typeface="Arial"/>
-              <a:buNone/>
-              <a:defRPr b="0" i="0" sz="1000" u="none" cap="none" strike="noStrike">
+            <a:lvl7pPr marL="0" marR="0" lvl="6" indent="0" algn="r">
+              <a:lnSpc>
+                <a:spcPct val="100000"/>
+              </a:lnSpc>
+              <a:spcBef>
+                <a:spcPts val="0"/>
+              </a:spcBef>
+              <a:spcAft>
+                <a:spcPts val="0"/>
+              </a:spcAft>
+              <a:buClr>
+                <a:srgbClr val="000000"/>
+              </a:buClr>
+              <a:buSzPts val="1000"/>
+              <a:buFont typeface="Arial"/>
+              <a:buNone/>
+              <a:defRPr sz="1000" b="0" i="0" u="none" strike="noStrike" cap="none">
                 <a:solidFill>
                   <a:schemeClr val="dk2"/>
                 </a:solidFill>
@@ -2529,23 +2581,23 @@
                 <a:sym typeface="Arial"/>
               </a:defRPr>
             </a:lvl7pPr>
-            <a:lvl8pPr indent="0" lvl="7" marL="0" marR="0" algn="r">
-              <a:lnSpc>
-                <a:spcPct val="100000"/>
-              </a:lnSpc>
-              <a:spcBef>
-                <a:spcPts val="0"/>
-              </a:spcBef>
-              <a:spcAft>
-                <a:spcPts val="0"/>
-              </a:spcAft>
-              <a:buClr>
-                <a:srgbClr val="000000"/>
-              </a:buClr>
-              <a:buSzPts val="1000"/>
-              <a:buFont typeface="Arial"/>
-              <a:buNone/>
-              <a:defRPr b="0" i="0" sz="1000" u="none" cap="none" strike="noStrike">
+            <a:lvl8pPr marL="0" marR="0" lvl="7" indent="0" algn="r">
+              <a:lnSpc>
+                <a:spcPct val="100000"/>
+              </a:lnSpc>
+              <a:spcBef>
+                <a:spcPts val="0"/>
+              </a:spcBef>
+              <a:spcAft>
+                <a:spcPts val="0"/>
+              </a:spcAft>
+              <a:buClr>
+                <a:srgbClr val="000000"/>
+              </a:buClr>
+              <a:buSzPts val="1000"/>
+              <a:buFont typeface="Arial"/>
+              <a:buNone/>
+              <a:defRPr sz="1000" b="0" i="0" u="none" strike="noStrike" cap="none">
                 <a:solidFill>
                   <a:schemeClr val="dk2"/>
                 </a:solidFill>
@@ -2555,23 +2607,23 @@
                 <a:sym typeface="Arial"/>
               </a:defRPr>
             </a:lvl8pPr>
-            <a:lvl9pPr indent="0" lvl="8" marL="0" marR="0" algn="r">
-              <a:lnSpc>
-                <a:spcPct val="100000"/>
-              </a:lnSpc>
-              <a:spcBef>
-                <a:spcPts val="0"/>
-              </a:spcBef>
-              <a:spcAft>
-                <a:spcPts val="0"/>
-              </a:spcAft>
-              <a:buClr>
-                <a:srgbClr val="000000"/>
-              </a:buClr>
-              <a:buSzPts val="1000"/>
-              <a:buFont typeface="Arial"/>
-              <a:buNone/>
-              <a:defRPr b="0" i="0" sz="1000" u="none" cap="none" strike="noStrike">
+            <a:lvl9pPr marL="0" marR="0" lvl="8" indent="0" algn="r">
+              <a:lnSpc>
+                <a:spcPct val="100000"/>
+              </a:lnSpc>
+              <a:spcBef>
+                <a:spcPts val="0"/>
+              </a:spcBef>
+              <a:spcAft>
+                <a:spcPts val="0"/>
+              </a:spcAft>
+              <a:buClr>
+                <a:srgbClr val="000000"/>
+              </a:buClr>
+              <a:buSzPts val="1000"/>
+              <a:buFont typeface="Arial"/>
+              <a:buNone/>
+              <a:defRPr sz="1000" b="0" i="0" u="none" strike="noStrike" cap="none">
                 <a:solidFill>
                   <a:schemeClr val="dk2"/>
                 </a:solidFill>
@@ -2583,7 +2635,7 @@
             </a:lvl9pPr>
           </a:lstStyle>
           <a:p>
-            <a:pPr indent="0" lvl="0" marL="0" rtl="0" algn="r">
+            <a:pPr marL="0" lvl="0" indent="0" algn="r" rtl="0">
               <a:spcBef>
                 <a:spcPts val="0"/>
               </a:spcBef>
@@ -2609,11 +2661,11 @@
 </file>
 
 <file path=ppt/slideLayouts/slideLayout12.xml><?xml version="1.0" encoding="utf-8"?>
-<p:sldLayout xmlns:a="http://schemas.openxmlformats.org/drawingml/2006/main" xmlns:r="http://schemas.openxmlformats.org/officeDocument/2006/relationships" xmlns:mc="http://schemas.openxmlformats.org/markup-compatibility/2006" xmlns:mv="urn:schemas-microsoft-com:mac:vml" xmlns:p="http://schemas.openxmlformats.org/presentationml/2006/main" xmlns:c="http://schemas.openxmlformats.org/drawingml/2006/chart" xmlns:dgm="http://schemas.openxmlformats.org/drawingml/2006/diagram" xmlns:o="urn:schemas-microsoft-com:office:office" xmlns:v="urn:schemas-microsoft-com:vml" xmlns:pvml="urn:schemas-microsoft-com:office:powerpoint" xmlns:com="http://schemas.openxmlformats.org/drawingml/2006/compatibility" xmlns:p14="http://schemas.microsoft.com/office/powerpoint/2010/main" xmlns:p15="http://schemas.microsoft.com/office/powerpoint/2012/main" xmlns:ahyp="http://schemas.microsoft.com/office/drawing/2018/hyperlinkcolor" matchingName="제목 - 상단">
+<p:sldLayout xmlns:a="http://schemas.openxmlformats.org/drawingml/2006/main" xmlns:r="http://schemas.openxmlformats.org/officeDocument/2006/relationships" xmlns:p="http://schemas.openxmlformats.org/presentationml/2006/main" matchingName="제목 - 상단">
   <p:cSld name="제목 - 상단">
     <p:spTree>
       <p:nvGrpSpPr>
-        <p:cNvPr id="50" name="Shape 50"/>
+        <p:cNvPr id="1" name="Shape 50"/>
         <p:cNvGrpSpPr/>
         <p:nvPr/>
       </p:nvGrpSpPr>
@@ -2628,7 +2680,9 @@
       <p:sp>
         <p:nvSpPr>
           <p:cNvPr id="51" name="Google Shape;51;p15"/>
-          <p:cNvSpPr txBox="1"/>
+          <p:cNvSpPr txBox="1">
+            <a:spLocks noGrp="1"/>
+          </p:cNvSpPr>
           <p:nvPr>
             <p:ph type="title"/>
           </p:nvPr>
@@ -2647,7 +2701,7 @@
           </a:ln>
         </p:spPr>
         <p:txBody>
-          <a:bodyPr anchorCtr="0" anchor="ctr" bIns="19050" lIns="19050" spcFirstLastPara="1" rIns="19050" wrap="square" tIns="19050">
+          <a:bodyPr spcFirstLastPara="1" wrap="square" lIns="19050" tIns="19050" rIns="19050" bIns="19050" anchor="ctr" anchorCtr="0">
             <a:noAutofit/>
           </a:bodyPr>
           <a:lstStyle>
@@ -2805,15 +2859,19 @@
               <a:defRPr/>
             </a:lvl9pPr>
           </a:lstStyle>
-          <a:p/>
+          <a:p>
+            <a:endParaRPr/>
+          </a:p>
         </p:txBody>
       </p:sp>
       <p:sp>
         <p:nvSpPr>
           <p:cNvPr id="52" name="Google Shape;52;p15"/>
-          <p:cNvSpPr txBox="1"/>
+          <p:cNvSpPr txBox="1">
+            <a:spLocks noGrp="1"/>
+          </p:cNvSpPr>
           <p:nvPr>
-            <p:ph idx="12" type="sldNum"/>
+            <p:ph type="sldNum" idx="12"/>
           </p:nvPr>
         </p:nvSpPr>
         <p:spPr>
@@ -2830,11 +2888,11 @@
           </a:ln>
         </p:spPr>
         <p:txBody>
-          <a:bodyPr anchorCtr="0" anchor="t" bIns="19050" lIns="19050" spcFirstLastPara="1" rIns="19050" wrap="square" tIns="19050">
+          <a:bodyPr spcFirstLastPara="1" wrap="square" lIns="19050" tIns="19050" rIns="19050" bIns="19050" anchor="t" anchorCtr="0">
             <a:noAutofit/>
           </a:bodyPr>
           <a:lstStyle>
-            <a:lvl1pPr indent="0" lvl="0" marL="0" marR="0" algn="ctr">
+            <a:lvl1pPr marL="0" marR="0" lvl="0" indent="0" algn="ctr">
               <a:lnSpc>
                 <a:spcPct val="100000"/>
               </a:lnSpc>
@@ -2850,7 +2908,7 @@
               <a:buSzPts val="900"/>
               <a:buFont typeface="Helvetica Neue Light"/>
               <a:buNone/>
-              <a:defRPr b="0" i="0" sz="900" u="none" cap="none" strike="noStrike">
+              <a:defRPr sz="900" b="0" i="0" u="none" strike="noStrike" cap="none">
                 <a:solidFill>
                   <a:schemeClr val="dk2"/>
                 </a:solidFill>
@@ -2860,7 +2918,7 @@
                 <a:sym typeface="Helvetica Neue Light"/>
               </a:defRPr>
             </a:lvl1pPr>
-            <a:lvl2pPr indent="0" lvl="1" marL="0" marR="0" algn="ctr">
+            <a:lvl2pPr marL="0" marR="0" lvl="1" indent="0" algn="ctr">
               <a:lnSpc>
                 <a:spcPct val="100000"/>
               </a:lnSpc>
@@ -2876,7 +2934,7 @@
               <a:buSzPts val="900"/>
               <a:buFont typeface="Helvetica Neue Light"/>
               <a:buNone/>
-              <a:defRPr b="0" i="0" sz="900" u="none" cap="none" strike="noStrike">
+              <a:defRPr sz="900" b="0" i="0" u="none" strike="noStrike" cap="none">
                 <a:solidFill>
                   <a:schemeClr val="dk2"/>
                 </a:solidFill>
@@ -2886,7 +2944,7 @@
                 <a:sym typeface="Helvetica Neue Light"/>
               </a:defRPr>
             </a:lvl2pPr>
-            <a:lvl3pPr indent="0" lvl="2" marL="0" marR="0" algn="ctr">
+            <a:lvl3pPr marL="0" marR="0" lvl="2" indent="0" algn="ctr">
               <a:lnSpc>
                 <a:spcPct val="100000"/>
               </a:lnSpc>
@@ -2902,7 +2960,7 @@
               <a:buSzPts val="900"/>
               <a:buFont typeface="Helvetica Neue Light"/>
               <a:buNone/>
-              <a:defRPr b="0" i="0" sz="900" u="none" cap="none" strike="noStrike">
+              <a:defRPr sz="900" b="0" i="0" u="none" strike="noStrike" cap="none">
                 <a:solidFill>
                   <a:schemeClr val="dk2"/>
                 </a:solidFill>
@@ -2912,7 +2970,7 @@
                 <a:sym typeface="Helvetica Neue Light"/>
               </a:defRPr>
             </a:lvl3pPr>
-            <a:lvl4pPr indent="0" lvl="3" marL="0" marR="0" algn="ctr">
+            <a:lvl4pPr marL="0" marR="0" lvl="3" indent="0" algn="ctr">
               <a:lnSpc>
                 <a:spcPct val="100000"/>
               </a:lnSpc>
@@ -2928,7 +2986,7 @@
               <a:buSzPts val="900"/>
               <a:buFont typeface="Helvetica Neue Light"/>
               <a:buNone/>
-              <a:defRPr b="0" i="0" sz="900" u="none" cap="none" strike="noStrike">
+              <a:defRPr sz="900" b="0" i="0" u="none" strike="noStrike" cap="none">
                 <a:solidFill>
                   <a:schemeClr val="dk2"/>
                 </a:solidFill>
@@ -2938,7 +2996,7 @@
                 <a:sym typeface="Helvetica Neue Light"/>
               </a:defRPr>
             </a:lvl4pPr>
-            <a:lvl5pPr indent="0" lvl="4" marL="0" marR="0" algn="ctr">
+            <a:lvl5pPr marL="0" marR="0" lvl="4" indent="0" algn="ctr">
               <a:lnSpc>
                 <a:spcPct val="100000"/>
               </a:lnSpc>
@@ -2954,7 +3012,7 @@
               <a:buSzPts val="900"/>
               <a:buFont typeface="Helvetica Neue Light"/>
               <a:buNone/>
-              <a:defRPr b="0" i="0" sz="900" u="none" cap="none" strike="noStrike">
+              <a:defRPr sz="900" b="0" i="0" u="none" strike="noStrike" cap="none">
                 <a:solidFill>
                   <a:schemeClr val="dk2"/>
                 </a:solidFill>
@@ -2964,7 +3022,7 @@
                 <a:sym typeface="Helvetica Neue Light"/>
               </a:defRPr>
             </a:lvl5pPr>
-            <a:lvl6pPr indent="0" lvl="5" marL="0" marR="0" algn="ctr">
+            <a:lvl6pPr marL="0" marR="0" lvl="5" indent="0" algn="ctr">
               <a:lnSpc>
                 <a:spcPct val="100000"/>
               </a:lnSpc>
@@ -2980,7 +3038,7 @@
               <a:buSzPts val="900"/>
               <a:buFont typeface="Helvetica Neue Light"/>
               <a:buNone/>
-              <a:defRPr b="0" i="0" sz="900" u="none" cap="none" strike="noStrike">
+              <a:defRPr sz="900" b="0" i="0" u="none" strike="noStrike" cap="none">
                 <a:solidFill>
                   <a:schemeClr val="dk2"/>
                 </a:solidFill>
@@ -2990,7 +3048,7 @@
                 <a:sym typeface="Helvetica Neue Light"/>
               </a:defRPr>
             </a:lvl6pPr>
-            <a:lvl7pPr indent="0" lvl="6" marL="0" marR="0" algn="ctr">
+            <a:lvl7pPr marL="0" marR="0" lvl="6" indent="0" algn="ctr">
               <a:lnSpc>
                 <a:spcPct val="100000"/>
               </a:lnSpc>
@@ -3006,7 +3064,7 @@
               <a:buSzPts val="900"/>
               <a:buFont typeface="Helvetica Neue Light"/>
               <a:buNone/>
-              <a:defRPr b="0" i="0" sz="900" u="none" cap="none" strike="noStrike">
+              <a:defRPr sz="900" b="0" i="0" u="none" strike="noStrike" cap="none">
                 <a:solidFill>
                   <a:schemeClr val="dk2"/>
                 </a:solidFill>
@@ -3016,7 +3074,7 @@
                 <a:sym typeface="Helvetica Neue Light"/>
               </a:defRPr>
             </a:lvl7pPr>
-            <a:lvl8pPr indent="0" lvl="7" marL="0" marR="0" algn="ctr">
+            <a:lvl8pPr marL="0" marR="0" lvl="7" indent="0" algn="ctr">
               <a:lnSpc>
                 <a:spcPct val="100000"/>
               </a:lnSpc>
@@ -3032,7 +3090,7 @@
               <a:buSzPts val="900"/>
               <a:buFont typeface="Helvetica Neue Light"/>
               <a:buNone/>
-              <a:defRPr b="0" i="0" sz="900" u="none" cap="none" strike="noStrike">
+              <a:defRPr sz="900" b="0" i="0" u="none" strike="noStrike" cap="none">
                 <a:solidFill>
                   <a:schemeClr val="dk2"/>
                 </a:solidFill>
@@ -3042,7 +3100,7 @@
                 <a:sym typeface="Helvetica Neue Light"/>
               </a:defRPr>
             </a:lvl8pPr>
-            <a:lvl9pPr indent="0" lvl="8" marL="0" marR="0" algn="ctr">
+            <a:lvl9pPr marL="0" marR="0" lvl="8" indent="0" algn="ctr">
               <a:lnSpc>
                 <a:spcPct val="100000"/>
               </a:lnSpc>
@@ -3058,7 +3116,7 @@
               <a:buSzPts val="900"/>
               <a:buFont typeface="Helvetica Neue Light"/>
               <a:buNone/>
-              <a:defRPr b="0" i="0" sz="900" u="none" cap="none" strike="noStrike">
+              <a:defRPr sz="900" b="0" i="0" u="none" strike="noStrike" cap="none">
                 <a:solidFill>
                   <a:schemeClr val="dk2"/>
                 </a:solidFill>
@@ -3070,7 +3128,7 @@
             </a:lvl9pPr>
           </a:lstStyle>
           <a:p>
-            <a:pPr indent="0" lvl="0" marL="0" rtl="0" algn="ctr">
+            <a:pPr marL="0" lvl="0" indent="0" algn="ctr" rtl="0">
               <a:spcBef>
                 <a:spcPts val="0"/>
               </a:spcBef>
@@ -3101,11 +3159,11 @@
 </file>
 
 <file path=ppt/slideLayouts/slideLayout2.xml><?xml version="1.0" encoding="utf-8"?>
-<p:sldLayout xmlns:a="http://schemas.openxmlformats.org/drawingml/2006/main" xmlns:r="http://schemas.openxmlformats.org/officeDocument/2006/relationships" xmlns:mc="http://schemas.openxmlformats.org/markup-compatibility/2006" xmlns:mv="urn:schemas-microsoft-com:mac:vml" xmlns:p="http://schemas.openxmlformats.org/presentationml/2006/main" xmlns:c="http://schemas.openxmlformats.org/drawingml/2006/chart" xmlns:dgm="http://schemas.openxmlformats.org/drawingml/2006/diagram" xmlns:o="urn:schemas-microsoft-com:office:office" xmlns:v="urn:schemas-microsoft-com:vml" xmlns:pvml="urn:schemas-microsoft-com:office:powerpoint" xmlns:com="http://schemas.openxmlformats.org/drawingml/2006/compatibility" xmlns:p14="http://schemas.microsoft.com/office/powerpoint/2010/main" xmlns:p15="http://schemas.microsoft.com/office/powerpoint/2012/main" xmlns:ahyp="http://schemas.microsoft.com/office/drawing/2018/hyperlinkcolor" matchingName="Title and body" type="tx">
+<p:sldLayout xmlns:a="http://schemas.openxmlformats.org/drawingml/2006/main" xmlns:r="http://schemas.openxmlformats.org/officeDocument/2006/relationships" xmlns:p="http://schemas.openxmlformats.org/presentationml/2006/main" matchingName="Title and body" type="tx">
   <p:cSld name="TITLE_AND_BODY">
     <p:spTree>
       <p:nvGrpSpPr>
-        <p:cNvPr id="13" name="Shape 13"/>
+        <p:cNvPr id="1" name="Shape 13"/>
         <p:cNvGrpSpPr/>
         <p:nvPr/>
       </p:nvGrpSpPr>
@@ -3120,7 +3178,9 @@
       <p:sp>
         <p:nvSpPr>
           <p:cNvPr id="14" name="Google Shape;14;p5"/>
-          <p:cNvSpPr txBox="1"/>
+          <p:cNvSpPr txBox="1">
+            <a:spLocks noGrp="1"/>
+          </p:cNvSpPr>
           <p:nvPr>
             <p:ph type="title"/>
           </p:nvPr>
@@ -3139,7 +3199,7 @@
           </a:ln>
         </p:spPr>
         <p:txBody>
-          <a:bodyPr anchorCtr="0" anchor="t" bIns="91425" lIns="91425" spcFirstLastPara="1" rIns="91425" wrap="square" tIns="91425">
+          <a:bodyPr spcFirstLastPara="1" wrap="square" lIns="91425" tIns="91425" rIns="91425" bIns="91425" anchor="t" anchorCtr="0">
             <a:noAutofit/>
           </a:bodyPr>
           <a:lstStyle>
@@ -3270,15 +3330,19 @@
               <a:defRPr/>
             </a:lvl9pPr>
           </a:lstStyle>
-          <a:p/>
+          <a:p>
+            <a:endParaRPr/>
+          </a:p>
         </p:txBody>
       </p:sp>
       <p:sp>
         <p:nvSpPr>
           <p:cNvPr id="15" name="Google Shape;15;p5"/>
-          <p:cNvSpPr txBox="1"/>
+          <p:cNvSpPr txBox="1">
+            <a:spLocks noGrp="1"/>
+          </p:cNvSpPr>
           <p:nvPr>
-            <p:ph idx="1" type="body"/>
+            <p:ph type="body" idx="1"/>
           </p:nvPr>
         </p:nvSpPr>
         <p:spPr>
@@ -3295,11 +3359,11 @@
           </a:ln>
         </p:spPr>
         <p:txBody>
-          <a:bodyPr anchorCtr="0" anchor="t" bIns="91425" lIns="91425" spcFirstLastPara="1" rIns="91425" wrap="square" tIns="91425">
+          <a:bodyPr spcFirstLastPara="1" wrap="square" lIns="91425" tIns="91425" rIns="91425" bIns="91425" anchor="t" anchorCtr="0">
             <a:noAutofit/>
           </a:bodyPr>
           <a:lstStyle>
-            <a:lvl1pPr indent="-342900" lvl="0" marL="457200" algn="l">
+            <a:lvl1pPr marL="457200" lvl="0" indent="-342900" algn="l">
               <a:lnSpc>
                 <a:spcPct val="115000"/>
               </a:lnSpc>
@@ -3313,7 +3377,7 @@
               <a:buChar char="●"/>
               <a:defRPr/>
             </a:lvl1pPr>
-            <a:lvl2pPr indent="-317500" lvl="1" marL="914400" algn="l">
+            <a:lvl2pPr marL="914400" lvl="1" indent="-317500" algn="l">
               <a:lnSpc>
                 <a:spcPct val="115000"/>
               </a:lnSpc>
@@ -3327,7 +3391,7 @@
               <a:buChar char="○"/>
               <a:defRPr/>
             </a:lvl2pPr>
-            <a:lvl3pPr indent="-317500" lvl="2" marL="1371600" algn="l">
+            <a:lvl3pPr marL="1371600" lvl="2" indent="-317500" algn="l">
               <a:lnSpc>
                 <a:spcPct val="115000"/>
               </a:lnSpc>
@@ -3341,7 +3405,7 @@
               <a:buChar char="■"/>
               <a:defRPr/>
             </a:lvl3pPr>
-            <a:lvl4pPr indent="-317500" lvl="3" marL="1828800" algn="l">
+            <a:lvl4pPr marL="1828800" lvl="3" indent="-317500" algn="l">
               <a:lnSpc>
                 <a:spcPct val="115000"/>
               </a:lnSpc>
@@ -3355,7 +3419,7 @@
               <a:buChar char="●"/>
               <a:defRPr/>
             </a:lvl4pPr>
-            <a:lvl5pPr indent="-317500" lvl="4" marL="2286000" algn="l">
+            <a:lvl5pPr marL="2286000" lvl="4" indent="-317500" algn="l">
               <a:lnSpc>
                 <a:spcPct val="115000"/>
               </a:lnSpc>
@@ -3369,7 +3433,7 @@
               <a:buChar char="○"/>
               <a:defRPr/>
             </a:lvl5pPr>
-            <a:lvl6pPr indent="-317500" lvl="5" marL="2743200" algn="l">
+            <a:lvl6pPr marL="2743200" lvl="5" indent="-317500" algn="l">
               <a:lnSpc>
                 <a:spcPct val="115000"/>
               </a:lnSpc>
@@ -3383,7 +3447,7 @@
               <a:buChar char="■"/>
               <a:defRPr/>
             </a:lvl6pPr>
-            <a:lvl7pPr indent="-317500" lvl="6" marL="3200400" algn="l">
+            <a:lvl7pPr marL="3200400" lvl="6" indent="-317500" algn="l">
               <a:lnSpc>
                 <a:spcPct val="115000"/>
               </a:lnSpc>
@@ -3397,7 +3461,7 @@
               <a:buChar char="●"/>
               <a:defRPr/>
             </a:lvl7pPr>
-            <a:lvl8pPr indent="-317500" lvl="7" marL="3657600" algn="l">
+            <a:lvl8pPr marL="3657600" lvl="7" indent="-317500" algn="l">
               <a:lnSpc>
                 <a:spcPct val="115000"/>
               </a:lnSpc>
@@ -3411,7 +3475,7 @@
               <a:buChar char="○"/>
               <a:defRPr/>
             </a:lvl8pPr>
-            <a:lvl9pPr indent="-317500" lvl="8" marL="4114800" algn="l">
+            <a:lvl9pPr marL="4114800" lvl="8" indent="-317500" algn="l">
               <a:lnSpc>
                 <a:spcPct val="115000"/>
               </a:lnSpc>
@@ -3426,15 +3490,19 @@
               <a:defRPr/>
             </a:lvl9pPr>
           </a:lstStyle>
-          <a:p/>
+          <a:p>
+            <a:endParaRPr/>
+          </a:p>
         </p:txBody>
       </p:sp>
       <p:sp>
         <p:nvSpPr>
           <p:cNvPr id="16" name="Google Shape;16;p5"/>
-          <p:cNvSpPr txBox="1"/>
+          <p:cNvSpPr txBox="1">
+            <a:spLocks noGrp="1"/>
+          </p:cNvSpPr>
           <p:nvPr>
-            <p:ph idx="12" type="sldNum"/>
+            <p:ph type="sldNum" idx="12"/>
           </p:nvPr>
         </p:nvSpPr>
         <p:spPr>
@@ -3451,27 +3519,27 @@
           </a:ln>
         </p:spPr>
         <p:txBody>
-          <a:bodyPr anchorCtr="0" anchor="ctr" bIns="91425" lIns="91425" spcFirstLastPara="1" rIns="91425" wrap="square" tIns="91425">
+          <a:bodyPr spcFirstLastPara="1" wrap="square" lIns="91425" tIns="91425" rIns="91425" bIns="91425" anchor="ctr" anchorCtr="0">
             <a:noAutofit/>
           </a:bodyPr>
           <a:lstStyle>
-            <a:lvl1pPr indent="0" lvl="0" marL="0" marR="0" algn="r">
-              <a:lnSpc>
-                <a:spcPct val="100000"/>
-              </a:lnSpc>
-              <a:spcBef>
-                <a:spcPts val="0"/>
-              </a:spcBef>
-              <a:spcAft>
-                <a:spcPts val="0"/>
-              </a:spcAft>
-              <a:buClr>
-                <a:srgbClr val="000000"/>
-              </a:buClr>
-              <a:buSzPts val="1000"/>
-              <a:buFont typeface="Arial"/>
-              <a:buNone/>
-              <a:defRPr b="0" i="0" sz="1000" u="none" cap="none" strike="noStrike">
+            <a:lvl1pPr marL="0" marR="0" lvl="0" indent="0" algn="r">
+              <a:lnSpc>
+                <a:spcPct val="100000"/>
+              </a:lnSpc>
+              <a:spcBef>
+                <a:spcPts val="0"/>
+              </a:spcBef>
+              <a:spcAft>
+                <a:spcPts val="0"/>
+              </a:spcAft>
+              <a:buClr>
+                <a:srgbClr val="000000"/>
+              </a:buClr>
+              <a:buSzPts val="1000"/>
+              <a:buFont typeface="Arial"/>
+              <a:buNone/>
+              <a:defRPr sz="1000" b="0" i="0" u="none" strike="noStrike" cap="none">
                 <a:solidFill>
                   <a:schemeClr val="dk2"/>
                 </a:solidFill>
@@ -3481,23 +3549,23 @@
                 <a:sym typeface="Arial"/>
               </a:defRPr>
             </a:lvl1pPr>
-            <a:lvl2pPr indent="0" lvl="1" marL="0" marR="0" algn="r">
-              <a:lnSpc>
-                <a:spcPct val="100000"/>
-              </a:lnSpc>
-              <a:spcBef>
-                <a:spcPts val="0"/>
-              </a:spcBef>
-              <a:spcAft>
-                <a:spcPts val="0"/>
-              </a:spcAft>
-              <a:buClr>
-                <a:srgbClr val="000000"/>
-              </a:buClr>
-              <a:buSzPts val="1000"/>
-              <a:buFont typeface="Arial"/>
-              <a:buNone/>
-              <a:defRPr b="0" i="0" sz="1000" u="none" cap="none" strike="noStrike">
+            <a:lvl2pPr marL="0" marR="0" lvl="1" indent="0" algn="r">
+              <a:lnSpc>
+                <a:spcPct val="100000"/>
+              </a:lnSpc>
+              <a:spcBef>
+                <a:spcPts val="0"/>
+              </a:spcBef>
+              <a:spcAft>
+                <a:spcPts val="0"/>
+              </a:spcAft>
+              <a:buClr>
+                <a:srgbClr val="000000"/>
+              </a:buClr>
+              <a:buSzPts val="1000"/>
+              <a:buFont typeface="Arial"/>
+              <a:buNone/>
+              <a:defRPr sz="1000" b="0" i="0" u="none" strike="noStrike" cap="none">
                 <a:solidFill>
                   <a:schemeClr val="dk2"/>
                 </a:solidFill>
@@ -3507,23 +3575,23 @@
                 <a:sym typeface="Arial"/>
               </a:defRPr>
             </a:lvl2pPr>
-            <a:lvl3pPr indent="0" lvl="2" marL="0" marR="0" algn="r">
-              <a:lnSpc>
-                <a:spcPct val="100000"/>
-              </a:lnSpc>
-              <a:spcBef>
-                <a:spcPts val="0"/>
-              </a:spcBef>
-              <a:spcAft>
-                <a:spcPts val="0"/>
-              </a:spcAft>
-              <a:buClr>
-                <a:srgbClr val="000000"/>
-              </a:buClr>
-              <a:buSzPts val="1000"/>
-              <a:buFont typeface="Arial"/>
-              <a:buNone/>
-              <a:defRPr b="0" i="0" sz="1000" u="none" cap="none" strike="noStrike">
+            <a:lvl3pPr marL="0" marR="0" lvl="2" indent="0" algn="r">
+              <a:lnSpc>
+                <a:spcPct val="100000"/>
+              </a:lnSpc>
+              <a:spcBef>
+                <a:spcPts val="0"/>
+              </a:spcBef>
+              <a:spcAft>
+                <a:spcPts val="0"/>
+              </a:spcAft>
+              <a:buClr>
+                <a:srgbClr val="000000"/>
+              </a:buClr>
+              <a:buSzPts val="1000"/>
+              <a:buFont typeface="Arial"/>
+              <a:buNone/>
+              <a:defRPr sz="1000" b="0" i="0" u="none" strike="noStrike" cap="none">
                 <a:solidFill>
                   <a:schemeClr val="dk2"/>
                 </a:solidFill>
@@ -3533,23 +3601,23 @@
                 <a:sym typeface="Arial"/>
               </a:defRPr>
             </a:lvl3pPr>
-            <a:lvl4pPr indent="0" lvl="3" marL="0" marR="0" algn="r">
-              <a:lnSpc>
-                <a:spcPct val="100000"/>
-              </a:lnSpc>
-              <a:spcBef>
-                <a:spcPts val="0"/>
-              </a:spcBef>
-              <a:spcAft>
-                <a:spcPts val="0"/>
-              </a:spcAft>
-              <a:buClr>
-                <a:srgbClr val="000000"/>
-              </a:buClr>
-              <a:buSzPts val="1000"/>
-              <a:buFont typeface="Arial"/>
-              <a:buNone/>
-              <a:defRPr b="0" i="0" sz="1000" u="none" cap="none" strike="noStrike">
+            <a:lvl4pPr marL="0" marR="0" lvl="3" indent="0" algn="r">
+              <a:lnSpc>
+                <a:spcPct val="100000"/>
+              </a:lnSpc>
+              <a:spcBef>
+                <a:spcPts val="0"/>
+              </a:spcBef>
+              <a:spcAft>
+                <a:spcPts val="0"/>
+              </a:spcAft>
+              <a:buClr>
+                <a:srgbClr val="000000"/>
+              </a:buClr>
+              <a:buSzPts val="1000"/>
+              <a:buFont typeface="Arial"/>
+              <a:buNone/>
+              <a:defRPr sz="1000" b="0" i="0" u="none" strike="noStrike" cap="none">
                 <a:solidFill>
                   <a:schemeClr val="dk2"/>
                 </a:solidFill>
@@ -3559,23 +3627,23 @@
                 <a:sym typeface="Arial"/>
               </a:defRPr>
             </a:lvl4pPr>
-            <a:lvl5pPr indent="0" lvl="4" marL="0" marR="0" algn="r">
-              <a:lnSpc>
-                <a:spcPct val="100000"/>
-              </a:lnSpc>
-              <a:spcBef>
-                <a:spcPts val="0"/>
-              </a:spcBef>
-              <a:spcAft>
-                <a:spcPts val="0"/>
-              </a:spcAft>
-              <a:buClr>
-                <a:srgbClr val="000000"/>
-              </a:buClr>
-              <a:buSzPts val="1000"/>
-              <a:buFont typeface="Arial"/>
-              <a:buNone/>
-              <a:defRPr b="0" i="0" sz="1000" u="none" cap="none" strike="noStrike">
+            <a:lvl5pPr marL="0" marR="0" lvl="4" indent="0" algn="r">
+              <a:lnSpc>
+                <a:spcPct val="100000"/>
+              </a:lnSpc>
+              <a:spcBef>
+                <a:spcPts val="0"/>
+              </a:spcBef>
+              <a:spcAft>
+                <a:spcPts val="0"/>
+              </a:spcAft>
+              <a:buClr>
+                <a:srgbClr val="000000"/>
+              </a:buClr>
+              <a:buSzPts val="1000"/>
+              <a:buFont typeface="Arial"/>
+              <a:buNone/>
+              <a:defRPr sz="1000" b="0" i="0" u="none" strike="noStrike" cap="none">
                 <a:solidFill>
                   <a:schemeClr val="dk2"/>
                 </a:solidFill>
@@ -3585,23 +3653,23 @@
                 <a:sym typeface="Arial"/>
               </a:defRPr>
             </a:lvl5pPr>
-            <a:lvl6pPr indent="0" lvl="5" marL="0" marR="0" algn="r">
-              <a:lnSpc>
-                <a:spcPct val="100000"/>
-              </a:lnSpc>
-              <a:spcBef>
-                <a:spcPts val="0"/>
-              </a:spcBef>
-              <a:spcAft>
-                <a:spcPts val="0"/>
-              </a:spcAft>
-              <a:buClr>
-                <a:srgbClr val="000000"/>
-              </a:buClr>
-              <a:buSzPts val="1000"/>
-              <a:buFont typeface="Arial"/>
-              <a:buNone/>
-              <a:defRPr b="0" i="0" sz="1000" u="none" cap="none" strike="noStrike">
+            <a:lvl6pPr marL="0" marR="0" lvl="5" indent="0" algn="r">
+              <a:lnSpc>
+                <a:spcPct val="100000"/>
+              </a:lnSpc>
+              <a:spcBef>
+                <a:spcPts val="0"/>
+              </a:spcBef>
+              <a:spcAft>
+                <a:spcPts val="0"/>
+              </a:spcAft>
+              <a:buClr>
+                <a:srgbClr val="000000"/>
+              </a:buClr>
+              <a:buSzPts val="1000"/>
+              <a:buFont typeface="Arial"/>
+              <a:buNone/>
+              <a:defRPr sz="1000" b="0" i="0" u="none" strike="noStrike" cap="none">
                 <a:solidFill>
                   <a:schemeClr val="dk2"/>
                 </a:solidFill>
@@ -3611,23 +3679,23 @@
                 <a:sym typeface="Arial"/>
               </a:defRPr>
             </a:lvl6pPr>
-            <a:lvl7pPr indent="0" lvl="6" marL="0" marR="0" algn="r">
-              <a:lnSpc>
-                <a:spcPct val="100000"/>
-              </a:lnSpc>
-              <a:spcBef>
-                <a:spcPts val="0"/>
-              </a:spcBef>
-              <a:spcAft>
-                <a:spcPts val="0"/>
-              </a:spcAft>
-              <a:buClr>
-                <a:srgbClr val="000000"/>
-              </a:buClr>
-              <a:buSzPts val="1000"/>
-              <a:buFont typeface="Arial"/>
-              <a:buNone/>
-              <a:defRPr b="0" i="0" sz="1000" u="none" cap="none" strike="noStrike">
+            <a:lvl7pPr marL="0" marR="0" lvl="6" indent="0" algn="r">
+              <a:lnSpc>
+                <a:spcPct val="100000"/>
+              </a:lnSpc>
+              <a:spcBef>
+                <a:spcPts val="0"/>
+              </a:spcBef>
+              <a:spcAft>
+                <a:spcPts val="0"/>
+              </a:spcAft>
+              <a:buClr>
+                <a:srgbClr val="000000"/>
+              </a:buClr>
+              <a:buSzPts val="1000"/>
+              <a:buFont typeface="Arial"/>
+              <a:buNone/>
+              <a:defRPr sz="1000" b="0" i="0" u="none" strike="noStrike" cap="none">
                 <a:solidFill>
                   <a:schemeClr val="dk2"/>
                 </a:solidFill>
@@ -3637,23 +3705,23 @@
                 <a:sym typeface="Arial"/>
               </a:defRPr>
             </a:lvl7pPr>
-            <a:lvl8pPr indent="0" lvl="7" marL="0" marR="0" algn="r">
-              <a:lnSpc>
-                <a:spcPct val="100000"/>
-              </a:lnSpc>
-              <a:spcBef>
-                <a:spcPts val="0"/>
-              </a:spcBef>
-              <a:spcAft>
-                <a:spcPts val="0"/>
-              </a:spcAft>
-              <a:buClr>
-                <a:srgbClr val="000000"/>
-              </a:buClr>
-              <a:buSzPts val="1000"/>
-              <a:buFont typeface="Arial"/>
-              <a:buNone/>
-              <a:defRPr b="0" i="0" sz="1000" u="none" cap="none" strike="noStrike">
+            <a:lvl8pPr marL="0" marR="0" lvl="7" indent="0" algn="r">
+              <a:lnSpc>
+                <a:spcPct val="100000"/>
+              </a:lnSpc>
+              <a:spcBef>
+                <a:spcPts val="0"/>
+              </a:spcBef>
+              <a:spcAft>
+                <a:spcPts val="0"/>
+              </a:spcAft>
+              <a:buClr>
+                <a:srgbClr val="000000"/>
+              </a:buClr>
+              <a:buSzPts val="1000"/>
+              <a:buFont typeface="Arial"/>
+              <a:buNone/>
+              <a:defRPr sz="1000" b="0" i="0" u="none" strike="noStrike" cap="none">
                 <a:solidFill>
                   <a:schemeClr val="dk2"/>
                 </a:solidFill>
@@ -3663,23 +3731,23 @@
                 <a:sym typeface="Arial"/>
               </a:defRPr>
             </a:lvl8pPr>
-            <a:lvl9pPr indent="0" lvl="8" marL="0" marR="0" algn="r">
-              <a:lnSpc>
-                <a:spcPct val="100000"/>
-              </a:lnSpc>
-              <a:spcBef>
-                <a:spcPts val="0"/>
-              </a:spcBef>
-              <a:spcAft>
-                <a:spcPts val="0"/>
-              </a:spcAft>
-              <a:buClr>
-                <a:srgbClr val="000000"/>
-              </a:buClr>
-              <a:buSzPts val="1000"/>
-              <a:buFont typeface="Arial"/>
-              <a:buNone/>
-              <a:defRPr b="0" i="0" sz="1000" u="none" cap="none" strike="noStrike">
+            <a:lvl9pPr marL="0" marR="0" lvl="8" indent="0" algn="r">
+              <a:lnSpc>
+                <a:spcPct val="100000"/>
+              </a:lnSpc>
+              <a:spcBef>
+                <a:spcPts val="0"/>
+              </a:spcBef>
+              <a:spcAft>
+                <a:spcPts val="0"/>
+              </a:spcAft>
+              <a:buClr>
+                <a:srgbClr val="000000"/>
+              </a:buClr>
+              <a:buSzPts val="1000"/>
+              <a:buFont typeface="Arial"/>
+              <a:buNone/>
+              <a:defRPr sz="1000" b="0" i="0" u="none" strike="noStrike" cap="none">
                 <a:solidFill>
                   <a:schemeClr val="dk2"/>
                 </a:solidFill>
@@ -3691,7 +3759,7 @@
             </a:lvl9pPr>
           </a:lstStyle>
           <a:p>
-            <a:pPr indent="0" lvl="0" marL="0" rtl="0" algn="r">
+            <a:pPr marL="0" lvl="0" indent="0" algn="r" rtl="0">
               <a:spcBef>
                 <a:spcPts val="0"/>
               </a:spcBef>
@@ -3717,11 +3785,11 @@
 </file>
 
 <file path=ppt/slideLayouts/slideLayout3.xml><?xml version="1.0" encoding="utf-8"?>
-<p:sldLayout xmlns:a="http://schemas.openxmlformats.org/drawingml/2006/main" xmlns:r="http://schemas.openxmlformats.org/officeDocument/2006/relationships" xmlns:mc="http://schemas.openxmlformats.org/markup-compatibility/2006" xmlns:mv="urn:schemas-microsoft-com:mac:vml" xmlns:p="http://schemas.openxmlformats.org/presentationml/2006/main" xmlns:c="http://schemas.openxmlformats.org/drawingml/2006/chart" xmlns:dgm="http://schemas.openxmlformats.org/drawingml/2006/diagram" xmlns:o="urn:schemas-microsoft-com:office:office" xmlns:v="urn:schemas-microsoft-com:vml" xmlns:pvml="urn:schemas-microsoft-com:office:powerpoint" xmlns:com="http://schemas.openxmlformats.org/drawingml/2006/compatibility" xmlns:p14="http://schemas.microsoft.com/office/powerpoint/2010/main" xmlns:p15="http://schemas.microsoft.com/office/powerpoint/2012/main" xmlns:ahyp="http://schemas.microsoft.com/office/drawing/2018/hyperlinkcolor" matchingName="Section header" type="secHead">
+<p:sldLayout xmlns:a="http://schemas.openxmlformats.org/drawingml/2006/main" xmlns:r="http://schemas.openxmlformats.org/officeDocument/2006/relationships" xmlns:p="http://schemas.openxmlformats.org/presentationml/2006/main" matchingName="Section header" type="secHead">
   <p:cSld name="SECTION_HEADER">
     <p:spTree>
       <p:nvGrpSpPr>
-        <p:cNvPr id="17" name="Shape 17"/>
+        <p:cNvPr id="1" name="Shape 17"/>
         <p:cNvGrpSpPr/>
         <p:nvPr/>
       </p:nvGrpSpPr>
@@ -3736,7 +3804,9 @@
       <p:sp>
         <p:nvSpPr>
           <p:cNvPr id="18" name="Google Shape;18;p6"/>
-          <p:cNvSpPr txBox="1"/>
+          <p:cNvSpPr txBox="1">
+            <a:spLocks noGrp="1"/>
+          </p:cNvSpPr>
           <p:nvPr>
             <p:ph type="title"/>
           </p:nvPr>
@@ -3755,7 +3825,7 @@
           </a:ln>
         </p:spPr>
         <p:txBody>
-          <a:bodyPr anchorCtr="0" anchor="ctr" bIns="91425" lIns="91425" spcFirstLastPara="1" rIns="91425" wrap="square" tIns="91425">
+          <a:bodyPr spcFirstLastPara="1" wrap="square" lIns="91425" tIns="91425" rIns="91425" bIns="91425" anchor="ctr" anchorCtr="0">
             <a:noAutofit/>
           </a:bodyPr>
           <a:lstStyle>
@@ -3886,15 +3956,19 @@
               <a:defRPr sz="3600"/>
             </a:lvl9pPr>
           </a:lstStyle>
-          <a:p/>
+          <a:p>
+            <a:endParaRPr/>
+          </a:p>
         </p:txBody>
       </p:sp>
       <p:sp>
         <p:nvSpPr>
           <p:cNvPr id="19" name="Google Shape;19;p6"/>
-          <p:cNvSpPr txBox="1"/>
+          <p:cNvSpPr txBox="1">
+            <a:spLocks noGrp="1"/>
+          </p:cNvSpPr>
           <p:nvPr>
-            <p:ph idx="12" type="sldNum"/>
+            <p:ph type="sldNum" idx="12"/>
           </p:nvPr>
         </p:nvSpPr>
         <p:spPr>
@@ -3911,27 +3985,27 @@
           </a:ln>
         </p:spPr>
         <p:txBody>
-          <a:bodyPr anchorCtr="0" anchor="ctr" bIns="91425" lIns="91425" spcFirstLastPara="1" rIns="91425" wrap="square" tIns="91425">
+          <a:bodyPr spcFirstLastPara="1" wrap="square" lIns="91425" tIns="91425" rIns="91425" bIns="91425" anchor="ctr" anchorCtr="0">
             <a:noAutofit/>
           </a:bodyPr>
           <a:lstStyle>
-            <a:lvl1pPr indent="0" lvl="0" marL="0" marR="0" algn="r">
-              <a:lnSpc>
-                <a:spcPct val="100000"/>
-              </a:lnSpc>
-              <a:spcBef>
-                <a:spcPts val="0"/>
-              </a:spcBef>
-              <a:spcAft>
-                <a:spcPts val="0"/>
-              </a:spcAft>
-              <a:buClr>
-                <a:srgbClr val="000000"/>
-              </a:buClr>
-              <a:buSzPts val="1000"/>
-              <a:buFont typeface="Arial"/>
-              <a:buNone/>
-              <a:defRPr b="0" i="0" sz="1000" u="none" cap="none" strike="noStrike">
+            <a:lvl1pPr marL="0" marR="0" lvl="0" indent="0" algn="r">
+              <a:lnSpc>
+                <a:spcPct val="100000"/>
+              </a:lnSpc>
+              <a:spcBef>
+                <a:spcPts val="0"/>
+              </a:spcBef>
+              <a:spcAft>
+                <a:spcPts val="0"/>
+              </a:spcAft>
+              <a:buClr>
+                <a:srgbClr val="000000"/>
+              </a:buClr>
+              <a:buSzPts val="1000"/>
+              <a:buFont typeface="Arial"/>
+              <a:buNone/>
+              <a:defRPr sz="1000" b="0" i="0" u="none" strike="noStrike" cap="none">
                 <a:solidFill>
                   <a:schemeClr val="dk2"/>
                 </a:solidFill>
@@ -3941,23 +4015,23 @@
                 <a:sym typeface="Arial"/>
               </a:defRPr>
             </a:lvl1pPr>
-            <a:lvl2pPr indent="0" lvl="1" marL="0" marR="0" algn="r">
-              <a:lnSpc>
-                <a:spcPct val="100000"/>
-              </a:lnSpc>
-              <a:spcBef>
-                <a:spcPts val="0"/>
-              </a:spcBef>
-              <a:spcAft>
-                <a:spcPts val="0"/>
-              </a:spcAft>
-              <a:buClr>
-                <a:srgbClr val="000000"/>
-              </a:buClr>
-              <a:buSzPts val="1000"/>
-              <a:buFont typeface="Arial"/>
-              <a:buNone/>
-              <a:defRPr b="0" i="0" sz="1000" u="none" cap="none" strike="noStrike">
+            <a:lvl2pPr marL="0" marR="0" lvl="1" indent="0" algn="r">
+              <a:lnSpc>
+                <a:spcPct val="100000"/>
+              </a:lnSpc>
+              <a:spcBef>
+                <a:spcPts val="0"/>
+              </a:spcBef>
+              <a:spcAft>
+                <a:spcPts val="0"/>
+              </a:spcAft>
+              <a:buClr>
+                <a:srgbClr val="000000"/>
+              </a:buClr>
+              <a:buSzPts val="1000"/>
+              <a:buFont typeface="Arial"/>
+              <a:buNone/>
+              <a:defRPr sz="1000" b="0" i="0" u="none" strike="noStrike" cap="none">
                 <a:solidFill>
                   <a:schemeClr val="dk2"/>
                 </a:solidFill>
@@ -3967,23 +4041,23 @@
                 <a:sym typeface="Arial"/>
               </a:defRPr>
             </a:lvl2pPr>
-            <a:lvl3pPr indent="0" lvl="2" marL="0" marR="0" algn="r">
-              <a:lnSpc>
-                <a:spcPct val="100000"/>
-              </a:lnSpc>
-              <a:spcBef>
-                <a:spcPts val="0"/>
-              </a:spcBef>
-              <a:spcAft>
-                <a:spcPts val="0"/>
-              </a:spcAft>
-              <a:buClr>
-                <a:srgbClr val="000000"/>
-              </a:buClr>
-              <a:buSzPts val="1000"/>
-              <a:buFont typeface="Arial"/>
-              <a:buNone/>
-              <a:defRPr b="0" i="0" sz="1000" u="none" cap="none" strike="noStrike">
+            <a:lvl3pPr marL="0" marR="0" lvl="2" indent="0" algn="r">
+              <a:lnSpc>
+                <a:spcPct val="100000"/>
+              </a:lnSpc>
+              <a:spcBef>
+                <a:spcPts val="0"/>
+              </a:spcBef>
+              <a:spcAft>
+                <a:spcPts val="0"/>
+              </a:spcAft>
+              <a:buClr>
+                <a:srgbClr val="000000"/>
+              </a:buClr>
+              <a:buSzPts val="1000"/>
+              <a:buFont typeface="Arial"/>
+              <a:buNone/>
+              <a:defRPr sz="1000" b="0" i="0" u="none" strike="noStrike" cap="none">
                 <a:solidFill>
                   <a:schemeClr val="dk2"/>
                 </a:solidFill>
@@ -3993,23 +4067,23 @@
                 <a:sym typeface="Arial"/>
               </a:defRPr>
             </a:lvl3pPr>
-            <a:lvl4pPr indent="0" lvl="3" marL="0" marR="0" algn="r">
-              <a:lnSpc>
-                <a:spcPct val="100000"/>
-              </a:lnSpc>
-              <a:spcBef>
-                <a:spcPts val="0"/>
-              </a:spcBef>
-              <a:spcAft>
-                <a:spcPts val="0"/>
-              </a:spcAft>
-              <a:buClr>
-                <a:srgbClr val="000000"/>
-              </a:buClr>
-              <a:buSzPts val="1000"/>
-              <a:buFont typeface="Arial"/>
-              <a:buNone/>
-              <a:defRPr b="0" i="0" sz="1000" u="none" cap="none" strike="noStrike">
+            <a:lvl4pPr marL="0" marR="0" lvl="3" indent="0" algn="r">
+              <a:lnSpc>
+                <a:spcPct val="100000"/>
+              </a:lnSpc>
+              <a:spcBef>
+                <a:spcPts val="0"/>
+              </a:spcBef>
+              <a:spcAft>
+                <a:spcPts val="0"/>
+              </a:spcAft>
+              <a:buClr>
+                <a:srgbClr val="000000"/>
+              </a:buClr>
+              <a:buSzPts val="1000"/>
+              <a:buFont typeface="Arial"/>
+              <a:buNone/>
+              <a:defRPr sz="1000" b="0" i="0" u="none" strike="noStrike" cap="none">
                 <a:solidFill>
                   <a:schemeClr val="dk2"/>
                 </a:solidFill>
@@ -4019,23 +4093,23 @@
                 <a:sym typeface="Arial"/>
               </a:defRPr>
             </a:lvl4pPr>
-            <a:lvl5pPr indent="0" lvl="4" marL="0" marR="0" algn="r">
-              <a:lnSpc>
-                <a:spcPct val="100000"/>
-              </a:lnSpc>
-              <a:spcBef>
-                <a:spcPts val="0"/>
-              </a:spcBef>
-              <a:spcAft>
-                <a:spcPts val="0"/>
-              </a:spcAft>
-              <a:buClr>
-                <a:srgbClr val="000000"/>
-              </a:buClr>
-              <a:buSzPts val="1000"/>
-              <a:buFont typeface="Arial"/>
-              <a:buNone/>
-              <a:defRPr b="0" i="0" sz="1000" u="none" cap="none" strike="noStrike">
+            <a:lvl5pPr marL="0" marR="0" lvl="4" indent="0" algn="r">
+              <a:lnSpc>
+                <a:spcPct val="100000"/>
+              </a:lnSpc>
+              <a:spcBef>
+                <a:spcPts val="0"/>
+              </a:spcBef>
+              <a:spcAft>
+                <a:spcPts val="0"/>
+              </a:spcAft>
+              <a:buClr>
+                <a:srgbClr val="000000"/>
+              </a:buClr>
+              <a:buSzPts val="1000"/>
+              <a:buFont typeface="Arial"/>
+              <a:buNone/>
+              <a:defRPr sz="1000" b="0" i="0" u="none" strike="noStrike" cap="none">
                 <a:solidFill>
                   <a:schemeClr val="dk2"/>
                 </a:solidFill>
@@ -4045,23 +4119,23 @@
                 <a:sym typeface="Arial"/>
               </a:defRPr>
             </a:lvl5pPr>
-            <a:lvl6pPr indent="0" lvl="5" marL="0" marR="0" algn="r">
-              <a:lnSpc>
-                <a:spcPct val="100000"/>
-              </a:lnSpc>
-              <a:spcBef>
-                <a:spcPts val="0"/>
-              </a:spcBef>
-              <a:spcAft>
-                <a:spcPts val="0"/>
-              </a:spcAft>
-              <a:buClr>
-                <a:srgbClr val="000000"/>
-              </a:buClr>
-              <a:buSzPts val="1000"/>
-              <a:buFont typeface="Arial"/>
-              <a:buNone/>
-              <a:defRPr b="0" i="0" sz="1000" u="none" cap="none" strike="noStrike">
+            <a:lvl6pPr marL="0" marR="0" lvl="5" indent="0" algn="r">
+              <a:lnSpc>
+                <a:spcPct val="100000"/>
+              </a:lnSpc>
+              <a:spcBef>
+                <a:spcPts val="0"/>
+              </a:spcBef>
+              <a:spcAft>
+                <a:spcPts val="0"/>
+              </a:spcAft>
+              <a:buClr>
+                <a:srgbClr val="000000"/>
+              </a:buClr>
+              <a:buSzPts val="1000"/>
+              <a:buFont typeface="Arial"/>
+              <a:buNone/>
+              <a:defRPr sz="1000" b="0" i="0" u="none" strike="noStrike" cap="none">
                 <a:solidFill>
                   <a:schemeClr val="dk2"/>
                 </a:solidFill>
@@ -4071,23 +4145,23 @@
                 <a:sym typeface="Arial"/>
               </a:defRPr>
             </a:lvl6pPr>
-            <a:lvl7pPr indent="0" lvl="6" marL="0" marR="0" algn="r">
-              <a:lnSpc>
-                <a:spcPct val="100000"/>
-              </a:lnSpc>
-              <a:spcBef>
-                <a:spcPts val="0"/>
-              </a:spcBef>
-              <a:spcAft>
-                <a:spcPts val="0"/>
-              </a:spcAft>
-              <a:buClr>
-                <a:srgbClr val="000000"/>
-              </a:buClr>
-              <a:buSzPts val="1000"/>
-              <a:buFont typeface="Arial"/>
-              <a:buNone/>
-              <a:defRPr b="0" i="0" sz="1000" u="none" cap="none" strike="noStrike">
+            <a:lvl7pPr marL="0" marR="0" lvl="6" indent="0" algn="r">
+              <a:lnSpc>
+                <a:spcPct val="100000"/>
+              </a:lnSpc>
+              <a:spcBef>
+                <a:spcPts val="0"/>
+              </a:spcBef>
+              <a:spcAft>
+                <a:spcPts val="0"/>
+              </a:spcAft>
+              <a:buClr>
+                <a:srgbClr val="000000"/>
+              </a:buClr>
+              <a:buSzPts val="1000"/>
+              <a:buFont typeface="Arial"/>
+              <a:buNone/>
+              <a:defRPr sz="1000" b="0" i="0" u="none" strike="noStrike" cap="none">
                 <a:solidFill>
                   <a:schemeClr val="dk2"/>
                 </a:solidFill>
@@ -4097,23 +4171,23 @@
                 <a:sym typeface="Arial"/>
               </a:defRPr>
             </a:lvl7pPr>
-            <a:lvl8pPr indent="0" lvl="7" marL="0" marR="0" algn="r">
-              <a:lnSpc>
-                <a:spcPct val="100000"/>
-              </a:lnSpc>
-              <a:spcBef>
-                <a:spcPts val="0"/>
-              </a:spcBef>
-              <a:spcAft>
-                <a:spcPts val="0"/>
-              </a:spcAft>
-              <a:buClr>
-                <a:srgbClr val="000000"/>
-              </a:buClr>
-              <a:buSzPts val="1000"/>
-              <a:buFont typeface="Arial"/>
-              <a:buNone/>
-              <a:defRPr b="0" i="0" sz="1000" u="none" cap="none" strike="noStrike">
+            <a:lvl8pPr marL="0" marR="0" lvl="7" indent="0" algn="r">
+              <a:lnSpc>
+                <a:spcPct val="100000"/>
+              </a:lnSpc>
+              <a:spcBef>
+                <a:spcPts val="0"/>
+              </a:spcBef>
+              <a:spcAft>
+                <a:spcPts val="0"/>
+              </a:spcAft>
+              <a:buClr>
+                <a:srgbClr val="000000"/>
+              </a:buClr>
+              <a:buSzPts val="1000"/>
+              <a:buFont typeface="Arial"/>
+              <a:buNone/>
+              <a:defRPr sz="1000" b="0" i="0" u="none" strike="noStrike" cap="none">
                 <a:solidFill>
                   <a:schemeClr val="dk2"/>
                 </a:solidFill>
@@ -4123,23 +4197,23 @@
                 <a:sym typeface="Arial"/>
               </a:defRPr>
             </a:lvl8pPr>
-            <a:lvl9pPr indent="0" lvl="8" marL="0" marR="0" algn="r">
-              <a:lnSpc>
-                <a:spcPct val="100000"/>
-              </a:lnSpc>
-              <a:spcBef>
-                <a:spcPts val="0"/>
-              </a:spcBef>
-              <a:spcAft>
-                <a:spcPts val="0"/>
-              </a:spcAft>
-              <a:buClr>
-                <a:srgbClr val="000000"/>
-              </a:buClr>
-              <a:buSzPts val="1000"/>
-              <a:buFont typeface="Arial"/>
-              <a:buNone/>
-              <a:defRPr b="0" i="0" sz="1000" u="none" cap="none" strike="noStrike">
+            <a:lvl9pPr marL="0" marR="0" lvl="8" indent="0" algn="r">
+              <a:lnSpc>
+                <a:spcPct val="100000"/>
+              </a:lnSpc>
+              <a:spcBef>
+                <a:spcPts val="0"/>
+              </a:spcBef>
+              <a:spcAft>
+                <a:spcPts val="0"/>
+              </a:spcAft>
+              <a:buClr>
+                <a:srgbClr val="000000"/>
+              </a:buClr>
+              <a:buSzPts val="1000"/>
+              <a:buFont typeface="Arial"/>
+              <a:buNone/>
+              <a:defRPr sz="1000" b="0" i="0" u="none" strike="noStrike" cap="none">
                 <a:solidFill>
                   <a:schemeClr val="dk2"/>
                 </a:solidFill>
@@ -4151,7 +4225,7 @@
             </a:lvl9pPr>
           </a:lstStyle>
           <a:p>
-            <a:pPr indent="0" lvl="0" marL="0" rtl="0" algn="r">
+            <a:pPr marL="0" lvl="0" indent="0" algn="r" rtl="0">
               <a:spcBef>
                 <a:spcPts val="0"/>
               </a:spcBef>
@@ -4177,11 +4251,11 @@
 </file>
 
 <file path=ppt/slideLayouts/slideLayout4.xml><?xml version="1.0" encoding="utf-8"?>
-<p:sldLayout xmlns:a="http://schemas.openxmlformats.org/drawingml/2006/main" xmlns:r="http://schemas.openxmlformats.org/officeDocument/2006/relationships" xmlns:mc="http://schemas.openxmlformats.org/markup-compatibility/2006" xmlns:mv="urn:schemas-microsoft-com:mac:vml" xmlns:p="http://schemas.openxmlformats.org/presentationml/2006/main" xmlns:c="http://schemas.openxmlformats.org/drawingml/2006/chart" xmlns:dgm="http://schemas.openxmlformats.org/drawingml/2006/diagram" xmlns:o="urn:schemas-microsoft-com:office:office" xmlns:v="urn:schemas-microsoft-com:vml" xmlns:pvml="urn:schemas-microsoft-com:office:powerpoint" xmlns:com="http://schemas.openxmlformats.org/drawingml/2006/compatibility" xmlns:p14="http://schemas.microsoft.com/office/powerpoint/2010/main" xmlns:p15="http://schemas.microsoft.com/office/powerpoint/2012/main" xmlns:ahyp="http://schemas.microsoft.com/office/drawing/2018/hyperlinkcolor" matchingName="Title and two columns" type="twoColTx">
+<p:sldLayout xmlns:a="http://schemas.openxmlformats.org/drawingml/2006/main" xmlns:r="http://schemas.openxmlformats.org/officeDocument/2006/relationships" xmlns:p="http://schemas.openxmlformats.org/presentationml/2006/main" matchingName="Title and two columns" type="twoColTx">
   <p:cSld name="TITLE_AND_TWO_COLUMNS">
     <p:spTree>
       <p:nvGrpSpPr>
-        <p:cNvPr id="20" name="Shape 20"/>
+        <p:cNvPr id="1" name="Shape 20"/>
         <p:cNvGrpSpPr/>
         <p:nvPr/>
       </p:nvGrpSpPr>
@@ -4196,7 +4270,9 @@
       <p:sp>
         <p:nvSpPr>
           <p:cNvPr id="21" name="Google Shape;21;p7"/>
-          <p:cNvSpPr txBox="1"/>
+          <p:cNvSpPr txBox="1">
+            <a:spLocks noGrp="1"/>
+          </p:cNvSpPr>
           <p:nvPr>
             <p:ph type="title"/>
           </p:nvPr>
@@ -4215,7 +4291,7 @@
           </a:ln>
         </p:spPr>
         <p:txBody>
-          <a:bodyPr anchorCtr="0" anchor="t" bIns="91425" lIns="91425" spcFirstLastPara="1" rIns="91425" wrap="square" tIns="91425">
+          <a:bodyPr spcFirstLastPara="1" wrap="square" lIns="91425" tIns="91425" rIns="91425" bIns="91425" anchor="t" anchorCtr="0">
             <a:noAutofit/>
           </a:bodyPr>
           <a:lstStyle>
@@ -4346,15 +4422,19 @@
               <a:defRPr/>
             </a:lvl9pPr>
           </a:lstStyle>
-          <a:p/>
+          <a:p>
+            <a:endParaRPr/>
+          </a:p>
         </p:txBody>
       </p:sp>
       <p:sp>
         <p:nvSpPr>
           <p:cNvPr id="22" name="Google Shape;22;p7"/>
-          <p:cNvSpPr txBox="1"/>
+          <p:cNvSpPr txBox="1">
+            <a:spLocks noGrp="1"/>
+          </p:cNvSpPr>
           <p:nvPr>
-            <p:ph idx="1" type="body"/>
+            <p:ph type="body" idx="1"/>
           </p:nvPr>
         </p:nvSpPr>
         <p:spPr>
@@ -4371,11 +4451,11 @@
           </a:ln>
         </p:spPr>
         <p:txBody>
-          <a:bodyPr anchorCtr="0" anchor="t" bIns="91425" lIns="91425" spcFirstLastPara="1" rIns="91425" wrap="square" tIns="91425">
+          <a:bodyPr spcFirstLastPara="1" wrap="square" lIns="91425" tIns="91425" rIns="91425" bIns="91425" anchor="t" anchorCtr="0">
             <a:noAutofit/>
           </a:bodyPr>
           <a:lstStyle>
-            <a:lvl1pPr indent="-317500" lvl="0" marL="457200" algn="l">
+            <a:lvl1pPr marL="457200" lvl="0" indent="-317500" algn="l">
               <a:lnSpc>
                 <a:spcPct val="115000"/>
               </a:lnSpc>
@@ -4389,7 +4469,7 @@
               <a:buChar char="●"/>
               <a:defRPr sz="1400"/>
             </a:lvl1pPr>
-            <a:lvl2pPr indent="-304800" lvl="1" marL="914400" algn="l">
+            <a:lvl2pPr marL="914400" lvl="1" indent="-304800" algn="l">
               <a:lnSpc>
                 <a:spcPct val="115000"/>
               </a:lnSpc>
@@ -4403,7 +4483,7 @@
               <a:buChar char="○"/>
               <a:defRPr sz="1200"/>
             </a:lvl2pPr>
-            <a:lvl3pPr indent="-304800" lvl="2" marL="1371600" algn="l">
+            <a:lvl3pPr marL="1371600" lvl="2" indent="-304800" algn="l">
               <a:lnSpc>
                 <a:spcPct val="115000"/>
               </a:lnSpc>
@@ -4417,7 +4497,7 @@
               <a:buChar char="■"/>
               <a:defRPr sz="1200"/>
             </a:lvl3pPr>
-            <a:lvl4pPr indent="-304800" lvl="3" marL="1828800" algn="l">
+            <a:lvl4pPr marL="1828800" lvl="3" indent="-304800" algn="l">
               <a:lnSpc>
                 <a:spcPct val="115000"/>
               </a:lnSpc>
@@ -4431,7 +4511,7 @@
               <a:buChar char="●"/>
               <a:defRPr sz="1200"/>
             </a:lvl4pPr>
-            <a:lvl5pPr indent="-304800" lvl="4" marL="2286000" algn="l">
+            <a:lvl5pPr marL="2286000" lvl="4" indent="-304800" algn="l">
               <a:lnSpc>
                 <a:spcPct val="115000"/>
               </a:lnSpc>
@@ -4445,7 +4525,7 @@
               <a:buChar char="○"/>
               <a:defRPr sz="1200"/>
             </a:lvl5pPr>
-            <a:lvl6pPr indent="-304800" lvl="5" marL="2743200" algn="l">
+            <a:lvl6pPr marL="2743200" lvl="5" indent="-304800" algn="l">
               <a:lnSpc>
                 <a:spcPct val="115000"/>
               </a:lnSpc>
@@ -4459,7 +4539,7 @@
               <a:buChar char="■"/>
               <a:defRPr sz="1200"/>
             </a:lvl6pPr>
-            <a:lvl7pPr indent="-304800" lvl="6" marL="3200400" algn="l">
+            <a:lvl7pPr marL="3200400" lvl="6" indent="-304800" algn="l">
               <a:lnSpc>
                 <a:spcPct val="115000"/>
               </a:lnSpc>
@@ -4473,7 +4553,7 @@
               <a:buChar char="●"/>
               <a:defRPr sz="1200"/>
             </a:lvl7pPr>
-            <a:lvl8pPr indent="-304800" lvl="7" marL="3657600" algn="l">
+            <a:lvl8pPr marL="3657600" lvl="7" indent="-304800" algn="l">
               <a:lnSpc>
                 <a:spcPct val="115000"/>
               </a:lnSpc>
@@ -4487,7 +4567,7 @@
               <a:buChar char="○"/>
               <a:defRPr sz="1200"/>
             </a:lvl8pPr>
-            <a:lvl9pPr indent="-304800" lvl="8" marL="4114800" algn="l">
+            <a:lvl9pPr marL="4114800" lvl="8" indent="-304800" algn="l">
               <a:lnSpc>
                 <a:spcPct val="115000"/>
               </a:lnSpc>
@@ -4502,15 +4582,19 @@
               <a:defRPr sz="1200"/>
             </a:lvl9pPr>
           </a:lstStyle>
-          <a:p/>
+          <a:p>
+            <a:endParaRPr/>
+          </a:p>
         </p:txBody>
       </p:sp>
       <p:sp>
         <p:nvSpPr>
           <p:cNvPr id="23" name="Google Shape;23;p7"/>
-          <p:cNvSpPr txBox="1"/>
+          <p:cNvSpPr txBox="1">
+            <a:spLocks noGrp="1"/>
+          </p:cNvSpPr>
           <p:nvPr>
-            <p:ph idx="2" type="body"/>
+            <p:ph type="body" idx="2"/>
           </p:nvPr>
         </p:nvSpPr>
         <p:spPr>
@@ -4527,11 +4611,11 @@
           </a:ln>
         </p:spPr>
         <p:txBody>
-          <a:bodyPr anchorCtr="0" anchor="t" bIns="91425" lIns="91425" spcFirstLastPara="1" rIns="91425" wrap="square" tIns="91425">
+          <a:bodyPr spcFirstLastPara="1" wrap="square" lIns="91425" tIns="91425" rIns="91425" bIns="91425" anchor="t" anchorCtr="0">
             <a:noAutofit/>
           </a:bodyPr>
           <a:lstStyle>
-            <a:lvl1pPr indent="-317500" lvl="0" marL="457200" algn="l">
+            <a:lvl1pPr marL="457200" lvl="0" indent="-317500" algn="l">
               <a:lnSpc>
                 <a:spcPct val="115000"/>
               </a:lnSpc>
@@ -4545,7 +4629,7 @@
               <a:buChar char="●"/>
               <a:defRPr sz="1400"/>
             </a:lvl1pPr>
-            <a:lvl2pPr indent="-304800" lvl="1" marL="914400" algn="l">
+            <a:lvl2pPr marL="914400" lvl="1" indent="-304800" algn="l">
               <a:lnSpc>
                 <a:spcPct val="115000"/>
               </a:lnSpc>
@@ -4559,7 +4643,7 @@
               <a:buChar char="○"/>
               <a:defRPr sz="1200"/>
             </a:lvl2pPr>
-            <a:lvl3pPr indent="-304800" lvl="2" marL="1371600" algn="l">
+            <a:lvl3pPr marL="1371600" lvl="2" indent="-304800" algn="l">
               <a:lnSpc>
                 <a:spcPct val="115000"/>
               </a:lnSpc>
@@ -4573,7 +4657,7 @@
               <a:buChar char="■"/>
               <a:defRPr sz="1200"/>
             </a:lvl3pPr>
-            <a:lvl4pPr indent="-304800" lvl="3" marL="1828800" algn="l">
+            <a:lvl4pPr marL="1828800" lvl="3" indent="-304800" algn="l">
               <a:lnSpc>
                 <a:spcPct val="115000"/>
               </a:lnSpc>
@@ -4587,7 +4671,7 @@
               <a:buChar char="●"/>
               <a:defRPr sz="1200"/>
             </a:lvl4pPr>
-            <a:lvl5pPr indent="-304800" lvl="4" marL="2286000" algn="l">
+            <a:lvl5pPr marL="2286000" lvl="4" indent="-304800" algn="l">
               <a:lnSpc>
                 <a:spcPct val="115000"/>
               </a:lnSpc>
@@ -4601,7 +4685,7 @@
               <a:buChar char="○"/>
               <a:defRPr sz="1200"/>
             </a:lvl5pPr>
-            <a:lvl6pPr indent="-304800" lvl="5" marL="2743200" algn="l">
+            <a:lvl6pPr marL="2743200" lvl="5" indent="-304800" algn="l">
               <a:lnSpc>
                 <a:spcPct val="115000"/>
               </a:lnSpc>
@@ -4615,7 +4699,7 @@
               <a:buChar char="■"/>
               <a:defRPr sz="1200"/>
             </a:lvl6pPr>
-            <a:lvl7pPr indent="-304800" lvl="6" marL="3200400" algn="l">
+            <a:lvl7pPr marL="3200400" lvl="6" indent="-304800" algn="l">
               <a:lnSpc>
                 <a:spcPct val="115000"/>
               </a:lnSpc>
@@ -4629,7 +4713,7 @@
               <a:buChar char="●"/>
               <a:defRPr sz="1200"/>
             </a:lvl7pPr>
-            <a:lvl8pPr indent="-304800" lvl="7" marL="3657600" algn="l">
+            <a:lvl8pPr marL="3657600" lvl="7" indent="-304800" algn="l">
               <a:lnSpc>
                 <a:spcPct val="115000"/>
               </a:lnSpc>
@@ -4643,7 +4727,7 @@
               <a:buChar char="○"/>
               <a:defRPr sz="1200"/>
             </a:lvl8pPr>
-            <a:lvl9pPr indent="-304800" lvl="8" marL="4114800" algn="l">
+            <a:lvl9pPr marL="4114800" lvl="8" indent="-304800" algn="l">
               <a:lnSpc>
                 <a:spcPct val="115000"/>
               </a:lnSpc>
@@ -4658,15 +4742,19 @@
               <a:defRPr sz="1200"/>
             </a:lvl9pPr>
           </a:lstStyle>
-          <a:p/>
+          <a:p>
+            <a:endParaRPr/>
+          </a:p>
         </p:txBody>
       </p:sp>
       <p:sp>
         <p:nvSpPr>
           <p:cNvPr id="24" name="Google Shape;24;p7"/>
-          <p:cNvSpPr txBox="1"/>
+          <p:cNvSpPr txBox="1">
+            <a:spLocks noGrp="1"/>
+          </p:cNvSpPr>
           <p:nvPr>
-            <p:ph idx="12" type="sldNum"/>
+            <p:ph type="sldNum" idx="12"/>
           </p:nvPr>
         </p:nvSpPr>
         <p:spPr>
@@ -4683,27 +4771,27 @@
           </a:ln>
         </p:spPr>
         <p:txBody>
-          <a:bodyPr anchorCtr="0" anchor="ctr" bIns="91425" lIns="91425" spcFirstLastPara="1" rIns="91425" wrap="square" tIns="91425">
+          <a:bodyPr spcFirstLastPara="1" wrap="square" lIns="91425" tIns="91425" rIns="91425" bIns="91425" anchor="ctr" anchorCtr="0">
             <a:noAutofit/>
           </a:bodyPr>
           <a:lstStyle>
-            <a:lvl1pPr indent="0" lvl="0" marL="0" marR="0" algn="r">
-              <a:lnSpc>
-                <a:spcPct val="100000"/>
-              </a:lnSpc>
-              <a:spcBef>
-                <a:spcPts val="0"/>
-              </a:spcBef>
-              <a:spcAft>
-                <a:spcPts val="0"/>
-              </a:spcAft>
-              <a:buClr>
-                <a:srgbClr val="000000"/>
-              </a:buClr>
-              <a:buSzPts val="1000"/>
-              <a:buFont typeface="Arial"/>
-              <a:buNone/>
-              <a:defRPr b="0" i="0" sz="1000" u="none" cap="none" strike="noStrike">
+            <a:lvl1pPr marL="0" marR="0" lvl="0" indent="0" algn="r">
+              <a:lnSpc>
+                <a:spcPct val="100000"/>
+              </a:lnSpc>
+              <a:spcBef>
+                <a:spcPts val="0"/>
+              </a:spcBef>
+              <a:spcAft>
+                <a:spcPts val="0"/>
+              </a:spcAft>
+              <a:buClr>
+                <a:srgbClr val="000000"/>
+              </a:buClr>
+              <a:buSzPts val="1000"/>
+              <a:buFont typeface="Arial"/>
+              <a:buNone/>
+              <a:defRPr sz="1000" b="0" i="0" u="none" strike="noStrike" cap="none">
                 <a:solidFill>
                   <a:schemeClr val="dk2"/>
                 </a:solidFill>
@@ -4713,23 +4801,23 @@
                 <a:sym typeface="Arial"/>
               </a:defRPr>
             </a:lvl1pPr>
-            <a:lvl2pPr indent="0" lvl="1" marL="0" marR="0" algn="r">
-              <a:lnSpc>
-                <a:spcPct val="100000"/>
-              </a:lnSpc>
-              <a:spcBef>
-                <a:spcPts val="0"/>
-              </a:spcBef>
-              <a:spcAft>
-                <a:spcPts val="0"/>
-              </a:spcAft>
-              <a:buClr>
-                <a:srgbClr val="000000"/>
-              </a:buClr>
-              <a:buSzPts val="1000"/>
-              <a:buFont typeface="Arial"/>
-              <a:buNone/>
-              <a:defRPr b="0" i="0" sz="1000" u="none" cap="none" strike="noStrike">
+            <a:lvl2pPr marL="0" marR="0" lvl="1" indent="0" algn="r">
+              <a:lnSpc>
+                <a:spcPct val="100000"/>
+              </a:lnSpc>
+              <a:spcBef>
+                <a:spcPts val="0"/>
+              </a:spcBef>
+              <a:spcAft>
+                <a:spcPts val="0"/>
+              </a:spcAft>
+              <a:buClr>
+                <a:srgbClr val="000000"/>
+              </a:buClr>
+              <a:buSzPts val="1000"/>
+              <a:buFont typeface="Arial"/>
+              <a:buNone/>
+              <a:defRPr sz="1000" b="0" i="0" u="none" strike="noStrike" cap="none">
                 <a:solidFill>
                   <a:schemeClr val="dk2"/>
                 </a:solidFill>
@@ -4739,23 +4827,23 @@
                 <a:sym typeface="Arial"/>
               </a:defRPr>
             </a:lvl2pPr>
-            <a:lvl3pPr indent="0" lvl="2" marL="0" marR="0" algn="r">
-              <a:lnSpc>
-                <a:spcPct val="100000"/>
-              </a:lnSpc>
-              <a:spcBef>
-                <a:spcPts val="0"/>
-              </a:spcBef>
-              <a:spcAft>
-                <a:spcPts val="0"/>
-              </a:spcAft>
-              <a:buClr>
-                <a:srgbClr val="000000"/>
-              </a:buClr>
-              <a:buSzPts val="1000"/>
-              <a:buFont typeface="Arial"/>
-              <a:buNone/>
-              <a:defRPr b="0" i="0" sz="1000" u="none" cap="none" strike="noStrike">
+            <a:lvl3pPr marL="0" marR="0" lvl="2" indent="0" algn="r">
+              <a:lnSpc>
+                <a:spcPct val="100000"/>
+              </a:lnSpc>
+              <a:spcBef>
+                <a:spcPts val="0"/>
+              </a:spcBef>
+              <a:spcAft>
+                <a:spcPts val="0"/>
+              </a:spcAft>
+              <a:buClr>
+                <a:srgbClr val="000000"/>
+              </a:buClr>
+              <a:buSzPts val="1000"/>
+              <a:buFont typeface="Arial"/>
+              <a:buNone/>
+              <a:defRPr sz="1000" b="0" i="0" u="none" strike="noStrike" cap="none">
                 <a:solidFill>
                   <a:schemeClr val="dk2"/>
                 </a:solidFill>
@@ -4765,23 +4853,23 @@
                 <a:sym typeface="Arial"/>
               </a:defRPr>
             </a:lvl3pPr>
-            <a:lvl4pPr indent="0" lvl="3" marL="0" marR="0" algn="r">
-              <a:lnSpc>
-                <a:spcPct val="100000"/>
-              </a:lnSpc>
-              <a:spcBef>
-                <a:spcPts val="0"/>
-              </a:spcBef>
-              <a:spcAft>
-                <a:spcPts val="0"/>
-              </a:spcAft>
-              <a:buClr>
-                <a:srgbClr val="000000"/>
-              </a:buClr>
-              <a:buSzPts val="1000"/>
-              <a:buFont typeface="Arial"/>
-              <a:buNone/>
-              <a:defRPr b="0" i="0" sz="1000" u="none" cap="none" strike="noStrike">
+            <a:lvl4pPr marL="0" marR="0" lvl="3" indent="0" algn="r">
+              <a:lnSpc>
+                <a:spcPct val="100000"/>
+              </a:lnSpc>
+              <a:spcBef>
+                <a:spcPts val="0"/>
+              </a:spcBef>
+              <a:spcAft>
+                <a:spcPts val="0"/>
+              </a:spcAft>
+              <a:buClr>
+                <a:srgbClr val="000000"/>
+              </a:buClr>
+              <a:buSzPts val="1000"/>
+              <a:buFont typeface="Arial"/>
+              <a:buNone/>
+              <a:defRPr sz="1000" b="0" i="0" u="none" strike="noStrike" cap="none">
                 <a:solidFill>
                   <a:schemeClr val="dk2"/>
                 </a:solidFill>
@@ -4791,23 +4879,23 @@
                 <a:sym typeface="Arial"/>
               </a:defRPr>
             </a:lvl4pPr>
-            <a:lvl5pPr indent="0" lvl="4" marL="0" marR="0" algn="r">
-              <a:lnSpc>
-                <a:spcPct val="100000"/>
-              </a:lnSpc>
-              <a:spcBef>
-                <a:spcPts val="0"/>
-              </a:spcBef>
-              <a:spcAft>
-                <a:spcPts val="0"/>
-              </a:spcAft>
-              <a:buClr>
-                <a:srgbClr val="000000"/>
-              </a:buClr>
-              <a:buSzPts val="1000"/>
-              <a:buFont typeface="Arial"/>
-              <a:buNone/>
-              <a:defRPr b="0" i="0" sz="1000" u="none" cap="none" strike="noStrike">
+            <a:lvl5pPr marL="0" marR="0" lvl="4" indent="0" algn="r">
+              <a:lnSpc>
+                <a:spcPct val="100000"/>
+              </a:lnSpc>
+              <a:spcBef>
+                <a:spcPts val="0"/>
+              </a:spcBef>
+              <a:spcAft>
+                <a:spcPts val="0"/>
+              </a:spcAft>
+              <a:buClr>
+                <a:srgbClr val="000000"/>
+              </a:buClr>
+              <a:buSzPts val="1000"/>
+              <a:buFont typeface="Arial"/>
+              <a:buNone/>
+              <a:defRPr sz="1000" b="0" i="0" u="none" strike="noStrike" cap="none">
                 <a:solidFill>
                   <a:schemeClr val="dk2"/>
                 </a:solidFill>
@@ -4817,23 +4905,23 @@
                 <a:sym typeface="Arial"/>
               </a:defRPr>
             </a:lvl5pPr>
-            <a:lvl6pPr indent="0" lvl="5" marL="0" marR="0" algn="r">
-              <a:lnSpc>
-                <a:spcPct val="100000"/>
-              </a:lnSpc>
-              <a:spcBef>
-                <a:spcPts val="0"/>
-              </a:spcBef>
-              <a:spcAft>
-                <a:spcPts val="0"/>
-              </a:spcAft>
-              <a:buClr>
-                <a:srgbClr val="000000"/>
-              </a:buClr>
-              <a:buSzPts val="1000"/>
-              <a:buFont typeface="Arial"/>
-              <a:buNone/>
-              <a:defRPr b="0" i="0" sz="1000" u="none" cap="none" strike="noStrike">
+            <a:lvl6pPr marL="0" marR="0" lvl="5" indent="0" algn="r">
+              <a:lnSpc>
+                <a:spcPct val="100000"/>
+              </a:lnSpc>
+              <a:spcBef>
+                <a:spcPts val="0"/>
+              </a:spcBef>
+              <a:spcAft>
+                <a:spcPts val="0"/>
+              </a:spcAft>
+              <a:buClr>
+                <a:srgbClr val="000000"/>
+              </a:buClr>
+              <a:buSzPts val="1000"/>
+              <a:buFont typeface="Arial"/>
+              <a:buNone/>
+              <a:defRPr sz="1000" b="0" i="0" u="none" strike="noStrike" cap="none">
                 <a:solidFill>
                   <a:schemeClr val="dk2"/>
                 </a:solidFill>
@@ -4843,23 +4931,23 @@
                 <a:sym typeface="Arial"/>
               </a:defRPr>
             </a:lvl6pPr>
-            <a:lvl7pPr indent="0" lvl="6" marL="0" marR="0" algn="r">
-              <a:lnSpc>
-                <a:spcPct val="100000"/>
-              </a:lnSpc>
-              <a:spcBef>
-                <a:spcPts val="0"/>
-              </a:spcBef>
-              <a:spcAft>
-                <a:spcPts val="0"/>
-              </a:spcAft>
-              <a:buClr>
-                <a:srgbClr val="000000"/>
-              </a:buClr>
-              <a:buSzPts val="1000"/>
-              <a:buFont typeface="Arial"/>
-              <a:buNone/>
-              <a:defRPr b="0" i="0" sz="1000" u="none" cap="none" strike="noStrike">
+            <a:lvl7pPr marL="0" marR="0" lvl="6" indent="0" algn="r">
+              <a:lnSpc>
+                <a:spcPct val="100000"/>
+              </a:lnSpc>
+              <a:spcBef>
+                <a:spcPts val="0"/>
+              </a:spcBef>
+              <a:spcAft>
+                <a:spcPts val="0"/>
+              </a:spcAft>
+              <a:buClr>
+                <a:srgbClr val="000000"/>
+              </a:buClr>
+              <a:buSzPts val="1000"/>
+              <a:buFont typeface="Arial"/>
+              <a:buNone/>
+              <a:defRPr sz="1000" b="0" i="0" u="none" strike="noStrike" cap="none">
                 <a:solidFill>
                   <a:schemeClr val="dk2"/>
                 </a:solidFill>
@@ -4869,23 +4957,23 @@
                 <a:sym typeface="Arial"/>
               </a:defRPr>
             </a:lvl7pPr>
-            <a:lvl8pPr indent="0" lvl="7" marL="0" marR="0" algn="r">
-              <a:lnSpc>
-                <a:spcPct val="100000"/>
-              </a:lnSpc>
-              <a:spcBef>
-                <a:spcPts val="0"/>
-              </a:spcBef>
-              <a:spcAft>
-                <a:spcPts val="0"/>
-              </a:spcAft>
-              <a:buClr>
-                <a:srgbClr val="000000"/>
-              </a:buClr>
-              <a:buSzPts val="1000"/>
-              <a:buFont typeface="Arial"/>
-              <a:buNone/>
-              <a:defRPr b="0" i="0" sz="1000" u="none" cap="none" strike="noStrike">
+            <a:lvl8pPr marL="0" marR="0" lvl="7" indent="0" algn="r">
+              <a:lnSpc>
+                <a:spcPct val="100000"/>
+              </a:lnSpc>
+              <a:spcBef>
+                <a:spcPts val="0"/>
+              </a:spcBef>
+              <a:spcAft>
+                <a:spcPts val="0"/>
+              </a:spcAft>
+              <a:buClr>
+                <a:srgbClr val="000000"/>
+              </a:buClr>
+              <a:buSzPts val="1000"/>
+              <a:buFont typeface="Arial"/>
+              <a:buNone/>
+              <a:defRPr sz="1000" b="0" i="0" u="none" strike="noStrike" cap="none">
                 <a:solidFill>
                   <a:schemeClr val="dk2"/>
                 </a:solidFill>
@@ -4895,23 +4983,23 @@
                 <a:sym typeface="Arial"/>
               </a:defRPr>
             </a:lvl8pPr>
-            <a:lvl9pPr indent="0" lvl="8" marL="0" marR="0" algn="r">
-              <a:lnSpc>
-                <a:spcPct val="100000"/>
-              </a:lnSpc>
-              <a:spcBef>
-                <a:spcPts val="0"/>
-              </a:spcBef>
-              <a:spcAft>
-                <a:spcPts val="0"/>
-              </a:spcAft>
-              <a:buClr>
-                <a:srgbClr val="000000"/>
-              </a:buClr>
-              <a:buSzPts val="1000"/>
-              <a:buFont typeface="Arial"/>
-              <a:buNone/>
-              <a:defRPr b="0" i="0" sz="1000" u="none" cap="none" strike="noStrike">
+            <a:lvl9pPr marL="0" marR="0" lvl="8" indent="0" algn="r">
+              <a:lnSpc>
+                <a:spcPct val="100000"/>
+              </a:lnSpc>
+              <a:spcBef>
+                <a:spcPts val="0"/>
+              </a:spcBef>
+              <a:spcAft>
+                <a:spcPts val="0"/>
+              </a:spcAft>
+              <a:buClr>
+                <a:srgbClr val="000000"/>
+              </a:buClr>
+              <a:buSzPts val="1000"/>
+              <a:buFont typeface="Arial"/>
+              <a:buNone/>
+              <a:defRPr sz="1000" b="0" i="0" u="none" strike="noStrike" cap="none">
                 <a:solidFill>
                   <a:schemeClr val="dk2"/>
                 </a:solidFill>
@@ -4923,7 +5011,7 @@
             </a:lvl9pPr>
           </a:lstStyle>
           <a:p>
-            <a:pPr indent="0" lvl="0" marL="0" rtl="0" algn="r">
+            <a:pPr marL="0" lvl="0" indent="0" algn="r" rtl="0">
               <a:spcBef>
                 <a:spcPts val="0"/>
               </a:spcBef>
@@ -4949,11 +5037,11 @@
 </file>
 
 <file path=ppt/slideLayouts/slideLayout5.xml><?xml version="1.0" encoding="utf-8"?>
-<p:sldLayout xmlns:a="http://schemas.openxmlformats.org/drawingml/2006/main" xmlns:r="http://schemas.openxmlformats.org/officeDocument/2006/relationships" xmlns:mc="http://schemas.openxmlformats.org/markup-compatibility/2006" xmlns:mv="urn:schemas-microsoft-com:mac:vml" xmlns:p="http://schemas.openxmlformats.org/presentationml/2006/main" xmlns:c="http://schemas.openxmlformats.org/drawingml/2006/chart" xmlns:dgm="http://schemas.openxmlformats.org/drawingml/2006/diagram" xmlns:o="urn:schemas-microsoft-com:office:office" xmlns:v="urn:schemas-microsoft-com:vml" xmlns:pvml="urn:schemas-microsoft-com:office:powerpoint" xmlns:com="http://schemas.openxmlformats.org/drawingml/2006/compatibility" xmlns:p14="http://schemas.microsoft.com/office/powerpoint/2010/main" xmlns:p15="http://schemas.microsoft.com/office/powerpoint/2012/main" xmlns:ahyp="http://schemas.microsoft.com/office/drawing/2018/hyperlinkcolor" matchingName="Title only" type="titleOnly">
+<p:sldLayout xmlns:a="http://schemas.openxmlformats.org/drawingml/2006/main" xmlns:r="http://schemas.openxmlformats.org/officeDocument/2006/relationships" xmlns:p="http://schemas.openxmlformats.org/presentationml/2006/main" matchingName="Title only" type="titleOnly">
   <p:cSld name="TITLE_ONLY">
     <p:spTree>
       <p:nvGrpSpPr>
-        <p:cNvPr id="25" name="Shape 25"/>
+        <p:cNvPr id="1" name="Shape 25"/>
         <p:cNvGrpSpPr/>
         <p:nvPr/>
       </p:nvGrpSpPr>
@@ -4968,7 +5056,9 @@
       <p:sp>
         <p:nvSpPr>
           <p:cNvPr id="26" name="Google Shape;26;p8"/>
-          <p:cNvSpPr txBox="1"/>
+          <p:cNvSpPr txBox="1">
+            <a:spLocks noGrp="1"/>
+          </p:cNvSpPr>
           <p:nvPr>
             <p:ph type="title"/>
           </p:nvPr>
@@ -4987,7 +5077,7 @@
           </a:ln>
         </p:spPr>
         <p:txBody>
-          <a:bodyPr anchorCtr="0" anchor="t" bIns="91425" lIns="91425" spcFirstLastPara="1" rIns="91425" wrap="square" tIns="91425">
+          <a:bodyPr spcFirstLastPara="1" wrap="square" lIns="91425" tIns="91425" rIns="91425" bIns="91425" anchor="t" anchorCtr="0">
             <a:noAutofit/>
           </a:bodyPr>
           <a:lstStyle>
@@ -5118,15 +5208,19 @@
               <a:defRPr/>
             </a:lvl9pPr>
           </a:lstStyle>
-          <a:p/>
+          <a:p>
+            <a:endParaRPr/>
+          </a:p>
         </p:txBody>
       </p:sp>
       <p:sp>
         <p:nvSpPr>
           <p:cNvPr id="27" name="Google Shape;27;p8"/>
-          <p:cNvSpPr txBox="1"/>
+          <p:cNvSpPr txBox="1">
+            <a:spLocks noGrp="1"/>
+          </p:cNvSpPr>
           <p:nvPr>
-            <p:ph idx="12" type="sldNum"/>
+            <p:ph type="sldNum" idx="12"/>
           </p:nvPr>
         </p:nvSpPr>
         <p:spPr>
@@ -5143,27 +5237,27 @@
           </a:ln>
         </p:spPr>
         <p:txBody>
-          <a:bodyPr anchorCtr="0" anchor="ctr" bIns="91425" lIns="91425" spcFirstLastPara="1" rIns="91425" wrap="square" tIns="91425">
+          <a:bodyPr spcFirstLastPara="1" wrap="square" lIns="91425" tIns="91425" rIns="91425" bIns="91425" anchor="ctr" anchorCtr="0">
             <a:noAutofit/>
           </a:bodyPr>
           <a:lstStyle>
-            <a:lvl1pPr indent="0" lvl="0" marL="0" marR="0" algn="r">
-              <a:lnSpc>
-                <a:spcPct val="100000"/>
-              </a:lnSpc>
-              <a:spcBef>
-                <a:spcPts val="0"/>
-              </a:spcBef>
-              <a:spcAft>
-                <a:spcPts val="0"/>
-              </a:spcAft>
-              <a:buClr>
-                <a:srgbClr val="000000"/>
-              </a:buClr>
-              <a:buSzPts val="1000"/>
-              <a:buFont typeface="Arial"/>
-              <a:buNone/>
-              <a:defRPr b="0" i="0" sz="1000" u="none" cap="none" strike="noStrike">
+            <a:lvl1pPr marL="0" marR="0" lvl="0" indent="0" algn="r">
+              <a:lnSpc>
+                <a:spcPct val="100000"/>
+              </a:lnSpc>
+              <a:spcBef>
+                <a:spcPts val="0"/>
+              </a:spcBef>
+              <a:spcAft>
+                <a:spcPts val="0"/>
+              </a:spcAft>
+              <a:buClr>
+                <a:srgbClr val="000000"/>
+              </a:buClr>
+              <a:buSzPts val="1000"/>
+              <a:buFont typeface="Arial"/>
+              <a:buNone/>
+              <a:defRPr sz="1000" b="0" i="0" u="none" strike="noStrike" cap="none">
                 <a:solidFill>
                   <a:schemeClr val="dk2"/>
                 </a:solidFill>
@@ -5173,23 +5267,23 @@
                 <a:sym typeface="Arial"/>
               </a:defRPr>
             </a:lvl1pPr>
-            <a:lvl2pPr indent="0" lvl="1" marL="0" marR="0" algn="r">
-              <a:lnSpc>
-                <a:spcPct val="100000"/>
-              </a:lnSpc>
-              <a:spcBef>
-                <a:spcPts val="0"/>
-              </a:spcBef>
-              <a:spcAft>
-                <a:spcPts val="0"/>
-              </a:spcAft>
-              <a:buClr>
-                <a:srgbClr val="000000"/>
-              </a:buClr>
-              <a:buSzPts val="1000"/>
-              <a:buFont typeface="Arial"/>
-              <a:buNone/>
-              <a:defRPr b="0" i="0" sz="1000" u="none" cap="none" strike="noStrike">
+            <a:lvl2pPr marL="0" marR="0" lvl="1" indent="0" algn="r">
+              <a:lnSpc>
+                <a:spcPct val="100000"/>
+              </a:lnSpc>
+              <a:spcBef>
+                <a:spcPts val="0"/>
+              </a:spcBef>
+              <a:spcAft>
+                <a:spcPts val="0"/>
+              </a:spcAft>
+              <a:buClr>
+                <a:srgbClr val="000000"/>
+              </a:buClr>
+              <a:buSzPts val="1000"/>
+              <a:buFont typeface="Arial"/>
+              <a:buNone/>
+              <a:defRPr sz="1000" b="0" i="0" u="none" strike="noStrike" cap="none">
                 <a:solidFill>
                   <a:schemeClr val="dk2"/>
                 </a:solidFill>
@@ -5199,23 +5293,23 @@
                 <a:sym typeface="Arial"/>
               </a:defRPr>
             </a:lvl2pPr>
-            <a:lvl3pPr indent="0" lvl="2" marL="0" marR="0" algn="r">
-              <a:lnSpc>
-                <a:spcPct val="100000"/>
-              </a:lnSpc>
-              <a:spcBef>
-                <a:spcPts val="0"/>
-              </a:spcBef>
-              <a:spcAft>
-                <a:spcPts val="0"/>
-              </a:spcAft>
-              <a:buClr>
-                <a:srgbClr val="000000"/>
-              </a:buClr>
-              <a:buSzPts val="1000"/>
-              <a:buFont typeface="Arial"/>
-              <a:buNone/>
-              <a:defRPr b="0" i="0" sz="1000" u="none" cap="none" strike="noStrike">
+            <a:lvl3pPr marL="0" marR="0" lvl="2" indent="0" algn="r">
+              <a:lnSpc>
+                <a:spcPct val="100000"/>
+              </a:lnSpc>
+              <a:spcBef>
+                <a:spcPts val="0"/>
+              </a:spcBef>
+              <a:spcAft>
+                <a:spcPts val="0"/>
+              </a:spcAft>
+              <a:buClr>
+                <a:srgbClr val="000000"/>
+              </a:buClr>
+              <a:buSzPts val="1000"/>
+              <a:buFont typeface="Arial"/>
+              <a:buNone/>
+              <a:defRPr sz="1000" b="0" i="0" u="none" strike="noStrike" cap="none">
                 <a:solidFill>
                   <a:schemeClr val="dk2"/>
                 </a:solidFill>
@@ -5225,23 +5319,23 @@
                 <a:sym typeface="Arial"/>
               </a:defRPr>
             </a:lvl3pPr>
-            <a:lvl4pPr indent="0" lvl="3" marL="0" marR="0" algn="r">
-              <a:lnSpc>
-                <a:spcPct val="100000"/>
-              </a:lnSpc>
-              <a:spcBef>
-                <a:spcPts val="0"/>
-              </a:spcBef>
-              <a:spcAft>
-                <a:spcPts val="0"/>
-              </a:spcAft>
-              <a:buClr>
-                <a:srgbClr val="000000"/>
-              </a:buClr>
-              <a:buSzPts val="1000"/>
-              <a:buFont typeface="Arial"/>
-              <a:buNone/>
-              <a:defRPr b="0" i="0" sz="1000" u="none" cap="none" strike="noStrike">
+            <a:lvl4pPr marL="0" marR="0" lvl="3" indent="0" algn="r">
+              <a:lnSpc>
+                <a:spcPct val="100000"/>
+              </a:lnSpc>
+              <a:spcBef>
+                <a:spcPts val="0"/>
+              </a:spcBef>
+              <a:spcAft>
+                <a:spcPts val="0"/>
+              </a:spcAft>
+              <a:buClr>
+                <a:srgbClr val="000000"/>
+              </a:buClr>
+              <a:buSzPts val="1000"/>
+              <a:buFont typeface="Arial"/>
+              <a:buNone/>
+              <a:defRPr sz="1000" b="0" i="0" u="none" strike="noStrike" cap="none">
                 <a:solidFill>
                   <a:schemeClr val="dk2"/>
                 </a:solidFill>
@@ -5251,23 +5345,23 @@
                 <a:sym typeface="Arial"/>
               </a:defRPr>
             </a:lvl4pPr>
-            <a:lvl5pPr indent="0" lvl="4" marL="0" marR="0" algn="r">
-              <a:lnSpc>
-                <a:spcPct val="100000"/>
-              </a:lnSpc>
-              <a:spcBef>
-                <a:spcPts val="0"/>
-              </a:spcBef>
-              <a:spcAft>
-                <a:spcPts val="0"/>
-              </a:spcAft>
-              <a:buClr>
-                <a:srgbClr val="000000"/>
-              </a:buClr>
-              <a:buSzPts val="1000"/>
-              <a:buFont typeface="Arial"/>
-              <a:buNone/>
-              <a:defRPr b="0" i="0" sz="1000" u="none" cap="none" strike="noStrike">
+            <a:lvl5pPr marL="0" marR="0" lvl="4" indent="0" algn="r">
+              <a:lnSpc>
+                <a:spcPct val="100000"/>
+              </a:lnSpc>
+              <a:spcBef>
+                <a:spcPts val="0"/>
+              </a:spcBef>
+              <a:spcAft>
+                <a:spcPts val="0"/>
+              </a:spcAft>
+              <a:buClr>
+                <a:srgbClr val="000000"/>
+              </a:buClr>
+              <a:buSzPts val="1000"/>
+              <a:buFont typeface="Arial"/>
+              <a:buNone/>
+              <a:defRPr sz="1000" b="0" i="0" u="none" strike="noStrike" cap="none">
                 <a:solidFill>
                   <a:schemeClr val="dk2"/>
                 </a:solidFill>
@@ -5277,23 +5371,23 @@
                 <a:sym typeface="Arial"/>
               </a:defRPr>
             </a:lvl5pPr>
-            <a:lvl6pPr indent="0" lvl="5" marL="0" marR="0" algn="r">
-              <a:lnSpc>
-                <a:spcPct val="100000"/>
-              </a:lnSpc>
-              <a:spcBef>
-                <a:spcPts val="0"/>
-              </a:spcBef>
-              <a:spcAft>
-                <a:spcPts val="0"/>
-              </a:spcAft>
-              <a:buClr>
-                <a:srgbClr val="000000"/>
-              </a:buClr>
-              <a:buSzPts val="1000"/>
-              <a:buFont typeface="Arial"/>
-              <a:buNone/>
-              <a:defRPr b="0" i="0" sz="1000" u="none" cap="none" strike="noStrike">
+            <a:lvl6pPr marL="0" marR="0" lvl="5" indent="0" algn="r">
+              <a:lnSpc>
+                <a:spcPct val="100000"/>
+              </a:lnSpc>
+              <a:spcBef>
+                <a:spcPts val="0"/>
+              </a:spcBef>
+              <a:spcAft>
+                <a:spcPts val="0"/>
+              </a:spcAft>
+              <a:buClr>
+                <a:srgbClr val="000000"/>
+              </a:buClr>
+              <a:buSzPts val="1000"/>
+              <a:buFont typeface="Arial"/>
+              <a:buNone/>
+              <a:defRPr sz="1000" b="0" i="0" u="none" strike="noStrike" cap="none">
                 <a:solidFill>
                   <a:schemeClr val="dk2"/>
                 </a:solidFill>
@@ -5303,23 +5397,23 @@
                 <a:sym typeface="Arial"/>
               </a:defRPr>
             </a:lvl6pPr>
-            <a:lvl7pPr indent="0" lvl="6" marL="0" marR="0" algn="r">
-              <a:lnSpc>
-                <a:spcPct val="100000"/>
-              </a:lnSpc>
-              <a:spcBef>
-                <a:spcPts val="0"/>
-              </a:spcBef>
-              <a:spcAft>
-                <a:spcPts val="0"/>
-              </a:spcAft>
-              <a:buClr>
-                <a:srgbClr val="000000"/>
-              </a:buClr>
-              <a:buSzPts val="1000"/>
-              <a:buFont typeface="Arial"/>
-              <a:buNone/>
-              <a:defRPr b="0" i="0" sz="1000" u="none" cap="none" strike="noStrike">
+            <a:lvl7pPr marL="0" marR="0" lvl="6" indent="0" algn="r">
+              <a:lnSpc>
+                <a:spcPct val="100000"/>
+              </a:lnSpc>
+              <a:spcBef>
+                <a:spcPts val="0"/>
+              </a:spcBef>
+              <a:spcAft>
+                <a:spcPts val="0"/>
+              </a:spcAft>
+              <a:buClr>
+                <a:srgbClr val="000000"/>
+              </a:buClr>
+              <a:buSzPts val="1000"/>
+              <a:buFont typeface="Arial"/>
+              <a:buNone/>
+              <a:defRPr sz="1000" b="0" i="0" u="none" strike="noStrike" cap="none">
                 <a:solidFill>
                   <a:schemeClr val="dk2"/>
                 </a:solidFill>
@@ -5329,23 +5423,23 @@
                 <a:sym typeface="Arial"/>
               </a:defRPr>
             </a:lvl7pPr>
-            <a:lvl8pPr indent="0" lvl="7" marL="0" marR="0" algn="r">
-              <a:lnSpc>
-                <a:spcPct val="100000"/>
-              </a:lnSpc>
-              <a:spcBef>
-                <a:spcPts val="0"/>
-              </a:spcBef>
-              <a:spcAft>
-                <a:spcPts val="0"/>
-              </a:spcAft>
-              <a:buClr>
-                <a:srgbClr val="000000"/>
-              </a:buClr>
-              <a:buSzPts val="1000"/>
-              <a:buFont typeface="Arial"/>
-              <a:buNone/>
-              <a:defRPr b="0" i="0" sz="1000" u="none" cap="none" strike="noStrike">
+            <a:lvl8pPr marL="0" marR="0" lvl="7" indent="0" algn="r">
+              <a:lnSpc>
+                <a:spcPct val="100000"/>
+              </a:lnSpc>
+              <a:spcBef>
+                <a:spcPts val="0"/>
+              </a:spcBef>
+              <a:spcAft>
+                <a:spcPts val="0"/>
+              </a:spcAft>
+              <a:buClr>
+                <a:srgbClr val="000000"/>
+              </a:buClr>
+              <a:buSzPts val="1000"/>
+              <a:buFont typeface="Arial"/>
+              <a:buNone/>
+              <a:defRPr sz="1000" b="0" i="0" u="none" strike="noStrike" cap="none">
                 <a:solidFill>
                   <a:schemeClr val="dk2"/>
                 </a:solidFill>
@@ -5355,23 +5449,23 @@
                 <a:sym typeface="Arial"/>
               </a:defRPr>
             </a:lvl8pPr>
-            <a:lvl9pPr indent="0" lvl="8" marL="0" marR="0" algn="r">
-              <a:lnSpc>
-                <a:spcPct val="100000"/>
-              </a:lnSpc>
-              <a:spcBef>
-                <a:spcPts val="0"/>
-              </a:spcBef>
-              <a:spcAft>
-                <a:spcPts val="0"/>
-              </a:spcAft>
-              <a:buClr>
-                <a:srgbClr val="000000"/>
-              </a:buClr>
-              <a:buSzPts val="1000"/>
-              <a:buFont typeface="Arial"/>
-              <a:buNone/>
-              <a:defRPr b="0" i="0" sz="1000" u="none" cap="none" strike="noStrike">
+            <a:lvl9pPr marL="0" marR="0" lvl="8" indent="0" algn="r">
+              <a:lnSpc>
+                <a:spcPct val="100000"/>
+              </a:lnSpc>
+              <a:spcBef>
+                <a:spcPts val="0"/>
+              </a:spcBef>
+              <a:spcAft>
+                <a:spcPts val="0"/>
+              </a:spcAft>
+              <a:buClr>
+                <a:srgbClr val="000000"/>
+              </a:buClr>
+              <a:buSzPts val="1000"/>
+              <a:buFont typeface="Arial"/>
+              <a:buNone/>
+              <a:defRPr sz="1000" b="0" i="0" u="none" strike="noStrike" cap="none">
                 <a:solidFill>
                   <a:schemeClr val="dk2"/>
                 </a:solidFill>
@@ -5383,7 +5477,7 @@
             </a:lvl9pPr>
           </a:lstStyle>
           <a:p>
-            <a:pPr indent="0" lvl="0" marL="0" rtl="0" algn="r">
+            <a:pPr marL="0" lvl="0" indent="0" algn="r" rtl="0">
               <a:spcBef>
                 <a:spcPts val="0"/>
               </a:spcBef>
@@ -5409,11 +5503,11 @@
 </file>
 
 <file path=ppt/slideLayouts/slideLayout6.xml><?xml version="1.0" encoding="utf-8"?>
-<p:sldLayout xmlns:a="http://schemas.openxmlformats.org/drawingml/2006/main" xmlns:r="http://schemas.openxmlformats.org/officeDocument/2006/relationships" xmlns:mc="http://schemas.openxmlformats.org/markup-compatibility/2006" xmlns:mv="urn:schemas-microsoft-com:mac:vml" xmlns:p="http://schemas.openxmlformats.org/presentationml/2006/main" xmlns:c="http://schemas.openxmlformats.org/drawingml/2006/chart" xmlns:dgm="http://schemas.openxmlformats.org/drawingml/2006/diagram" xmlns:o="urn:schemas-microsoft-com:office:office" xmlns:v="urn:schemas-microsoft-com:vml" xmlns:pvml="urn:schemas-microsoft-com:office:powerpoint" xmlns:com="http://schemas.openxmlformats.org/drawingml/2006/compatibility" xmlns:p14="http://schemas.microsoft.com/office/powerpoint/2010/main" xmlns:p15="http://schemas.microsoft.com/office/powerpoint/2012/main" xmlns:ahyp="http://schemas.microsoft.com/office/drawing/2018/hyperlinkcolor" matchingName="One column text">
+<p:sldLayout xmlns:a="http://schemas.openxmlformats.org/drawingml/2006/main" xmlns:r="http://schemas.openxmlformats.org/officeDocument/2006/relationships" xmlns:p="http://schemas.openxmlformats.org/presentationml/2006/main" matchingName="One column text">
   <p:cSld name="ONE_COLUMN_TEXT">
     <p:spTree>
       <p:nvGrpSpPr>
-        <p:cNvPr id="28" name="Shape 28"/>
+        <p:cNvPr id="1" name="Shape 28"/>
         <p:cNvGrpSpPr/>
         <p:nvPr/>
       </p:nvGrpSpPr>
@@ -5428,7 +5522,9 @@
       <p:sp>
         <p:nvSpPr>
           <p:cNvPr id="29" name="Google Shape;29;p9"/>
-          <p:cNvSpPr txBox="1"/>
+          <p:cNvSpPr txBox="1">
+            <a:spLocks noGrp="1"/>
+          </p:cNvSpPr>
           <p:nvPr>
             <p:ph type="title"/>
           </p:nvPr>
@@ -5447,7 +5543,7 @@
           </a:ln>
         </p:spPr>
         <p:txBody>
-          <a:bodyPr anchorCtr="0" anchor="b" bIns="91425" lIns="91425" spcFirstLastPara="1" rIns="91425" wrap="square" tIns="91425">
+          <a:bodyPr spcFirstLastPara="1" wrap="square" lIns="91425" tIns="91425" rIns="91425" bIns="91425" anchor="b" anchorCtr="0">
             <a:noAutofit/>
           </a:bodyPr>
           <a:lstStyle>
@@ -5578,15 +5674,19 @@
               <a:defRPr sz="2400"/>
             </a:lvl9pPr>
           </a:lstStyle>
-          <a:p/>
+          <a:p>
+            <a:endParaRPr/>
+          </a:p>
         </p:txBody>
       </p:sp>
       <p:sp>
         <p:nvSpPr>
           <p:cNvPr id="30" name="Google Shape;30;p9"/>
-          <p:cNvSpPr txBox="1"/>
+          <p:cNvSpPr txBox="1">
+            <a:spLocks noGrp="1"/>
+          </p:cNvSpPr>
           <p:nvPr>
-            <p:ph idx="1" type="body"/>
+            <p:ph type="body" idx="1"/>
           </p:nvPr>
         </p:nvSpPr>
         <p:spPr>
@@ -5603,11 +5703,11 @@
           </a:ln>
         </p:spPr>
         <p:txBody>
-          <a:bodyPr anchorCtr="0" anchor="t" bIns="91425" lIns="91425" spcFirstLastPara="1" rIns="91425" wrap="square" tIns="91425">
+          <a:bodyPr spcFirstLastPara="1" wrap="square" lIns="91425" tIns="91425" rIns="91425" bIns="91425" anchor="t" anchorCtr="0">
             <a:noAutofit/>
           </a:bodyPr>
           <a:lstStyle>
-            <a:lvl1pPr indent="-304800" lvl="0" marL="457200" algn="l">
+            <a:lvl1pPr marL="457200" lvl="0" indent="-304800" algn="l">
               <a:lnSpc>
                 <a:spcPct val="115000"/>
               </a:lnSpc>
@@ -5621,7 +5721,7 @@
               <a:buChar char="●"/>
               <a:defRPr sz="1200"/>
             </a:lvl1pPr>
-            <a:lvl2pPr indent="-304800" lvl="1" marL="914400" algn="l">
+            <a:lvl2pPr marL="914400" lvl="1" indent="-304800" algn="l">
               <a:lnSpc>
                 <a:spcPct val="115000"/>
               </a:lnSpc>
@@ -5635,7 +5735,7 @@
               <a:buChar char="○"/>
               <a:defRPr sz="1200"/>
             </a:lvl2pPr>
-            <a:lvl3pPr indent="-304800" lvl="2" marL="1371600" algn="l">
+            <a:lvl3pPr marL="1371600" lvl="2" indent="-304800" algn="l">
               <a:lnSpc>
                 <a:spcPct val="115000"/>
               </a:lnSpc>
@@ -5649,7 +5749,7 @@
               <a:buChar char="■"/>
               <a:defRPr sz="1200"/>
             </a:lvl3pPr>
-            <a:lvl4pPr indent="-304800" lvl="3" marL="1828800" algn="l">
+            <a:lvl4pPr marL="1828800" lvl="3" indent="-304800" algn="l">
               <a:lnSpc>
                 <a:spcPct val="115000"/>
               </a:lnSpc>
@@ -5663,7 +5763,7 @@
               <a:buChar char="●"/>
               <a:defRPr sz="1200"/>
             </a:lvl4pPr>
-            <a:lvl5pPr indent="-304800" lvl="4" marL="2286000" algn="l">
+            <a:lvl5pPr marL="2286000" lvl="4" indent="-304800" algn="l">
               <a:lnSpc>
                 <a:spcPct val="115000"/>
               </a:lnSpc>
@@ -5677,7 +5777,7 @@
               <a:buChar char="○"/>
               <a:defRPr sz="1200"/>
             </a:lvl5pPr>
-            <a:lvl6pPr indent="-304800" lvl="5" marL="2743200" algn="l">
+            <a:lvl6pPr marL="2743200" lvl="5" indent="-304800" algn="l">
               <a:lnSpc>
                 <a:spcPct val="115000"/>
               </a:lnSpc>
@@ -5691,7 +5791,7 @@
               <a:buChar char="■"/>
               <a:defRPr sz="1200"/>
             </a:lvl6pPr>
-            <a:lvl7pPr indent="-304800" lvl="6" marL="3200400" algn="l">
+            <a:lvl7pPr marL="3200400" lvl="6" indent="-304800" algn="l">
               <a:lnSpc>
                 <a:spcPct val="115000"/>
               </a:lnSpc>
@@ -5705,7 +5805,7 @@
               <a:buChar char="●"/>
               <a:defRPr sz="1200"/>
             </a:lvl7pPr>
-            <a:lvl8pPr indent="-304800" lvl="7" marL="3657600" algn="l">
+            <a:lvl8pPr marL="3657600" lvl="7" indent="-304800" algn="l">
               <a:lnSpc>
                 <a:spcPct val="115000"/>
               </a:lnSpc>
@@ -5719,7 +5819,7 @@
               <a:buChar char="○"/>
               <a:defRPr sz="1200"/>
             </a:lvl8pPr>
-            <a:lvl9pPr indent="-304800" lvl="8" marL="4114800" algn="l">
+            <a:lvl9pPr marL="4114800" lvl="8" indent="-304800" algn="l">
               <a:lnSpc>
                 <a:spcPct val="115000"/>
               </a:lnSpc>
@@ -5734,15 +5834,19 @@
               <a:defRPr sz="1200"/>
             </a:lvl9pPr>
           </a:lstStyle>
-          <a:p/>
+          <a:p>
+            <a:endParaRPr/>
+          </a:p>
         </p:txBody>
       </p:sp>
       <p:sp>
         <p:nvSpPr>
           <p:cNvPr id="31" name="Google Shape;31;p9"/>
-          <p:cNvSpPr txBox="1"/>
+          <p:cNvSpPr txBox="1">
+            <a:spLocks noGrp="1"/>
+          </p:cNvSpPr>
           <p:nvPr>
-            <p:ph idx="12" type="sldNum"/>
+            <p:ph type="sldNum" idx="12"/>
           </p:nvPr>
         </p:nvSpPr>
         <p:spPr>
@@ -5759,27 +5863,27 @@
           </a:ln>
         </p:spPr>
         <p:txBody>
-          <a:bodyPr anchorCtr="0" anchor="ctr" bIns="91425" lIns="91425" spcFirstLastPara="1" rIns="91425" wrap="square" tIns="91425">
+          <a:bodyPr spcFirstLastPara="1" wrap="square" lIns="91425" tIns="91425" rIns="91425" bIns="91425" anchor="ctr" anchorCtr="0">
             <a:noAutofit/>
           </a:bodyPr>
           <a:lstStyle>
-            <a:lvl1pPr indent="0" lvl="0" marL="0" marR="0" algn="r">
-              <a:lnSpc>
-                <a:spcPct val="100000"/>
-              </a:lnSpc>
-              <a:spcBef>
-                <a:spcPts val="0"/>
-              </a:spcBef>
-              <a:spcAft>
-                <a:spcPts val="0"/>
-              </a:spcAft>
-              <a:buClr>
-                <a:srgbClr val="000000"/>
-              </a:buClr>
-              <a:buSzPts val="1000"/>
-              <a:buFont typeface="Arial"/>
-              <a:buNone/>
-              <a:defRPr b="0" i="0" sz="1000" u="none" cap="none" strike="noStrike">
+            <a:lvl1pPr marL="0" marR="0" lvl="0" indent="0" algn="r">
+              <a:lnSpc>
+                <a:spcPct val="100000"/>
+              </a:lnSpc>
+              <a:spcBef>
+                <a:spcPts val="0"/>
+              </a:spcBef>
+              <a:spcAft>
+                <a:spcPts val="0"/>
+              </a:spcAft>
+              <a:buClr>
+                <a:srgbClr val="000000"/>
+              </a:buClr>
+              <a:buSzPts val="1000"/>
+              <a:buFont typeface="Arial"/>
+              <a:buNone/>
+              <a:defRPr sz="1000" b="0" i="0" u="none" strike="noStrike" cap="none">
                 <a:solidFill>
                   <a:schemeClr val="dk2"/>
                 </a:solidFill>
@@ -5789,23 +5893,23 @@
                 <a:sym typeface="Arial"/>
               </a:defRPr>
             </a:lvl1pPr>
-            <a:lvl2pPr indent="0" lvl="1" marL="0" marR="0" algn="r">
-              <a:lnSpc>
-                <a:spcPct val="100000"/>
-              </a:lnSpc>
-              <a:spcBef>
-                <a:spcPts val="0"/>
-              </a:spcBef>
-              <a:spcAft>
-                <a:spcPts val="0"/>
-              </a:spcAft>
-              <a:buClr>
-                <a:srgbClr val="000000"/>
-              </a:buClr>
-              <a:buSzPts val="1000"/>
-              <a:buFont typeface="Arial"/>
-              <a:buNone/>
-              <a:defRPr b="0" i="0" sz="1000" u="none" cap="none" strike="noStrike">
+            <a:lvl2pPr marL="0" marR="0" lvl="1" indent="0" algn="r">
+              <a:lnSpc>
+                <a:spcPct val="100000"/>
+              </a:lnSpc>
+              <a:spcBef>
+                <a:spcPts val="0"/>
+              </a:spcBef>
+              <a:spcAft>
+                <a:spcPts val="0"/>
+              </a:spcAft>
+              <a:buClr>
+                <a:srgbClr val="000000"/>
+              </a:buClr>
+              <a:buSzPts val="1000"/>
+              <a:buFont typeface="Arial"/>
+              <a:buNone/>
+              <a:defRPr sz="1000" b="0" i="0" u="none" strike="noStrike" cap="none">
                 <a:solidFill>
                   <a:schemeClr val="dk2"/>
                 </a:solidFill>
@@ -5815,23 +5919,23 @@
                 <a:sym typeface="Arial"/>
               </a:defRPr>
             </a:lvl2pPr>
-            <a:lvl3pPr indent="0" lvl="2" marL="0" marR="0" algn="r">
-              <a:lnSpc>
-                <a:spcPct val="100000"/>
-              </a:lnSpc>
-              <a:spcBef>
-                <a:spcPts val="0"/>
-              </a:spcBef>
-              <a:spcAft>
-                <a:spcPts val="0"/>
-              </a:spcAft>
-              <a:buClr>
-                <a:srgbClr val="000000"/>
-              </a:buClr>
-              <a:buSzPts val="1000"/>
-              <a:buFont typeface="Arial"/>
-              <a:buNone/>
-              <a:defRPr b="0" i="0" sz="1000" u="none" cap="none" strike="noStrike">
+            <a:lvl3pPr marL="0" marR="0" lvl="2" indent="0" algn="r">
+              <a:lnSpc>
+                <a:spcPct val="100000"/>
+              </a:lnSpc>
+              <a:spcBef>
+                <a:spcPts val="0"/>
+              </a:spcBef>
+              <a:spcAft>
+                <a:spcPts val="0"/>
+              </a:spcAft>
+              <a:buClr>
+                <a:srgbClr val="000000"/>
+              </a:buClr>
+              <a:buSzPts val="1000"/>
+              <a:buFont typeface="Arial"/>
+              <a:buNone/>
+              <a:defRPr sz="1000" b="0" i="0" u="none" strike="noStrike" cap="none">
                 <a:solidFill>
                   <a:schemeClr val="dk2"/>
                 </a:solidFill>
@@ -5841,23 +5945,23 @@
                 <a:sym typeface="Arial"/>
               </a:defRPr>
             </a:lvl3pPr>
-            <a:lvl4pPr indent="0" lvl="3" marL="0" marR="0" algn="r">
-              <a:lnSpc>
-                <a:spcPct val="100000"/>
-              </a:lnSpc>
-              <a:spcBef>
-                <a:spcPts val="0"/>
-              </a:spcBef>
-              <a:spcAft>
-                <a:spcPts val="0"/>
-              </a:spcAft>
-              <a:buClr>
-                <a:srgbClr val="000000"/>
-              </a:buClr>
-              <a:buSzPts val="1000"/>
-              <a:buFont typeface="Arial"/>
-              <a:buNone/>
-              <a:defRPr b="0" i="0" sz="1000" u="none" cap="none" strike="noStrike">
+            <a:lvl4pPr marL="0" marR="0" lvl="3" indent="0" algn="r">
+              <a:lnSpc>
+                <a:spcPct val="100000"/>
+              </a:lnSpc>
+              <a:spcBef>
+                <a:spcPts val="0"/>
+              </a:spcBef>
+              <a:spcAft>
+                <a:spcPts val="0"/>
+              </a:spcAft>
+              <a:buClr>
+                <a:srgbClr val="000000"/>
+              </a:buClr>
+              <a:buSzPts val="1000"/>
+              <a:buFont typeface="Arial"/>
+              <a:buNone/>
+              <a:defRPr sz="1000" b="0" i="0" u="none" strike="noStrike" cap="none">
                 <a:solidFill>
                   <a:schemeClr val="dk2"/>
                 </a:solidFill>
@@ -5867,23 +5971,23 @@
                 <a:sym typeface="Arial"/>
               </a:defRPr>
             </a:lvl4pPr>
-            <a:lvl5pPr indent="0" lvl="4" marL="0" marR="0" algn="r">
-              <a:lnSpc>
-                <a:spcPct val="100000"/>
-              </a:lnSpc>
-              <a:spcBef>
-                <a:spcPts val="0"/>
-              </a:spcBef>
-              <a:spcAft>
-                <a:spcPts val="0"/>
-              </a:spcAft>
-              <a:buClr>
-                <a:srgbClr val="000000"/>
-              </a:buClr>
-              <a:buSzPts val="1000"/>
-              <a:buFont typeface="Arial"/>
-              <a:buNone/>
-              <a:defRPr b="0" i="0" sz="1000" u="none" cap="none" strike="noStrike">
+            <a:lvl5pPr marL="0" marR="0" lvl="4" indent="0" algn="r">
+              <a:lnSpc>
+                <a:spcPct val="100000"/>
+              </a:lnSpc>
+              <a:spcBef>
+                <a:spcPts val="0"/>
+              </a:spcBef>
+              <a:spcAft>
+                <a:spcPts val="0"/>
+              </a:spcAft>
+              <a:buClr>
+                <a:srgbClr val="000000"/>
+              </a:buClr>
+              <a:buSzPts val="1000"/>
+              <a:buFont typeface="Arial"/>
+              <a:buNone/>
+              <a:defRPr sz="1000" b="0" i="0" u="none" strike="noStrike" cap="none">
                 <a:solidFill>
                   <a:schemeClr val="dk2"/>
                 </a:solidFill>
@@ -5893,23 +5997,23 @@
                 <a:sym typeface="Arial"/>
               </a:defRPr>
             </a:lvl5pPr>
-            <a:lvl6pPr indent="0" lvl="5" marL="0" marR="0" algn="r">
-              <a:lnSpc>
-                <a:spcPct val="100000"/>
-              </a:lnSpc>
-              <a:spcBef>
-                <a:spcPts val="0"/>
-              </a:spcBef>
-              <a:spcAft>
-                <a:spcPts val="0"/>
-              </a:spcAft>
-              <a:buClr>
-                <a:srgbClr val="000000"/>
-              </a:buClr>
-              <a:buSzPts val="1000"/>
-              <a:buFont typeface="Arial"/>
-              <a:buNone/>
-              <a:defRPr b="0" i="0" sz="1000" u="none" cap="none" strike="noStrike">
+            <a:lvl6pPr marL="0" marR="0" lvl="5" indent="0" algn="r">
+              <a:lnSpc>
+                <a:spcPct val="100000"/>
+              </a:lnSpc>
+              <a:spcBef>
+                <a:spcPts val="0"/>
+              </a:spcBef>
+              <a:spcAft>
+                <a:spcPts val="0"/>
+              </a:spcAft>
+              <a:buClr>
+                <a:srgbClr val="000000"/>
+              </a:buClr>
+              <a:buSzPts val="1000"/>
+              <a:buFont typeface="Arial"/>
+              <a:buNone/>
+              <a:defRPr sz="1000" b="0" i="0" u="none" strike="noStrike" cap="none">
                 <a:solidFill>
                   <a:schemeClr val="dk2"/>
                 </a:solidFill>
@@ -5919,23 +6023,23 @@
                 <a:sym typeface="Arial"/>
               </a:defRPr>
             </a:lvl6pPr>
-            <a:lvl7pPr indent="0" lvl="6" marL="0" marR="0" algn="r">
-              <a:lnSpc>
-                <a:spcPct val="100000"/>
-              </a:lnSpc>
-              <a:spcBef>
-                <a:spcPts val="0"/>
-              </a:spcBef>
-              <a:spcAft>
-                <a:spcPts val="0"/>
-              </a:spcAft>
-              <a:buClr>
-                <a:srgbClr val="000000"/>
-              </a:buClr>
-              <a:buSzPts val="1000"/>
-              <a:buFont typeface="Arial"/>
-              <a:buNone/>
-              <a:defRPr b="0" i="0" sz="1000" u="none" cap="none" strike="noStrike">
+            <a:lvl7pPr marL="0" marR="0" lvl="6" indent="0" algn="r">
+              <a:lnSpc>
+                <a:spcPct val="100000"/>
+              </a:lnSpc>
+              <a:spcBef>
+                <a:spcPts val="0"/>
+              </a:spcBef>
+              <a:spcAft>
+                <a:spcPts val="0"/>
+              </a:spcAft>
+              <a:buClr>
+                <a:srgbClr val="000000"/>
+              </a:buClr>
+              <a:buSzPts val="1000"/>
+              <a:buFont typeface="Arial"/>
+              <a:buNone/>
+              <a:defRPr sz="1000" b="0" i="0" u="none" strike="noStrike" cap="none">
                 <a:solidFill>
                   <a:schemeClr val="dk2"/>
                 </a:solidFill>
@@ -5945,23 +6049,23 @@
                 <a:sym typeface="Arial"/>
               </a:defRPr>
             </a:lvl7pPr>
-            <a:lvl8pPr indent="0" lvl="7" marL="0" marR="0" algn="r">
-              <a:lnSpc>
-                <a:spcPct val="100000"/>
-              </a:lnSpc>
-              <a:spcBef>
-                <a:spcPts val="0"/>
-              </a:spcBef>
-              <a:spcAft>
-                <a:spcPts val="0"/>
-              </a:spcAft>
-              <a:buClr>
-                <a:srgbClr val="000000"/>
-              </a:buClr>
-              <a:buSzPts val="1000"/>
-              <a:buFont typeface="Arial"/>
-              <a:buNone/>
-              <a:defRPr b="0" i="0" sz="1000" u="none" cap="none" strike="noStrike">
+            <a:lvl8pPr marL="0" marR="0" lvl="7" indent="0" algn="r">
+              <a:lnSpc>
+                <a:spcPct val="100000"/>
+              </a:lnSpc>
+              <a:spcBef>
+                <a:spcPts val="0"/>
+              </a:spcBef>
+              <a:spcAft>
+                <a:spcPts val="0"/>
+              </a:spcAft>
+              <a:buClr>
+                <a:srgbClr val="000000"/>
+              </a:buClr>
+              <a:buSzPts val="1000"/>
+              <a:buFont typeface="Arial"/>
+              <a:buNone/>
+              <a:defRPr sz="1000" b="0" i="0" u="none" strike="noStrike" cap="none">
                 <a:solidFill>
                   <a:schemeClr val="dk2"/>
                 </a:solidFill>
@@ -5971,23 +6075,23 @@
                 <a:sym typeface="Arial"/>
               </a:defRPr>
             </a:lvl8pPr>
-            <a:lvl9pPr indent="0" lvl="8" marL="0" marR="0" algn="r">
-              <a:lnSpc>
-                <a:spcPct val="100000"/>
-              </a:lnSpc>
-              <a:spcBef>
-                <a:spcPts val="0"/>
-              </a:spcBef>
-              <a:spcAft>
-                <a:spcPts val="0"/>
-              </a:spcAft>
-              <a:buClr>
-                <a:srgbClr val="000000"/>
-              </a:buClr>
-              <a:buSzPts val="1000"/>
-              <a:buFont typeface="Arial"/>
-              <a:buNone/>
-              <a:defRPr b="0" i="0" sz="1000" u="none" cap="none" strike="noStrike">
+            <a:lvl9pPr marL="0" marR="0" lvl="8" indent="0" algn="r">
+              <a:lnSpc>
+                <a:spcPct val="100000"/>
+              </a:lnSpc>
+              <a:spcBef>
+                <a:spcPts val="0"/>
+              </a:spcBef>
+              <a:spcAft>
+                <a:spcPts val="0"/>
+              </a:spcAft>
+              <a:buClr>
+                <a:srgbClr val="000000"/>
+              </a:buClr>
+              <a:buSzPts val="1000"/>
+              <a:buFont typeface="Arial"/>
+              <a:buNone/>
+              <a:defRPr sz="1000" b="0" i="0" u="none" strike="noStrike" cap="none">
                 <a:solidFill>
                   <a:schemeClr val="dk2"/>
                 </a:solidFill>
@@ -5999,7 +6103,7 @@
             </a:lvl9pPr>
           </a:lstStyle>
           <a:p>
-            <a:pPr indent="0" lvl="0" marL="0" rtl="0" algn="r">
+            <a:pPr marL="0" lvl="0" indent="0" algn="r" rtl="0">
               <a:spcBef>
                 <a:spcPts val="0"/>
               </a:spcBef>
@@ -6025,11 +6129,11 @@
 </file>
 
 <file path=ppt/slideLayouts/slideLayout7.xml><?xml version="1.0" encoding="utf-8"?>
-<p:sldLayout xmlns:a="http://schemas.openxmlformats.org/drawingml/2006/main" xmlns:r="http://schemas.openxmlformats.org/officeDocument/2006/relationships" xmlns:mc="http://schemas.openxmlformats.org/markup-compatibility/2006" xmlns:mv="urn:schemas-microsoft-com:mac:vml" xmlns:p="http://schemas.openxmlformats.org/presentationml/2006/main" xmlns:c="http://schemas.openxmlformats.org/drawingml/2006/chart" xmlns:dgm="http://schemas.openxmlformats.org/drawingml/2006/diagram" xmlns:o="urn:schemas-microsoft-com:office:office" xmlns:v="urn:schemas-microsoft-com:vml" xmlns:pvml="urn:schemas-microsoft-com:office:powerpoint" xmlns:com="http://schemas.openxmlformats.org/drawingml/2006/compatibility" xmlns:p14="http://schemas.microsoft.com/office/powerpoint/2010/main" xmlns:p15="http://schemas.microsoft.com/office/powerpoint/2012/main" xmlns:ahyp="http://schemas.microsoft.com/office/drawing/2018/hyperlinkcolor" matchingName="Main point">
+<p:sldLayout xmlns:a="http://schemas.openxmlformats.org/drawingml/2006/main" xmlns:r="http://schemas.openxmlformats.org/officeDocument/2006/relationships" xmlns:p="http://schemas.openxmlformats.org/presentationml/2006/main" matchingName="Main point">
   <p:cSld name="MAIN_POINT">
     <p:spTree>
       <p:nvGrpSpPr>
-        <p:cNvPr id="32" name="Shape 32"/>
+        <p:cNvPr id="1" name="Shape 32"/>
         <p:cNvGrpSpPr/>
         <p:nvPr/>
       </p:nvGrpSpPr>
@@ -6044,7 +6148,9 @@
       <p:sp>
         <p:nvSpPr>
           <p:cNvPr id="33" name="Google Shape;33;p10"/>
-          <p:cNvSpPr txBox="1"/>
+          <p:cNvSpPr txBox="1">
+            <a:spLocks noGrp="1"/>
+          </p:cNvSpPr>
           <p:nvPr>
             <p:ph type="title"/>
           </p:nvPr>
@@ -6063,7 +6169,7 @@
           </a:ln>
         </p:spPr>
         <p:txBody>
-          <a:bodyPr anchorCtr="0" anchor="ctr" bIns="91425" lIns="91425" spcFirstLastPara="1" rIns="91425" wrap="square" tIns="91425">
+          <a:bodyPr spcFirstLastPara="1" wrap="square" lIns="91425" tIns="91425" rIns="91425" bIns="91425" anchor="ctr" anchorCtr="0">
             <a:noAutofit/>
           </a:bodyPr>
           <a:lstStyle>
@@ -6194,15 +6300,19 @@
               <a:defRPr sz="4800"/>
             </a:lvl9pPr>
           </a:lstStyle>
-          <a:p/>
+          <a:p>
+            <a:endParaRPr/>
+          </a:p>
         </p:txBody>
       </p:sp>
       <p:sp>
         <p:nvSpPr>
           <p:cNvPr id="34" name="Google Shape;34;p10"/>
-          <p:cNvSpPr txBox="1"/>
+          <p:cNvSpPr txBox="1">
+            <a:spLocks noGrp="1"/>
+          </p:cNvSpPr>
           <p:nvPr>
-            <p:ph idx="12" type="sldNum"/>
+            <p:ph type="sldNum" idx="12"/>
           </p:nvPr>
         </p:nvSpPr>
         <p:spPr>
@@ -6219,27 +6329,27 @@
           </a:ln>
         </p:spPr>
         <p:txBody>
-          <a:bodyPr anchorCtr="0" anchor="ctr" bIns="91425" lIns="91425" spcFirstLastPara="1" rIns="91425" wrap="square" tIns="91425">
+          <a:bodyPr spcFirstLastPara="1" wrap="square" lIns="91425" tIns="91425" rIns="91425" bIns="91425" anchor="ctr" anchorCtr="0">
             <a:noAutofit/>
           </a:bodyPr>
           <a:lstStyle>
-            <a:lvl1pPr indent="0" lvl="0" marL="0" marR="0" algn="r">
-              <a:lnSpc>
-                <a:spcPct val="100000"/>
-              </a:lnSpc>
-              <a:spcBef>
-                <a:spcPts val="0"/>
-              </a:spcBef>
-              <a:spcAft>
-                <a:spcPts val="0"/>
-              </a:spcAft>
-              <a:buClr>
-                <a:srgbClr val="000000"/>
-              </a:buClr>
-              <a:buSzPts val="1000"/>
-              <a:buFont typeface="Arial"/>
-              <a:buNone/>
-              <a:defRPr b="0" i="0" sz="1000" u="none" cap="none" strike="noStrike">
+            <a:lvl1pPr marL="0" marR="0" lvl="0" indent="0" algn="r">
+              <a:lnSpc>
+                <a:spcPct val="100000"/>
+              </a:lnSpc>
+              <a:spcBef>
+                <a:spcPts val="0"/>
+              </a:spcBef>
+              <a:spcAft>
+                <a:spcPts val="0"/>
+              </a:spcAft>
+              <a:buClr>
+                <a:srgbClr val="000000"/>
+              </a:buClr>
+              <a:buSzPts val="1000"/>
+              <a:buFont typeface="Arial"/>
+              <a:buNone/>
+              <a:defRPr sz="1000" b="0" i="0" u="none" strike="noStrike" cap="none">
                 <a:solidFill>
                   <a:schemeClr val="dk2"/>
                 </a:solidFill>
@@ -6249,23 +6359,23 @@
                 <a:sym typeface="Arial"/>
               </a:defRPr>
             </a:lvl1pPr>
-            <a:lvl2pPr indent="0" lvl="1" marL="0" marR="0" algn="r">
-              <a:lnSpc>
-                <a:spcPct val="100000"/>
-              </a:lnSpc>
-              <a:spcBef>
-                <a:spcPts val="0"/>
-              </a:spcBef>
-              <a:spcAft>
-                <a:spcPts val="0"/>
-              </a:spcAft>
-              <a:buClr>
-                <a:srgbClr val="000000"/>
-              </a:buClr>
-              <a:buSzPts val="1000"/>
-              <a:buFont typeface="Arial"/>
-              <a:buNone/>
-              <a:defRPr b="0" i="0" sz="1000" u="none" cap="none" strike="noStrike">
+            <a:lvl2pPr marL="0" marR="0" lvl="1" indent="0" algn="r">
+              <a:lnSpc>
+                <a:spcPct val="100000"/>
+              </a:lnSpc>
+              <a:spcBef>
+                <a:spcPts val="0"/>
+              </a:spcBef>
+              <a:spcAft>
+                <a:spcPts val="0"/>
+              </a:spcAft>
+              <a:buClr>
+                <a:srgbClr val="000000"/>
+              </a:buClr>
+              <a:buSzPts val="1000"/>
+              <a:buFont typeface="Arial"/>
+              <a:buNone/>
+              <a:defRPr sz="1000" b="0" i="0" u="none" strike="noStrike" cap="none">
                 <a:solidFill>
                   <a:schemeClr val="dk2"/>
                 </a:solidFill>
@@ -6275,23 +6385,23 @@
                 <a:sym typeface="Arial"/>
               </a:defRPr>
             </a:lvl2pPr>
-            <a:lvl3pPr indent="0" lvl="2" marL="0" marR="0" algn="r">
-              <a:lnSpc>
-                <a:spcPct val="100000"/>
-              </a:lnSpc>
-              <a:spcBef>
-                <a:spcPts val="0"/>
-              </a:spcBef>
-              <a:spcAft>
-                <a:spcPts val="0"/>
-              </a:spcAft>
-              <a:buClr>
-                <a:srgbClr val="000000"/>
-              </a:buClr>
-              <a:buSzPts val="1000"/>
-              <a:buFont typeface="Arial"/>
-              <a:buNone/>
-              <a:defRPr b="0" i="0" sz="1000" u="none" cap="none" strike="noStrike">
+            <a:lvl3pPr marL="0" marR="0" lvl="2" indent="0" algn="r">
+              <a:lnSpc>
+                <a:spcPct val="100000"/>
+              </a:lnSpc>
+              <a:spcBef>
+                <a:spcPts val="0"/>
+              </a:spcBef>
+              <a:spcAft>
+                <a:spcPts val="0"/>
+              </a:spcAft>
+              <a:buClr>
+                <a:srgbClr val="000000"/>
+              </a:buClr>
+              <a:buSzPts val="1000"/>
+              <a:buFont typeface="Arial"/>
+              <a:buNone/>
+              <a:defRPr sz="1000" b="0" i="0" u="none" strike="noStrike" cap="none">
                 <a:solidFill>
                   <a:schemeClr val="dk2"/>
                 </a:solidFill>
@@ -6301,23 +6411,23 @@
                 <a:sym typeface="Arial"/>
               </a:defRPr>
             </a:lvl3pPr>
-            <a:lvl4pPr indent="0" lvl="3" marL="0" marR="0" algn="r">
-              <a:lnSpc>
-                <a:spcPct val="100000"/>
-              </a:lnSpc>
-              <a:spcBef>
-                <a:spcPts val="0"/>
-              </a:spcBef>
-              <a:spcAft>
-                <a:spcPts val="0"/>
-              </a:spcAft>
-              <a:buClr>
-                <a:srgbClr val="000000"/>
-              </a:buClr>
-              <a:buSzPts val="1000"/>
-              <a:buFont typeface="Arial"/>
-              <a:buNone/>
-              <a:defRPr b="0" i="0" sz="1000" u="none" cap="none" strike="noStrike">
+            <a:lvl4pPr marL="0" marR="0" lvl="3" indent="0" algn="r">
+              <a:lnSpc>
+                <a:spcPct val="100000"/>
+              </a:lnSpc>
+              <a:spcBef>
+                <a:spcPts val="0"/>
+              </a:spcBef>
+              <a:spcAft>
+                <a:spcPts val="0"/>
+              </a:spcAft>
+              <a:buClr>
+                <a:srgbClr val="000000"/>
+              </a:buClr>
+              <a:buSzPts val="1000"/>
+              <a:buFont typeface="Arial"/>
+              <a:buNone/>
+              <a:defRPr sz="1000" b="0" i="0" u="none" strike="noStrike" cap="none">
                 <a:solidFill>
                   <a:schemeClr val="dk2"/>
                 </a:solidFill>
@@ -6327,23 +6437,23 @@
                 <a:sym typeface="Arial"/>
               </a:defRPr>
             </a:lvl4pPr>
-            <a:lvl5pPr indent="0" lvl="4" marL="0" marR="0" algn="r">
-              <a:lnSpc>
-                <a:spcPct val="100000"/>
-              </a:lnSpc>
-              <a:spcBef>
-                <a:spcPts val="0"/>
-              </a:spcBef>
-              <a:spcAft>
-                <a:spcPts val="0"/>
-              </a:spcAft>
-              <a:buClr>
-                <a:srgbClr val="000000"/>
-              </a:buClr>
-              <a:buSzPts val="1000"/>
-              <a:buFont typeface="Arial"/>
-              <a:buNone/>
-              <a:defRPr b="0" i="0" sz="1000" u="none" cap="none" strike="noStrike">
+            <a:lvl5pPr marL="0" marR="0" lvl="4" indent="0" algn="r">
+              <a:lnSpc>
+                <a:spcPct val="100000"/>
+              </a:lnSpc>
+              <a:spcBef>
+                <a:spcPts val="0"/>
+              </a:spcBef>
+              <a:spcAft>
+                <a:spcPts val="0"/>
+              </a:spcAft>
+              <a:buClr>
+                <a:srgbClr val="000000"/>
+              </a:buClr>
+              <a:buSzPts val="1000"/>
+              <a:buFont typeface="Arial"/>
+              <a:buNone/>
+              <a:defRPr sz="1000" b="0" i="0" u="none" strike="noStrike" cap="none">
                 <a:solidFill>
                   <a:schemeClr val="dk2"/>
                 </a:solidFill>
@@ -6353,23 +6463,23 @@
                 <a:sym typeface="Arial"/>
               </a:defRPr>
             </a:lvl5pPr>
-            <a:lvl6pPr indent="0" lvl="5" marL="0" marR="0" algn="r">
-              <a:lnSpc>
-                <a:spcPct val="100000"/>
-              </a:lnSpc>
-              <a:spcBef>
-                <a:spcPts val="0"/>
-              </a:spcBef>
-              <a:spcAft>
-                <a:spcPts val="0"/>
-              </a:spcAft>
-              <a:buClr>
-                <a:srgbClr val="000000"/>
-              </a:buClr>
-              <a:buSzPts val="1000"/>
-              <a:buFont typeface="Arial"/>
-              <a:buNone/>
-              <a:defRPr b="0" i="0" sz="1000" u="none" cap="none" strike="noStrike">
+            <a:lvl6pPr marL="0" marR="0" lvl="5" indent="0" algn="r">
+              <a:lnSpc>
+                <a:spcPct val="100000"/>
+              </a:lnSpc>
+              <a:spcBef>
+                <a:spcPts val="0"/>
+              </a:spcBef>
+              <a:spcAft>
+                <a:spcPts val="0"/>
+              </a:spcAft>
+              <a:buClr>
+                <a:srgbClr val="000000"/>
+              </a:buClr>
+              <a:buSzPts val="1000"/>
+              <a:buFont typeface="Arial"/>
+              <a:buNone/>
+              <a:defRPr sz="1000" b="0" i="0" u="none" strike="noStrike" cap="none">
                 <a:solidFill>
                   <a:schemeClr val="dk2"/>
                 </a:solidFill>
@@ -6379,23 +6489,23 @@
                 <a:sym typeface="Arial"/>
               </a:defRPr>
             </a:lvl6pPr>
-            <a:lvl7pPr indent="0" lvl="6" marL="0" marR="0" algn="r">
-              <a:lnSpc>
-                <a:spcPct val="100000"/>
-              </a:lnSpc>
-              <a:spcBef>
-                <a:spcPts val="0"/>
-              </a:spcBef>
-              <a:spcAft>
-                <a:spcPts val="0"/>
-              </a:spcAft>
-              <a:buClr>
-                <a:srgbClr val="000000"/>
-              </a:buClr>
-              <a:buSzPts val="1000"/>
-              <a:buFont typeface="Arial"/>
-              <a:buNone/>
-              <a:defRPr b="0" i="0" sz="1000" u="none" cap="none" strike="noStrike">
+            <a:lvl7pPr marL="0" marR="0" lvl="6" indent="0" algn="r">
+              <a:lnSpc>
+                <a:spcPct val="100000"/>
+              </a:lnSpc>
+              <a:spcBef>
+                <a:spcPts val="0"/>
+              </a:spcBef>
+              <a:spcAft>
+                <a:spcPts val="0"/>
+              </a:spcAft>
+              <a:buClr>
+                <a:srgbClr val="000000"/>
+              </a:buClr>
+              <a:buSzPts val="1000"/>
+              <a:buFont typeface="Arial"/>
+              <a:buNone/>
+              <a:defRPr sz="1000" b="0" i="0" u="none" strike="noStrike" cap="none">
                 <a:solidFill>
                   <a:schemeClr val="dk2"/>
                 </a:solidFill>
@@ -6405,23 +6515,23 @@
                 <a:sym typeface="Arial"/>
               </a:defRPr>
             </a:lvl7pPr>
-            <a:lvl8pPr indent="0" lvl="7" marL="0" marR="0" algn="r">
-              <a:lnSpc>
-                <a:spcPct val="100000"/>
-              </a:lnSpc>
-              <a:spcBef>
-                <a:spcPts val="0"/>
-              </a:spcBef>
-              <a:spcAft>
-                <a:spcPts val="0"/>
-              </a:spcAft>
-              <a:buClr>
-                <a:srgbClr val="000000"/>
-              </a:buClr>
-              <a:buSzPts val="1000"/>
-              <a:buFont typeface="Arial"/>
-              <a:buNone/>
-              <a:defRPr b="0" i="0" sz="1000" u="none" cap="none" strike="noStrike">
+            <a:lvl8pPr marL="0" marR="0" lvl="7" indent="0" algn="r">
+              <a:lnSpc>
+                <a:spcPct val="100000"/>
+              </a:lnSpc>
+              <a:spcBef>
+                <a:spcPts val="0"/>
+              </a:spcBef>
+              <a:spcAft>
+                <a:spcPts val="0"/>
+              </a:spcAft>
+              <a:buClr>
+                <a:srgbClr val="000000"/>
+              </a:buClr>
+              <a:buSzPts val="1000"/>
+              <a:buFont typeface="Arial"/>
+              <a:buNone/>
+              <a:defRPr sz="1000" b="0" i="0" u="none" strike="noStrike" cap="none">
                 <a:solidFill>
                   <a:schemeClr val="dk2"/>
                 </a:solidFill>
@@ -6431,23 +6541,23 @@
                 <a:sym typeface="Arial"/>
               </a:defRPr>
             </a:lvl8pPr>
-            <a:lvl9pPr indent="0" lvl="8" marL="0" marR="0" algn="r">
-              <a:lnSpc>
-                <a:spcPct val="100000"/>
-              </a:lnSpc>
-              <a:spcBef>
-                <a:spcPts val="0"/>
-              </a:spcBef>
-              <a:spcAft>
-                <a:spcPts val="0"/>
-              </a:spcAft>
-              <a:buClr>
-                <a:srgbClr val="000000"/>
-              </a:buClr>
-              <a:buSzPts val="1000"/>
-              <a:buFont typeface="Arial"/>
-              <a:buNone/>
-              <a:defRPr b="0" i="0" sz="1000" u="none" cap="none" strike="noStrike">
+            <a:lvl9pPr marL="0" marR="0" lvl="8" indent="0" algn="r">
+              <a:lnSpc>
+                <a:spcPct val="100000"/>
+              </a:lnSpc>
+              <a:spcBef>
+                <a:spcPts val="0"/>
+              </a:spcBef>
+              <a:spcAft>
+                <a:spcPts val="0"/>
+              </a:spcAft>
+              <a:buClr>
+                <a:srgbClr val="000000"/>
+              </a:buClr>
+              <a:buSzPts val="1000"/>
+              <a:buFont typeface="Arial"/>
+              <a:buNone/>
+              <a:defRPr sz="1000" b="0" i="0" u="none" strike="noStrike" cap="none">
                 <a:solidFill>
                   <a:schemeClr val="dk2"/>
                 </a:solidFill>
@@ -6459,7 +6569,7 @@
             </a:lvl9pPr>
           </a:lstStyle>
           <a:p>
-            <a:pPr indent="0" lvl="0" marL="0" rtl="0" algn="r">
+            <a:pPr marL="0" lvl="0" indent="0" algn="r" rtl="0">
               <a:spcBef>
                 <a:spcPts val="0"/>
               </a:spcBef>
@@ -6485,11 +6595,11 @@
 </file>
 
 <file path=ppt/slideLayouts/slideLayout8.xml><?xml version="1.0" encoding="utf-8"?>
-<p:sldLayout xmlns:a="http://schemas.openxmlformats.org/drawingml/2006/main" xmlns:r="http://schemas.openxmlformats.org/officeDocument/2006/relationships" xmlns:mc="http://schemas.openxmlformats.org/markup-compatibility/2006" xmlns:mv="urn:schemas-microsoft-com:mac:vml" xmlns:p="http://schemas.openxmlformats.org/presentationml/2006/main" xmlns:c="http://schemas.openxmlformats.org/drawingml/2006/chart" xmlns:dgm="http://schemas.openxmlformats.org/drawingml/2006/diagram" xmlns:o="urn:schemas-microsoft-com:office:office" xmlns:v="urn:schemas-microsoft-com:vml" xmlns:pvml="urn:schemas-microsoft-com:office:powerpoint" xmlns:com="http://schemas.openxmlformats.org/drawingml/2006/compatibility" xmlns:p14="http://schemas.microsoft.com/office/powerpoint/2010/main" xmlns:p15="http://schemas.microsoft.com/office/powerpoint/2012/main" xmlns:ahyp="http://schemas.microsoft.com/office/drawing/2018/hyperlinkcolor" matchingName="Section title and description">
+<p:sldLayout xmlns:a="http://schemas.openxmlformats.org/drawingml/2006/main" xmlns:r="http://schemas.openxmlformats.org/officeDocument/2006/relationships" xmlns:p="http://schemas.openxmlformats.org/presentationml/2006/main" matchingName="Section title and description">
   <p:cSld name="SECTION_TITLE_AND_DESCRIPTION">
     <p:spTree>
       <p:nvGrpSpPr>
-        <p:cNvPr id="35" name="Shape 35"/>
+        <p:cNvPr id="1" name="Shape 35"/>
         <p:cNvGrpSpPr/>
         <p:nvPr/>
       </p:nvGrpSpPr>
@@ -6523,12 +6633,12 @@
           </a:ln>
         </p:spPr>
         <p:txBody>
-          <a:bodyPr anchorCtr="0" anchor="ctr" bIns="91425" lIns="91425" spcFirstLastPara="1" rIns="91425" wrap="square" tIns="91425">
+          <a:bodyPr spcFirstLastPara="1" wrap="square" lIns="91425" tIns="91425" rIns="91425" bIns="91425" anchor="ctr" anchorCtr="0">
             <a:noAutofit/>
           </a:bodyPr>
           <a:lstStyle/>
           <a:p>
-            <a:pPr indent="0" lvl="0" marL="0" marR="0" rtl="0" algn="l">
+            <a:pPr marL="0" marR="0" lvl="0" indent="0" algn="l" rtl="0">
               <a:lnSpc>
                 <a:spcPct val="100000"/>
               </a:lnSpc>
@@ -6545,10 +6655,7 @@
               <a:buFont typeface="Arial"/>
               <a:buNone/>
             </a:pPr>
-            <a:r>
-              <a:t/>
-            </a:r>
-            <a:endParaRPr b="0" i="0" sz="1400" u="none" cap="none" strike="noStrike">
+            <a:endParaRPr sz="1400" b="0" i="0" u="none" strike="noStrike" cap="none">
               <a:solidFill>
                 <a:srgbClr val="000000"/>
               </a:solidFill>
@@ -6563,7 +6670,9 @@
       <p:sp>
         <p:nvSpPr>
           <p:cNvPr id="37" name="Google Shape;37;p11"/>
-          <p:cNvSpPr txBox="1"/>
+          <p:cNvSpPr txBox="1">
+            <a:spLocks noGrp="1"/>
+          </p:cNvSpPr>
           <p:nvPr>
             <p:ph type="title"/>
           </p:nvPr>
@@ -6582,7 +6691,7 @@
           </a:ln>
         </p:spPr>
         <p:txBody>
-          <a:bodyPr anchorCtr="0" anchor="b" bIns="91425" lIns="91425" spcFirstLastPara="1" rIns="91425" wrap="square" tIns="91425">
+          <a:bodyPr spcFirstLastPara="1" wrap="square" lIns="91425" tIns="91425" rIns="91425" bIns="91425" anchor="b" anchorCtr="0">
             <a:noAutofit/>
           </a:bodyPr>
           <a:lstStyle>
@@ -6713,15 +6822,19 @@
               <a:defRPr sz="4200"/>
             </a:lvl9pPr>
           </a:lstStyle>
-          <a:p/>
+          <a:p>
+            <a:endParaRPr/>
+          </a:p>
         </p:txBody>
       </p:sp>
       <p:sp>
         <p:nvSpPr>
           <p:cNvPr id="38" name="Google Shape;38;p11"/>
-          <p:cNvSpPr txBox="1"/>
+          <p:cNvSpPr txBox="1">
+            <a:spLocks noGrp="1"/>
+          </p:cNvSpPr>
           <p:nvPr>
-            <p:ph idx="1" type="subTitle"/>
+            <p:ph type="subTitle" idx="1"/>
           </p:nvPr>
         </p:nvSpPr>
         <p:spPr>
@@ -6738,7 +6851,7 @@
           </a:ln>
         </p:spPr>
         <p:txBody>
-          <a:bodyPr anchorCtr="0" anchor="t" bIns="91425" lIns="91425" spcFirstLastPara="1" rIns="91425" wrap="square" tIns="91425">
+          <a:bodyPr spcFirstLastPara="1" wrap="square" lIns="91425" tIns="91425" rIns="91425" bIns="91425" anchor="t" anchorCtr="0">
             <a:noAutofit/>
           </a:bodyPr>
           <a:lstStyle>
@@ -6869,15 +6982,19 @@
               <a:defRPr sz="2100"/>
             </a:lvl9pPr>
           </a:lstStyle>
-          <a:p/>
+          <a:p>
+            <a:endParaRPr/>
+          </a:p>
         </p:txBody>
       </p:sp>
       <p:sp>
         <p:nvSpPr>
           <p:cNvPr id="39" name="Google Shape;39;p11"/>
-          <p:cNvSpPr txBox="1"/>
+          <p:cNvSpPr txBox="1">
+            <a:spLocks noGrp="1"/>
+          </p:cNvSpPr>
           <p:nvPr>
-            <p:ph idx="2" type="body"/>
+            <p:ph type="body" idx="2"/>
           </p:nvPr>
         </p:nvSpPr>
         <p:spPr>
@@ -6894,11 +7011,11 @@
           </a:ln>
         </p:spPr>
         <p:txBody>
-          <a:bodyPr anchorCtr="0" anchor="ctr" bIns="91425" lIns="91425" spcFirstLastPara="1" rIns="91425" wrap="square" tIns="91425">
+          <a:bodyPr spcFirstLastPara="1" wrap="square" lIns="91425" tIns="91425" rIns="91425" bIns="91425" anchor="ctr" anchorCtr="0">
             <a:noAutofit/>
           </a:bodyPr>
           <a:lstStyle>
-            <a:lvl1pPr indent="-342900" lvl="0" marL="457200" algn="l">
+            <a:lvl1pPr marL="457200" lvl="0" indent="-342900" algn="l">
               <a:lnSpc>
                 <a:spcPct val="115000"/>
               </a:lnSpc>
@@ -6912,7 +7029,7 @@
               <a:buChar char="●"/>
               <a:defRPr/>
             </a:lvl1pPr>
-            <a:lvl2pPr indent="-317500" lvl="1" marL="914400" algn="l">
+            <a:lvl2pPr marL="914400" lvl="1" indent="-317500" algn="l">
               <a:lnSpc>
                 <a:spcPct val="115000"/>
               </a:lnSpc>
@@ -6926,7 +7043,7 @@
               <a:buChar char="○"/>
               <a:defRPr/>
             </a:lvl2pPr>
-            <a:lvl3pPr indent="-317500" lvl="2" marL="1371600" algn="l">
+            <a:lvl3pPr marL="1371600" lvl="2" indent="-317500" algn="l">
               <a:lnSpc>
                 <a:spcPct val="115000"/>
               </a:lnSpc>
@@ -6940,7 +7057,7 @@
               <a:buChar char="■"/>
               <a:defRPr/>
             </a:lvl3pPr>
-            <a:lvl4pPr indent="-317500" lvl="3" marL="1828800" algn="l">
+            <a:lvl4pPr marL="1828800" lvl="3" indent="-317500" algn="l">
               <a:lnSpc>
                 <a:spcPct val="115000"/>
               </a:lnSpc>
@@ -6954,7 +7071,7 @@
               <a:buChar char="●"/>
               <a:defRPr/>
             </a:lvl4pPr>
-            <a:lvl5pPr indent="-317500" lvl="4" marL="2286000" algn="l">
+            <a:lvl5pPr marL="2286000" lvl="4" indent="-317500" algn="l">
               <a:lnSpc>
                 <a:spcPct val="115000"/>
               </a:lnSpc>
@@ -6968,7 +7085,7 @@
               <a:buChar char="○"/>
               <a:defRPr/>
             </a:lvl5pPr>
-            <a:lvl6pPr indent="-317500" lvl="5" marL="2743200" algn="l">
+            <a:lvl6pPr marL="2743200" lvl="5" indent="-317500" algn="l">
               <a:lnSpc>
                 <a:spcPct val="115000"/>
               </a:lnSpc>
@@ -6982,7 +7099,7 @@
               <a:buChar char="■"/>
               <a:defRPr/>
             </a:lvl6pPr>
-            <a:lvl7pPr indent="-317500" lvl="6" marL="3200400" algn="l">
+            <a:lvl7pPr marL="3200400" lvl="6" indent="-317500" algn="l">
               <a:lnSpc>
                 <a:spcPct val="115000"/>
               </a:lnSpc>
@@ -6996,7 +7113,7 @@
               <a:buChar char="●"/>
               <a:defRPr/>
             </a:lvl7pPr>
-            <a:lvl8pPr indent="-317500" lvl="7" marL="3657600" algn="l">
+            <a:lvl8pPr marL="3657600" lvl="7" indent="-317500" algn="l">
               <a:lnSpc>
                 <a:spcPct val="115000"/>
               </a:lnSpc>
@@ -7010,7 +7127,7 @@
               <a:buChar char="○"/>
               <a:defRPr/>
             </a:lvl8pPr>
-            <a:lvl9pPr indent="-317500" lvl="8" marL="4114800" algn="l">
+            <a:lvl9pPr marL="4114800" lvl="8" indent="-317500" algn="l">
               <a:lnSpc>
                 <a:spcPct val="115000"/>
               </a:lnSpc>
@@ -7025,15 +7142,19 @@
               <a:defRPr/>
             </a:lvl9pPr>
           </a:lstStyle>
-          <a:p/>
+          <a:p>
+            <a:endParaRPr/>
+          </a:p>
         </p:txBody>
       </p:sp>
       <p:sp>
         <p:nvSpPr>
           <p:cNvPr id="40" name="Google Shape;40;p11"/>
-          <p:cNvSpPr txBox="1"/>
+          <p:cNvSpPr txBox="1">
+            <a:spLocks noGrp="1"/>
+          </p:cNvSpPr>
           <p:nvPr>
-            <p:ph idx="12" type="sldNum"/>
+            <p:ph type="sldNum" idx="12"/>
           </p:nvPr>
         </p:nvSpPr>
         <p:spPr>
@@ -7050,27 +7171,27 @@
           </a:ln>
         </p:spPr>
         <p:txBody>
-          <a:bodyPr anchorCtr="0" anchor="ctr" bIns="91425" lIns="91425" spcFirstLastPara="1" rIns="91425" wrap="square" tIns="91425">
+          <a:bodyPr spcFirstLastPara="1" wrap="square" lIns="91425" tIns="91425" rIns="91425" bIns="91425" anchor="ctr" anchorCtr="0">
             <a:noAutofit/>
           </a:bodyPr>
           <a:lstStyle>
-            <a:lvl1pPr indent="0" lvl="0" marL="0" marR="0" algn="r">
-              <a:lnSpc>
-                <a:spcPct val="100000"/>
-              </a:lnSpc>
-              <a:spcBef>
-                <a:spcPts val="0"/>
-              </a:spcBef>
-              <a:spcAft>
-                <a:spcPts val="0"/>
-              </a:spcAft>
-              <a:buClr>
-                <a:srgbClr val="000000"/>
-              </a:buClr>
-              <a:buSzPts val="1000"/>
-              <a:buFont typeface="Arial"/>
-              <a:buNone/>
-              <a:defRPr b="0" i="0" sz="1000" u="none" cap="none" strike="noStrike">
+            <a:lvl1pPr marL="0" marR="0" lvl="0" indent="0" algn="r">
+              <a:lnSpc>
+                <a:spcPct val="100000"/>
+              </a:lnSpc>
+              <a:spcBef>
+                <a:spcPts val="0"/>
+              </a:spcBef>
+              <a:spcAft>
+                <a:spcPts val="0"/>
+              </a:spcAft>
+              <a:buClr>
+                <a:srgbClr val="000000"/>
+              </a:buClr>
+              <a:buSzPts val="1000"/>
+              <a:buFont typeface="Arial"/>
+              <a:buNone/>
+              <a:defRPr sz="1000" b="0" i="0" u="none" strike="noStrike" cap="none">
                 <a:solidFill>
                   <a:schemeClr val="dk2"/>
                 </a:solidFill>
@@ -7080,23 +7201,23 @@
                 <a:sym typeface="Arial"/>
               </a:defRPr>
             </a:lvl1pPr>
-            <a:lvl2pPr indent="0" lvl="1" marL="0" marR="0" algn="r">
-              <a:lnSpc>
-                <a:spcPct val="100000"/>
-              </a:lnSpc>
-              <a:spcBef>
-                <a:spcPts val="0"/>
-              </a:spcBef>
-              <a:spcAft>
-                <a:spcPts val="0"/>
-              </a:spcAft>
-              <a:buClr>
-                <a:srgbClr val="000000"/>
-              </a:buClr>
-              <a:buSzPts val="1000"/>
-              <a:buFont typeface="Arial"/>
-              <a:buNone/>
-              <a:defRPr b="0" i="0" sz="1000" u="none" cap="none" strike="noStrike">
+            <a:lvl2pPr marL="0" marR="0" lvl="1" indent="0" algn="r">
+              <a:lnSpc>
+                <a:spcPct val="100000"/>
+              </a:lnSpc>
+              <a:spcBef>
+                <a:spcPts val="0"/>
+              </a:spcBef>
+              <a:spcAft>
+                <a:spcPts val="0"/>
+              </a:spcAft>
+              <a:buClr>
+                <a:srgbClr val="000000"/>
+              </a:buClr>
+              <a:buSzPts val="1000"/>
+              <a:buFont typeface="Arial"/>
+              <a:buNone/>
+              <a:defRPr sz="1000" b="0" i="0" u="none" strike="noStrike" cap="none">
                 <a:solidFill>
                   <a:schemeClr val="dk2"/>
                 </a:solidFill>
@@ -7106,23 +7227,23 @@
                 <a:sym typeface="Arial"/>
               </a:defRPr>
             </a:lvl2pPr>
-            <a:lvl3pPr indent="0" lvl="2" marL="0" marR="0" algn="r">
-              <a:lnSpc>
-                <a:spcPct val="100000"/>
-              </a:lnSpc>
-              <a:spcBef>
-                <a:spcPts val="0"/>
-              </a:spcBef>
-              <a:spcAft>
-                <a:spcPts val="0"/>
-              </a:spcAft>
-              <a:buClr>
-                <a:srgbClr val="000000"/>
-              </a:buClr>
-              <a:buSzPts val="1000"/>
-              <a:buFont typeface="Arial"/>
-              <a:buNone/>
-              <a:defRPr b="0" i="0" sz="1000" u="none" cap="none" strike="noStrike">
+            <a:lvl3pPr marL="0" marR="0" lvl="2" indent="0" algn="r">
+              <a:lnSpc>
+                <a:spcPct val="100000"/>
+              </a:lnSpc>
+              <a:spcBef>
+                <a:spcPts val="0"/>
+              </a:spcBef>
+              <a:spcAft>
+                <a:spcPts val="0"/>
+              </a:spcAft>
+              <a:buClr>
+                <a:srgbClr val="000000"/>
+              </a:buClr>
+              <a:buSzPts val="1000"/>
+              <a:buFont typeface="Arial"/>
+              <a:buNone/>
+              <a:defRPr sz="1000" b="0" i="0" u="none" strike="noStrike" cap="none">
                 <a:solidFill>
                   <a:schemeClr val="dk2"/>
                 </a:solidFill>
@@ -7132,23 +7253,23 @@
                 <a:sym typeface="Arial"/>
               </a:defRPr>
             </a:lvl3pPr>
-            <a:lvl4pPr indent="0" lvl="3" marL="0" marR="0" algn="r">
-              <a:lnSpc>
-                <a:spcPct val="100000"/>
-              </a:lnSpc>
-              <a:spcBef>
-                <a:spcPts val="0"/>
-              </a:spcBef>
-              <a:spcAft>
-                <a:spcPts val="0"/>
-              </a:spcAft>
-              <a:buClr>
-                <a:srgbClr val="000000"/>
-              </a:buClr>
-              <a:buSzPts val="1000"/>
-              <a:buFont typeface="Arial"/>
-              <a:buNone/>
-              <a:defRPr b="0" i="0" sz="1000" u="none" cap="none" strike="noStrike">
+            <a:lvl4pPr marL="0" marR="0" lvl="3" indent="0" algn="r">
+              <a:lnSpc>
+                <a:spcPct val="100000"/>
+              </a:lnSpc>
+              <a:spcBef>
+                <a:spcPts val="0"/>
+              </a:spcBef>
+              <a:spcAft>
+                <a:spcPts val="0"/>
+              </a:spcAft>
+              <a:buClr>
+                <a:srgbClr val="000000"/>
+              </a:buClr>
+              <a:buSzPts val="1000"/>
+              <a:buFont typeface="Arial"/>
+              <a:buNone/>
+              <a:defRPr sz="1000" b="0" i="0" u="none" strike="noStrike" cap="none">
                 <a:solidFill>
                   <a:schemeClr val="dk2"/>
                 </a:solidFill>
@@ -7158,23 +7279,23 @@
                 <a:sym typeface="Arial"/>
               </a:defRPr>
             </a:lvl4pPr>
-            <a:lvl5pPr indent="0" lvl="4" marL="0" marR="0" algn="r">
-              <a:lnSpc>
-                <a:spcPct val="100000"/>
-              </a:lnSpc>
-              <a:spcBef>
-                <a:spcPts val="0"/>
-              </a:spcBef>
-              <a:spcAft>
-                <a:spcPts val="0"/>
-              </a:spcAft>
-              <a:buClr>
-                <a:srgbClr val="000000"/>
-              </a:buClr>
-              <a:buSzPts val="1000"/>
-              <a:buFont typeface="Arial"/>
-              <a:buNone/>
-              <a:defRPr b="0" i="0" sz="1000" u="none" cap="none" strike="noStrike">
+            <a:lvl5pPr marL="0" marR="0" lvl="4" indent="0" algn="r">
+              <a:lnSpc>
+                <a:spcPct val="100000"/>
+              </a:lnSpc>
+              <a:spcBef>
+                <a:spcPts val="0"/>
+              </a:spcBef>
+              <a:spcAft>
+                <a:spcPts val="0"/>
+              </a:spcAft>
+              <a:buClr>
+                <a:srgbClr val="000000"/>
+              </a:buClr>
+              <a:buSzPts val="1000"/>
+              <a:buFont typeface="Arial"/>
+              <a:buNone/>
+              <a:defRPr sz="1000" b="0" i="0" u="none" strike="noStrike" cap="none">
                 <a:solidFill>
                   <a:schemeClr val="dk2"/>
                 </a:solidFill>
@@ -7184,23 +7305,23 @@
                 <a:sym typeface="Arial"/>
               </a:defRPr>
             </a:lvl5pPr>
-            <a:lvl6pPr indent="0" lvl="5" marL="0" marR="0" algn="r">
-              <a:lnSpc>
-                <a:spcPct val="100000"/>
-              </a:lnSpc>
-              <a:spcBef>
-                <a:spcPts val="0"/>
-              </a:spcBef>
-              <a:spcAft>
-                <a:spcPts val="0"/>
-              </a:spcAft>
-              <a:buClr>
-                <a:srgbClr val="000000"/>
-              </a:buClr>
-              <a:buSzPts val="1000"/>
-              <a:buFont typeface="Arial"/>
-              <a:buNone/>
-              <a:defRPr b="0" i="0" sz="1000" u="none" cap="none" strike="noStrike">
+            <a:lvl6pPr marL="0" marR="0" lvl="5" indent="0" algn="r">
+              <a:lnSpc>
+                <a:spcPct val="100000"/>
+              </a:lnSpc>
+              <a:spcBef>
+                <a:spcPts val="0"/>
+              </a:spcBef>
+              <a:spcAft>
+                <a:spcPts val="0"/>
+              </a:spcAft>
+              <a:buClr>
+                <a:srgbClr val="000000"/>
+              </a:buClr>
+              <a:buSzPts val="1000"/>
+              <a:buFont typeface="Arial"/>
+              <a:buNone/>
+              <a:defRPr sz="1000" b="0" i="0" u="none" strike="noStrike" cap="none">
                 <a:solidFill>
                   <a:schemeClr val="dk2"/>
                 </a:solidFill>
@@ -7210,23 +7331,23 @@
                 <a:sym typeface="Arial"/>
               </a:defRPr>
             </a:lvl6pPr>
-            <a:lvl7pPr indent="0" lvl="6" marL="0" marR="0" algn="r">
-              <a:lnSpc>
-                <a:spcPct val="100000"/>
-              </a:lnSpc>
-              <a:spcBef>
-                <a:spcPts val="0"/>
-              </a:spcBef>
-              <a:spcAft>
-                <a:spcPts val="0"/>
-              </a:spcAft>
-              <a:buClr>
-                <a:srgbClr val="000000"/>
-              </a:buClr>
-              <a:buSzPts val="1000"/>
-              <a:buFont typeface="Arial"/>
-              <a:buNone/>
-              <a:defRPr b="0" i="0" sz="1000" u="none" cap="none" strike="noStrike">
+            <a:lvl7pPr marL="0" marR="0" lvl="6" indent="0" algn="r">
+              <a:lnSpc>
+                <a:spcPct val="100000"/>
+              </a:lnSpc>
+              <a:spcBef>
+                <a:spcPts val="0"/>
+              </a:spcBef>
+              <a:spcAft>
+                <a:spcPts val="0"/>
+              </a:spcAft>
+              <a:buClr>
+                <a:srgbClr val="000000"/>
+              </a:buClr>
+              <a:buSzPts val="1000"/>
+              <a:buFont typeface="Arial"/>
+              <a:buNone/>
+              <a:defRPr sz="1000" b="0" i="0" u="none" strike="noStrike" cap="none">
                 <a:solidFill>
                   <a:schemeClr val="dk2"/>
                 </a:solidFill>
@@ -7236,23 +7357,23 @@
                 <a:sym typeface="Arial"/>
               </a:defRPr>
             </a:lvl7pPr>
-            <a:lvl8pPr indent="0" lvl="7" marL="0" marR="0" algn="r">
-              <a:lnSpc>
-                <a:spcPct val="100000"/>
-              </a:lnSpc>
-              <a:spcBef>
-                <a:spcPts val="0"/>
-              </a:spcBef>
-              <a:spcAft>
-                <a:spcPts val="0"/>
-              </a:spcAft>
-              <a:buClr>
-                <a:srgbClr val="000000"/>
-              </a:buClr>
-              <a:buSzPts val="1000"/>
-              <a:buFont typeface="Arial"/>
-              <a:buNone/>
-              <a:defRPr b="0" i="0" sz="1000" u="none" cap="none" strike="noStrike">
+            <a:lvl8pPr marL="0" marR="0" lvl="7" indent="0" algn="r">
+              <a:lnSpc>
+                <a:spcPct val="100000"/>
+              </a:lnSpc>
+              <a:spcBef>
+                <a:spcPts val="0"/>
+              </a:spcBef>
+              <a:spcAft>
+                <a:spcPts val="0"/>
+              </a:spcAft>
+              <a:buClr>
+                <a:srgbClr val="000000"/>
+              </a:buClr>
+              <a:buSzPts val="1000"/>
+              <a:buFont typeface="Arial"/>
+              <a:buNone/>
+              <a:defRPr sz="1000" b="0" i="0" u="none" strike="noStrike" cap="none">
                 <a:solidFill>
                   <a:schemeClr val="dk2"/>
                 </a:solidFill>
@@ -7262,23 +7383,23 @@
                 <a:sym typeface="Arial"/>
               </a:defRPr>
             </a:lvl8pPr>
-            <a:lvl9pPr indent="0" lvl="8" marL="0" marR="0" algn="r">
-              <a:lnSpc>
-                <a:spcPct val="100000"/>
-              </a:lnSpc>
-              <a:spcBef>
-                <a:spcPts val="0"/>
-              </a:spcBef>
-              <a:spcAft>
-                <a:spcPts val="0"/>
-              </a:spcAft>
-              <a:buClr>
-                <a:srgbClr val="000000"/>
-              </a:buClr>
-              <a:buSzPts val="1000"/>
-              <a:buFont typeface="Arial"/>
-              <a:buNone/>
-              <a:defRPr b="0" i="0" sz="1000" u="none" cap="none" strike="noStrike">
+            <a:lvl9pPr marL="0" marR="0" lvl="8" indent="0" algn="r">
+              <a:lnSpc>
+                <a:spcPct val="100000"/>
+              </a:lnSpc>
+              <a:spcBef>
+                <a:spcPts val="0"/>
+              </a:spcBef>
+              <a:spcAft>
+                <a:spcPts val="0"/>
+              </a:spcAft>
+              <a:buClr>
+                <a:srgbClr val="000000"/>
+              </a:buClr>
+              <a:buSzPts val="1000"/>
+              <a:buFont typeface="Arial"/>
+              <a:buNone/>
+              <a:defRPr sz="1000" b="0" i="0" u="none" strike="noStrike" cap="none">
                 <a:solidFill>
                   <a:schemeClr val="dk2"/>
                 </a:solidFill>
@@ -7290,7 +7411,7 @@
             </a:lvl9pPr>
           </a:lstStyle>
           <a:p>
-            <a:pPr indent="0" lvl="0" marL="0" rtl="0" algn="r">
+            <a:pPr marL="0" lvl="0" indent="0" algn="r" rtl="0">
               <a:spcBef>
                 <a:spcPts val="0"/>
               </a:spcBef>
@@ -7316,11 +7437,11 @@
 </file>
 
 <file path=ppt/slideLayouts/slideLayout9.xml><?xml version="1.0" encoding="utf-8"?>
-<p:sldLayout xmlns:a="http://schemas.openxmlformats.org/drawingml/2006/main" xmlns:r="http://schemas.openxmlformats.org/officeDocument/2006/relationships" xmlns:mc="http://schemas.openxmlformats.org/markup-compatibility/2006" xmlns:mv="urn:schemas-microsoft-com:mac:vml" xmlns:p="http://schemas.openxmlformats.org/presentationml/2006/main" xmlns:c="http://schemas.openxmlformats.org/drawingml/2006/chart" xmlns:dgm="http://schemas.openxmlformats.org/drawingml/2006/diagram" xmlns:o="urn:schemas-microsoft-com:office:office" xmlns:v="urn:schemas-microsoft-com:vml" xmlns:pvml="urn:schemas-microsoft-com:office:powerpoint" xmlns:com="http://schemas.openxmlformats.org/drawingml/2006/compatibility" xmlns:p14="http://schemas.microsoft.com/office/powerpoint/2010/main" xmlns:p15="http://schemas.microsoft.com/office/powerpoint/2012/main" xmlns:ahyp="http://schemas.microsoft.com/office/drawing/2018/hyperlinkcolor" matchingName="Caption">
+<p:sldLayout xmlns:a="http://schemas.openxmlformats.org/drawingml/2006/main" xmlns:r="http://schemas.openxmlformats.org/officeDocument/2006/relationships" xmlns:p="http://schemas.openxmlformats.org/presentationml/2006/main" matchingName="Caption">
   <p:cSld name="CAPTION_ONLY">
     <p:spTree>
       <p:nvGrpSpPr>
-        <p:cNvPr id="41" name="Shape 41"/>
+        <p:cNvPr id="1" name="Shape 41"/>
         <p:cNvGrpSpPr/>
         <p:nvPr/>
       </p:nvGrpSpPr>
@@ -7335,9 +7456,11 @@
       <p:sp>
         <p:nvSpPr>
           <p:cNvPr id="42" name="Google Shape;42;p12"/>
-          <p:cNvSpPr txBox="1"/>
+          <p:cNvSpPr txBox="1">
+            <a:spLocks noGrp="1"/>
+          </p:cNvSpPr>
           <p:nvPr>
-            <p:ph idx="1" type="body"/>
+            <p:ph type="body" idx="1"/>
           </p:nvPr>
         </p:nvSpPr>
         <p:spPr>
@@ -7354,11 +7477,11 @@
           </a:ln>
         </p:spPr>
         <p:txBody>
-          <a:bodyPr anchorCtr="0" anchor="ctr" bIns="91425" lIns="91425" spcFirstLastPara="1" rIns="91425" wrap="square" tIns="91425">
+          <a:bodyPr spcFirstLastPara="1" wrap="square" lIns="91425" tIns="91425" rIns="91425" bIns="91425" anchor="ctr" anchorCtr="0">
             <a:noAutofit/>
           </a:bodyPr>
           <a:lstStyle>
-            <a:lvl1pPr indent="-228600" lvl="0" marL="457200" algn="l">
+            <a:lvl1pPr marL="457200" lvl="0" indent="-228600" algn="l">
               <a:lnSpc>
                 <a:spcPct val="100000"/>
               </a:lnSpc>
@@ -7373,15 +7496,19 @@
               <a:defRPr/>
             </a:lvl1pPr>
           </a:lstStyle>
-          <a:p/>
+          <a:p>
+            <a:endParaRPr/>
+          </a:p>
         </p:txBody>
       </p:sp>
       <p:sp>
         <p:nvSpPr>
           <p:cNvPr id="43" name="Google Shape;43;p12"/>
-          <p:cNvSpPr txBox="1"/>
+          <p:cNvSpPr txBox="1">
+            <a:spLocks noGrp="1"/>
+          </p:cNvSpPr>
           <p:nvPr>
-            <p:ph idx="12" type="sldNum"/>
+            <p:ph type="sldNum" idx="12"/>
           </p:nvPr>
         </p:nvSpPr>
         <p:spPr>
@@ -7398,27 +7525,27 @@
           </a:ln>
         </p:spPr>
         <p:txBody>
-          <a:bodyPr anchorCtr="0" anchor="ctr" bIns="91425" lIns="91425" spcFirstLastPara="1" rIns="91425" wrap="square" tIns="91425">
+          <a:bodyPr spcFirstLastPara="1" wrap="square" lIns="91425" tIns="91425" rIns="91425" bIns="91425" anchor="ctr" anchorCtr="0">
             <a:noAutofit/>
           </a:bodyPr>
           <a:lstStyle>
-            <a:lvl1pPr indent="0" lvl="0" marL="0" marR="0" algn="r">
-              <a:lnSpc>
-                <a:spcPct val="100000"/>
-              </a:lnSpc>
-              <a:spcBef>
-                <a:spcPts val="0"/>
-              </a:spcBef>
-              <a:spcAft>
-                <a:spcPts val="0"/>
-              </a:spcAft>
-              <a:buClr>
-                <a:srgbClr val="000000"/>
-              </a:buClr>
-              <a:buSzPts val="1000"/>
-              <a:buFont typeface="Arial"/>
-              <a:buNone/>
-              <a:defRPr b="0" i="0" sz="1000" u="none" cap="none" strike="noStrike">
+            <a:lvl1pPr marL="0" marR="0" lvl="0" indent="0" algn="r">
+              <a:lnSpc>
+                <a:spcPct val="100000"/>
+              </a:lnSpc>
+              <a:spcBef>
+                <a:spcPts val="0"/>
+              </a:spcBef>
+              <a:spcAft>
+                <a:spcPts val="0"/>
+              </a:spcAft>
+              <a:buClr>
+                <a:srgbClr val="000000"/>
+              </a:buClr>
+              <a:buSzPts val="1000"/>
+              <a:buFont typeface="Arial"/>
+              <a:buNone/>
+              <a:defRPr sz="1000" b="0" i="0" u="none" strike="noStrike" cap="none">
                 <a:solidFill>
                   <a:schemeClr val="dk2"/>
                 </a:solidFill>
@@ -7428,23 +7555,23 @@
                 <a:sym typeface="Arial"/>
               </a:defRPr>
             </a:lvl1pPr>
-            <a:lvl2pPr indent="0" lvl="1" marL="0" marR="0" algn="r">
-              <a:lnSpc>
-                <a:spcPct val="100000"/>
-              </a:lnSpc>
-              <a:spcBef>
-                <a:spcPts val="0"/>
-              </a:spcBef>
-              <a:spcAft>
-                <a:spcPts val="0"/>
-              </a:spcAft>
-              <a:buClr>
-                <a:srgbClr val="000000"/>
-              </a:buClr>
-              <a:buSzPts val="1000"/>
-              <a:buFont typeface="Arial"/>
-              <a:buNone/>
-              <a:defRPr b="0" i="0" sz="1000" u="none" cap="none" strike="noStrike">
+            <a:lvl2pPr marL="0" marR="0" lvl="1" indent="0" algn="r">
+              <a:lnSpc>
+                <a:spcPct val="100000"/>
+              </a:lnSpc>
+              <a:spcBef>
+                <a:spcPts val="0"/>
+              </a:spcBef>
+              <a:spcAft>
+                <a:spcPts val="0"/>
+              </a:spcAft>
+              <a:buClr>
+                <a:srgbClr val="000000"/>
+              </a:buClr>
+              <a:buSzPts val="1000"/>
+              <a:buFont typeface="Arial"/>
+              <a:buNone/>
+              <a:defRPr sz="1000" b="0" i="0" u="none" strike="noStrike" cap="none">
                 <a:solidFill>
                   <a:schemeClr val="dk2"/>
                 </a:solidFill>
@@ -7454,23 +7581,23 @@
                 <a:sym typeface="Arial"/>
               </a:defRPr>
             </a:lvl2pPr>
-            <a:lvl3pPr indent="0" lvl="2" marL="0" marR="0" algn="r">
-              <a:lnSpc>
-                <a:spcPct val="100000"/>
-              </a:lnSpc>
-              <a:spcBef>
-                <a:spcPts val="0"/>
-              </a:spcBef>
-              <a:spcAft>
-                <a:spcPts val="0"/>
-              </a:spcAft>
-              <a:buClr>
-                <a:srgbClr val="000000"/>
-              </a:buClr>
-              <a:buSzPts val="1000"/>
-              <a:buFont typeface="Arial"/>
-              <a:buNone/>
-              <a:defRPr b="0" i="0" sz="1000" u="none" cap="none" strike="noStrike">
+            <a:lvl3pPr marL="0" marR="0" lvl="2" indent="0" algn="r">
+              <a:lnSpc>
+                <a:spcPct val="100000"/>
+              </a:lnSpc>
+              <a:spcBef>
+                <a:spcPts val="0"/>
+              </a:spcBef>
+              <a:spcAft>
+                <a:spcPts val="0"/>
+              </a:spcAft>
+              <a:buClr>
+                <a:srgbClr val="000000"/>
+              </a:buClr>
+              <a:buSzPts val="1000"/>
+              <a:buFont typeface="Arial"/>
+              <a:buNone/>
+              <a:defRPr sz="1000" b="0" i="0" u="none" strike="noStrike" cap="none">
                 <a:solidFill>
                   <a:schemeClr val="dk2"/>
                 </a:solidFill>
@@ -7480,23 +7607,23 @@
                 <a:sym typeface="Arial"/>
               </a:defRPr>
             </a:lvl3pPr>
-            <a:lvl4pPr indent="0" lvl="3" marL="0" marR="0" algn="r">
-              <a:lnSpc>
-                <a:spcPct val="100000"/>
-              </a:lnSpc>
-              <a:spcBef>
-                <a:spcPts val="0"/>
-              </a:spcBef>
-              <a:spcAft>
-                <a:spcPts val="0"/>
-              </a:spcAft>
-              <a:buClr>
-                <a:srgbClr val="000000"/>
-              </a:buClr>
-              <a:buSzPts val="1000"/>
-              <a:buFont typeface="Arial"/>
-              <a:buNone/>
-              <a:defRPr b="0" i="0" sz="1000" u="none" cap="none" strike="noStrike">
+            <a:lvl4pPr marL="0" marR="0" lvl="3" indent="0" algn="r">
+              <a:lnSpc>
+                <a:spcPct val="100000"/>
+              </a:lnSpc>
+              <a:spcBef>
+                <a:spcPts val="0"/>
+              </a:spcBef>
+              <a:spcAft>
+                <a:spcPts val="0"/>
+              </a:spcAft>
+              <a:buClr>
+                <a:srgbClr val="000000"/>
+              </a:buClr>
+              <a:buSzPts val="1000"/>
+              <a:buFont typeface="Arial"/>
+              <a:buNone/>
+              <a:defRPr sz="1000" b="0" i="0" u="none" strike="noStrike" cap="none">
                 <a:solidFill>
                   <a:schemeClr val="dk2"/>
                 </a:solidFill>
@@ -7506,23 +7633,23 @@
                 <a:sym typeface="Arial"/>
               </a:defRPr>
             </a:lvl4pPr>
-            <a:lvl5pPr indent="0" lvl="4" marL="0" marR="0" algn="r">
-              <a:lnSpc>
-                <a:spcPct val="100000"/>
-              </a:lnSpc>
-              <a:spcBef>
-                <a:spcPts val="0"/>
-              </a:spcBef>
-              <a:spcAft>
-                <a:spcPts val="0"/>
-              </a:spcAft>
-              <a:buClr>
-                <a:srgbClr val="000000"/>
-              </a:buClr>
-              <a:buSzPts val="1000"/>
-              <a:buFont typeface="Arial"/>
-              <a:buNone/>
-              <a:defRPr b="0" i="0" sz="1000" u="none" cap="none" strike="noStrike">
+            <a:lvl5pPr marL="0" marR="0" lvl="4" indent="0" algn="r">
+              <a:lnSpc>
+                <a:spcPct val="100000"/>
+              </a:lnSpc>
+              <a:spcBef>
+                <a:spcPts val="0"/>
+              </a:spcBef>
+              <a:spcAft>
+                <a:spcPts val="0"/>
+              </a:spcAft>
+              <a:buClr>
+                <a:srgbClr val="000000"/>
+              </a:buClr>
+              <a:buSzPts val="1000"/>
+              <a:buFont typeface="Arial"/>
+              <a:buNone/>
+              <a:defRPr sz="1000" b="0" i="0" u="none" strike="noStrike" cap="none">
                 <a:solidFill>
                   <a:schemeClr val="dk2"/>
                 </a:solidFill>
@@ -7532,23 +7659,23 @@
                 <a:sym typeface="Arial"/>
               </a:defRPr>
             </a:lvl5pPr>
-            <a:lvl6pPr indent="0" lvl="5" marL="0" marR="0" algn="r">
-              <a:lnSpc>
-                <a:spcPct val="100000"/>
-              </a:lnSpc>
-              <a:spcBef>
-                <a:spcPts val="0"/>
-              </a:spcBef>
-              <a:spcAft>
-                <a:spcPts val="0"/>
-              </a:spcAft>
-              <a:buClr>
-                <a:srgbClr val="000000"/>
-              </a:buClr>
-              <a:buSzPts val="1000"/>
-              <a:buFont typeface="Arial"/>
-              <a:buNone/>
-              <a:defRPr b="0" i="0" sz="1000" u="none" cap="none" strike="noStrike">
+            <a:lvl6pPr marL="0" marR="0" lvl="5" indent="0" algn="r">
+              <a:lnSpc>
+                <a:spcPct val="100000"/>
+              </a:lnSpc>
+              <a:spcBef>
+                <a:spcPts val="0"/>
+              </a:spcBef>
+              <a:spcAft>
+                <a:spcPts val="0"/>
+              </a:spcAft>
+              <a:buClr>
+                <a:srgbClr val="000000"/>
+              </a:buClr>
+              <a:buSzPts val="1000"/>
+              <a:buFont typeface="Arial"/>
+              <a:buNone/>
+              <a:defRPr sz="1000" b="0" i="0" u="none" strike="noStrike" cap="none">
                 <a:solidFill>
                   <a:schemeClr val="dk2"/>
                 </a:solidFill>
@@ -7558,23 +7685,23 @@
                 <a:sym typeface="Arial"/>
               </a:defRPr>
             </a:lvl6pPr>
-            <a:lvl7pPr indent="0" lvl="6" marL="0" marR="0" algn="r">
-              <a:lnSpc>
-                <a:spcPct val="100000"/>
-              </a:lnSpc>
-              <a:spcBef>
-                <a:spcPts val="0"/>
-              </a:spcBef>
-              <a:spcAft>
-                <a:spcPts val="0"/>
-              </a:spcAft>
-              <a:buClr>
-                <a:srgbClr val="000000"/>
-              </a:buClr>
-              <a:buSzPts val="1000"/>
-              <a:buFont typeface="Arial"/>
-              <a:buNone/>
-              <a:defRPr b="0" i="0" sz="1000" u="none" cap="none" strike="noStrike">
+            <a:lvl7pPr marL="0" marR="0" lvl="6" indent="0" algn="r">
+              <a:lnSpc>
+                <a:spcPct val="100000"/>
+              </a:lnSpc>
+              <a:spcBef>
+                <a:spcPts val="0"/>
+              </a:spcBef>
+              <a:spcAft>
+                <a:spcPts val="0"/>
+              </a:spcAft>
+              <a:buClr>
+                <a:srgbClr val="000000"/>
+              </a:buClr>
+              <a:buSzPts val="1000"/>
+              <a:buFont typeface="Arial"/>
+              <a:buNone/>
+              <a:defRPr sz="1000" b="0" i="0" u="none" strike="noStrike" cap="none">
                 <a:solidFill>
                   <a:schemeClr val="dk2"/>
                 </a:solidFill>
@@ -7584,23 +7711,23 @@
                 <a:sym typeface="Arial"/>
               </a:defRPr>
             </a:lvl7pPr>
-            <a:lvl8pPr indent="0" lvl="7" marL="0" marR="0" algn="r">
-              <a:lnSpc>
-                <a:spcPct val="100000"/>
-              </a:lnSpc>
-              <a:spcBef>
-                <a:spcPts val="0"/>
-              </a:spcBef>
-              <a:spcAft>
-                <a:spcPts val="0"/>
-              </a:spcAft>
-              <a:buClr>
-                <a:srgbClr val="000000"/>
-              </a:buClr>
-              <a:buSzPts val="1000"/>
-              <a:buFont typeface="Arial"/>
-              <a:buNone/>
-              <a:defRPr b="0" i="0" sz="1000" u="none" cap="none" strike="noStrike">
+            <a:lvl8pPr marL="0" marR="0" lvl="7" indent="0" algn="r">
+              <a:lnSpc>
+                <a:spcPct val="100000"/>
+              </a:lnSpc>
+              <a:spcBef>
+                <a:spcPts val="0"/>
+              </a:spcBef>
+              <a:spcAft>
+                <a:spcPts val="0"/>
+              </a:spcAft>
+              <a:buClr>
+                <a:srgbClr val="000000"/>
+              </a:buClr>
+              <a:buSzPts val="1000"/>
+              <a:buFont typeface="Arial"/>
+              <a:buNone/>
+              <a:defRPr sz="1000" b="0" i="0" u="none" strike="noStrike" cap="none">
                 <a:solidFill>
                   <a:schemeClr val="dk2"/>
                 </a:solidFill>
@@ -7610,23 +7737,23 @@
                 <a:sym typeface="Arial"/>
               </a:defRPr>
             </a:lvl8pPr>
-            <a:lvl9pPr indent="0" lvl="8" marL="0" marR="0" algn="r">
-              <a:lnSpc>
-                <a:spcPct val="100000"/>
-              </a:lnSpc>
-              <a:spcBef>
-                <a:spcPts val="0"/>
-              </a:spcBef>
-              <a:spcAft>
-                <a:spcPts val="0"/>
-              </a:spcAft>
-              <a:buClr>
-                <a:srgbClr val="000000"/>
-              </a:buClr>
-              <a:buSzPts val="1000"/>
-              <a:buFont typeface="Arial"/>
-              <a:buNone/>
-              <a:defRPr b="0" i="0" sz="1000" u="none" cap="none" strike="noStrike">
+            <a:lvl9pPr marL="0" marR="0" lvl="8" indent="0" algn="r">
+              <a:lnSpc>
+                <a:spcPct val="100000"/>
+              </a:lnSpc>
+              <a:spcBef>
+                <a:spcPts val="0"/>
+              </a:spcBef>
+              <a:spcAft>
+                <a:spcPts val="0"/>
+              </a:spcAft>
+              <a:buClr>
+                <a:srgbClr val="000000"/>
+              </a:buClr>
+              <a:buSzPts val="1000"/>
+              <a:buFont typeface="Arial"/>
+              <a:buNone/>
+              <a:defRPr sz="1000" b="0" i="0" u="none" strike="noStrike" cap="none">
                 <a:solidFill>
                   <a:schemeClr val="dk2"/>
                 </a:solidFill>
@@ -7638,7 +7765,7 @@
             </a:lvl9pPr>
           </a:lstStyle>
           <a:p>
-            <a:pPr indent="0" lvl="0" marL="0" rtl="0" algn="r">
+            <a:pPr marL="0" lvl="0" indent="0" algn="r" rtl="0">
               <a:spcBef>
                 <a:spcPts val="0"/>
               </a:spcBef>
@@ -7664,18 +7791,19 @@
 </file>
 
 <file path=ppt/slideMasters/slideMaster1.xml><?xml version="1.0" encoding="utf-8"?>
-<p:sldMaster xmlns:a="http://schemas.openxmlformats.org/drawingml/2006/main" xmlns:r="http://schemas.openxmlformats.org/officeDocument/2006/relationships" xmlns:mc="http://schemas.openxmlformats.org/markup-compatibility/2006" xmlns:mv="urn:schemas-microsoft-com:mac:vml" xmlns:p="http://schemas.openxmlformats.org/presentationml/2006/main" xmlns:c="http://schemas.openxmlformats.org/drawingml/2006/chart" xmlns:dgm="http://schemas.openxmlformats.org/drawingml/2006/diagram" xmlns:o="urn:schemas-microsoft-com:office:office" xmlns:v="urn:schemas-microsoft-com:vml" xmlns:pvml="urn:schemas-microsoft-com:office:powerpoint" xmlns:com="http://schemas.openxmlformats.org/drawingml/2006/compatibility" xmlns:p14="http://schemas.microsoft.com/office/powerpoint/2010/main" xmlns:p15="http://schemas.microsoft.com/office/powerpoint/2012/main" xmlns:ahyp="http://schemas.microsoft.com/office/drawing/2018/hyperlinkcolor">
+<p:sldMaster xmlns:a="http://schemas.openxmlformats.org/drawingml/2006/main" xmlns:r="http://schemas.openxmlformats.org/officeDocument/2006/relationships" xmlns:p="http://schemas.openxmlformats.org/presentationml/2006/main">
   <p:cSld name="simple-light-2">
     <p:bg>
       <p:bgPr>
         <a:solidFill>
           <a:schemeClr val="lt1"/>
         </a:solidFill>
+        <a:effectLst/>
       </p:bgPr>
     </p:bg>
     <p:spTree>
       <p:nvGrpSpPr>
-        <p:cNvPr id="5" name="Shape 5"/>
+        <p:cNvPr id="1" name="Shape 5"/>
         <p:cNvGrpSpPr/>
         <p:nvPr/>
       </p:nvGrpSpPr>
@@ -7690,7 +7818,9 @@
       <p:sp>
         <p:nvSpPr>
           <p:cNvPr id="6" name="Google Shape;6;p3"/>
-          <p:cNvSpPr txBox="1"/>
+          <p:cNvSpPr txBox="1">
+            <a:spLocks noGrp="1"/>
+          </p:cNvSpPr>
           <p:nvPr>
             <p:ph type="title"/>
           </p:nvPr>
@@ -7709,11 +7839,11 @@
           </a:ln>
         </p:spPr>
         <p:txBody>
-          <a:bodyPr anchorCtr="0" anchor="t" bIns="91425" lIns="91425" spcFirstLastPara="1" rIns="91425" wrap="square" tIns="91425">
+          <a:bodyPr spcFirstLastPara="1" wrap="square" lIns="91425" tIns="91425" rIns="91425" bIns="91425" anchor="t" anchorCtr="0">
             <a:noAutofit/>
           </a:bodyPr>
           <a:lstStyle>
-            <a:lvl1pPr lvl="0" marR="0" rtl="0" algn="l">
+            <a:lvl1pPr marR="0" lvl="0" algn="l" rtl="0">
               <a:lnSpc>
                 <a:spcPct val="100000"/>
               </a:lnSpc>
@@ -7729,7 +7859,7 @@
               <a:buSzPts val="2800"/>
               <a:buFont typeface="Arial"/>
               <a:buNone/>
-              <a:defRPr b="0" i="0" sz="2800" u="none" cap="none" strike="noStrike">
+              <a:defRPr sz="2800" b="0" i="0" u="none" strike="noStrike" cap="none">
                 <a:solidFill>
                   <a:schemeClr val="dk1"/>
                 </a:solidFill>
@@ -7739,7 +7869,7 @@
                 <a:sym typeface="Arial"/>
               </a:defRPr>
             </a:lvl1pPr>
-            <a:lvl2pPr lvl="1" marR="0" rtl="0" algn="l">
+            <a:lvl2pPr marR="0" lvl="1" algn="l" rtl="0">
               <a:lnSpc>
                 <a:spcPct val="100000"/>
               </a:lnSpc>
@@ -7755,7 +7885,7 @@
               <a:buSzPts val="2800"/>
               <a:buFont typeface="Arial"/>
               <a:buNone/>
-              <a:defRPr b="0" i="0" sz="2800" u="none" cap="none" strike="noStrike">
+              <a:defRPr sz="2800" b="0" i="0" u="none" strike="noStrike" cap="none">
                 <a:solidFill>
                   <a:schemeClr val="dk1"/>
                 </a:solidFill>
@@ -7765,7 +7895,7 @@
                 <a:sym typeface="Arial"/>
               </a:defRPr>
             </a:lvl2pPr>
-            <a:lvl3pPr lvl="2" marR="0" rtl="0" algn="l">
+            <a:lvl3pPr marR="0" lvl="2" algn="l" rtl="0">
               <a:lnSpc>
                 <a:spcPct val="100000"/>
               </a:lnSpc>
@@ -7781,7 +7911,7 @@
               <a:buSzPts val="2800"/>
               <a:buFont typeface="Arial"/>
               <a:buNone/>
-              <a:defRPr b="0" i="0" sz="2800" u="none" cap="none" strike="noStrike">
+              <a:defRPr sz="2800" b="0" i="0" u="none" strike="noStrike" cap="none">
                 <a:solidFill>
                   <a:schemeClr val="dk1"/>
                 </a:solidFill>
@@ -7791,7 +7921,7 @@
                 <a:sym typeface="Arial"/>
               </a:defRPr>
             </a:lvl3pPr>
-            <a:lvl4pPr lvl="3" marR="0" rtl="0" algn="l">
+            <a:lvl4pPr marR="0" lvl="3" algn="l" rtl="0">
               <a:lnSpc>
                 <a:spcPct val="100000"/>
               </a:lnSpc>
@@ -7807,7 +7937,7 @@
               <a:buSzPts val="2800"/>
               <a:buFont typeface="Arial"/>
               <a:buNone/>
-              <a:defRPr b="0" i="0" sz="2800" u="none" cap="none" strike="noStrike">
+              <a:defRPr sz="2800" b="0" i="0" u="none" strike="noStrike" cap="none">
                 <a:solidFill>
                   <a:schemeClr val="dk1"/>
                 </a:solidFill>
@@ -7817,7 +7947,7 @@
                 <a:sym typeface="Arial"/>
               </a:defRPr>
             </a:lvl4pPr>
-            <a:lvl5pPr lvl="4" marR="0" rtl="0" algn="l">
+            <a:lvl5pPr marR="0" lvl="4" algn="l" rtl="0">
               <a:lnSpc>
                 <a:spcPct val="100000"/>
               </a:lnSpc>
@@ -7833,7 +7963,7 @@
               <a:buSzPts val="2800"/>
               <a:buFont typeface="Arial"/>
               <a:buNone/>
-              <a:defRPr b="0" i="0" sz="2800" u="none" cap="none" strike="noStrike">
+              <a:defRPr sz="2800" b="0" i="0" u="none" strike="noStrike" cap="none">
                 <a:solidFill>
                   <a:schemeClr val="dk1"/>
                 </a:solidFill>
@@ -7843,7 +7973,7 @@
                 <a:sym typeface="Arial"/>
               </a:defRPr>
             </a:lvl5pPr>
-            <a:lvl6pPr lvl="5" marR="0" rtl="0" algn="l">
+            <a:lvl6pPr marR="0" lvl="5" algn="l" rtl="0">
               <a:lnSpc>
                 <a:spcPct val="100000"/>
               </a:lnSpc>
@@ -7859,7 +7989,7 @@
               <a:buSzPts val="2800"/>
               <a:buFont typeface="Arial"/>
               <a:buNone/>
-              <a:defRPr b="0" i="0" sz="2800" u="none" cap="none" strike="noStrike">
+              <a:defRPr sz="2800" b="0" i="0" u="none" strike="noStrike" cap="none">
                 <a:solidFill>
                   <a:schemeClr val="dk1"/>
                 </a:solidFill>
@@ -7869,7 +7999,7 @@
                 <a:sym typeface="Arial"/>
               </a:defRPr>
             </a:lvl6pPr>
-            <a:lvl7pPr lvl="6" marR="0" rtl="0" algn="l">
+            <a:lvl7pPr marR="0" lvl="6" algn="l" rtl="0">
               <a:lnSpc>
                 <a:spcPct val="100000"/>
               </a:lnSpc>
@@ -7885,7 +8015,7 @@
               <a:buSzPts val="2800"/>
               <a:buFont typeface="Arial"/>
               <a:buNone/>
-              <a:defRPr b="0" i="0" sz="2800" u="none" cap="none" strike="noStrike">
+              <a:defRPr sz="2800" b="0" i="0" u="none" strike="noStrike" cap="none">
                 <a:solidFill>
                   <a:schemeClr val="dk1"/>
                 </a:solidFill>
@@ -7895,7 +8025,7 @@
                 <a:sym typeface="Arial"/>
               </a:defRPr>
             </a:lvl7pPr>
-            <a:lvl8pPr lvl="7" marR="0" rtl="0" algn="l">
+            <a:lvl8pPr marR="0" lvl="7" algn="l" rtl="0">
               <a:lnSpc>
                 <a:spcPct val="100000"/>
               </a:lnSpc>
@@ -7911,7 +8041,7 @@
               <a:buSzPts val="2800"/>
               <a:buFont typeface="Arial"/>
               <a:buNone/>
-              <a:defRPr b="0" i="0" sz="2800" u="none" cap="none" strike="noStrike">
+              <a:defRPr sz="2800" b="0" i="0" u="none" strike="noStrike" cap="none">
                 <a:solidFill>
                   <a:schemeClr val="dk1"/>
                 </a:solidFill>
@@ -7921,7 +8051,7 @@
                 <a:sym typeface="Arial"/>
               </a:defRPr>
             </a:lvl8pPr>
-            <a:lvl9pPr lvl="8" marR="0" rtl="0" algn="l">
+            <a:lvl9pPr marR="0" lvl="8" algn="l" rtl="0">
               <a:lnSpc>
                 <a:spcPct val="100000"/>
               </a:lnSpc>
@@ -7937,7 +8067,7 @@
               <a:buSzPts val="2800"/>
               <a:buFont typeface="Arial"/>
               <a:buNone/>
-              <a:defRPr b="0" i="0" sz="2800" u="none" cap="none" strike="noStrike">
+              <a:defRPr sz="2800" b="0" i="0" u="none" strike="noStrike" cap="none">
                 <a:solidFill>
                   <a:schemeClr val="dk1"/>
                 </a:solidFill>
@@ -7948,15 +8078,19 @@
               </a:defRPr>
             </a:lvl9pPr>
           </a:lstStyle>
-          <a:p/>
+          <a:p>
+            <a:endParaRPr/>
+          </a:p>
         </p:txBody>
       </p:sp>
       <p:sp>
         <p:nvSpPr>
           <p:cNvPr id="7" name="Google Shape;7;p3"/>
-          <p:cNvSpPr txBox="1"/>
+          <p:cNvSpPr txBox="1">
+            <a:spLocks noGrp="1"/>
+          </p:cNvSpPr>
           <p:nvPr>
-            <p:ph idx="1" type="body"/>
+            <p:ph type="body" idx="1"/>
           </p:nvPr>
         </p:nvSpPr>
         <p:spPr>
@@ -7973,11 +8107,11 @@
           </a:ln>
         </p:spPr>
         <p:txBody>
-          <a:bodyPr anchorCtr="0" anchor="t" bIns="91425" lIns="91425" spcFirstLastPara="1" rIns="91425" wrap="square" tIns="91425">
+          <a:bodyPr spcFirstLastPara="1" wrap="square" lIns="91425" tIns="91425" rIns="91425" bIns="91425" anchor="t" anchorCtr="0">
             <a:noAutofit/>
           </a:bodyPr>
           <a:lstStyle>
-            <a:lvl1pPr indent="-342900" lvl="0" marL="457200" marR="0" rtl="0" algn="l">
+            <a:lvl1pPr marL="457200" marR="0" lvl="0" indent="-342900" algn="l" rtl="0">
               <a:lnSpc>
                 <a:spcPct val="115000"/>
               </a:lnSpc>
@@ -7993,7 +8127,7 @@
               <a:buSzPts val="1800"/>
               <a:buFont typeface="Arial"/>
               <a:buChar char="●"/>
-              <a:defRPr b="0" i="0" sz="1800" u="none" cap="none" strike="noStrike">
+              <a:defRPr sz="1800" b="0" i="0" u="none" strike="noStrike" cap="none">
                 <a:solidFill>
                   <a:schemeClr val="dk2"/>
                 </a:solidFill>
@@ -8003,7 +8137,7 @@
                 <a:sym typeface="Arial"/>
               </a:defRPr>
             </a:lvl1pPr>
-            <a:lvl2pPr indent="-317500" lvl="1" marL="914400" marR="0" rtl="0" algn="l">
+            <a:lvl2pPr marL="914400" marR="0" lvl="1" indent="-317500" algn="l" rtl="0">
               <a:lnSpc>
                 <a:spcPct val="115000"/>
               </a:lnSpc>
@@ -8019,7 +8153,7 @@
               <a:buSzPts val="1400"/>
               <a:buFont typeface="Arial"/>
               <a:buChar char="○"/>
-              <a:defRPr b="0" i="0" sz="1400" u="none" cap="none" strike="noStrike">
+              <a:defRPr sz="1400" b="0" i="0" u="none" strike="noStrike" cap="none">
                 <a:solidFill>
                   <a:schemeClr val="dk2"/>
                 </a:solidFill>
@@ -8029,7 +8163,7 @@
                 <a:sym typeface="Arial"/>
               </a:defRPr>
             </a:lvl2pPr>
-            <a:lvl3pPr indent="-317500" lvl="2" marL="1371600" marR="0" rtl="0" algn="l">
+            <a:lvl3pPr marL="1371600" marR="0" lvl="2" indent="-317500" algn="l" rtl="0">
               <a:lnSpc>
                 <a:spcPct val="115000"/>
               </a:lnSpc>
@@ -8045,7 +8179,7 @@
               <a:buSzPts val="1400"/>
               <a:buFont typeface="Arial"/>
               <a:buChar char="■"/>
-              <a:defRPr b="0" i="0" sz="1400" u="none" cap="none" strike="noStrike">
+              <a:defRPr sz="1400" b="0" i="0" u="none" strike="noStrike" cap="none">
                 <a:solidFill>
                   <a:schemeClr val="dk2"/>
                 </a:solidFill>
@@ -8055,7 +8189,7 @@
                 <a:sym typeface="Arial"/>
               </a:defRPr>
             </a:lvl3pPr>
-            <a:lvl4pPr indent="-317500" lvl="3" marL="1828800" marR="0" rtl="0" algn="l">
+            <a:lvl4pPr marL="1828800" marR="0" lvl="3" indent="-317500" algn="l" rtl="0">
               <a:lnSpc>
                 <a:spcPct val="115000"/>
               </a:lnSpc>
@@ -8071,7 +8205,7 @@
               <a:buSzPts val="1400"/>
               <a:buFont typeface="Arial"/>
               <a:buChar char="●"/>
-              <a:defRPr b="0" i="0" sz="1400" u="none" cap="none" strike="noStrike">
+              <a:defRPr sz="1400" b="0" i="0" u="none" strike="noStrike" cap="none">
                 <a:solidFill>
                   <a:schemeClr val="dk2"/>
                 </a:solidFill>
@@ -8081,7 +8215,7 @@
                 <a:sym typeface="Arial"/>
               </a:defRPr>
             </a:lvl4pPr>
-            <a:lvl5pPr indent="-317500" lvl="4" marL="2286000" marR="0" rtl="0" algn="l">
+            <a:lvl5pPr marL="2286000" marR="0" lvl="4" indent="-317500" algn="l" rtl="0">
               <a:lnSpc>
                 <a:spcPct val="115000"/>
               </a:lnSpc>
@@ -8097,7 +8231,7 @@
               <a:buSzPts val="1400"/>
               <a:buFont typeface="Arial"/>
               <a:buChar char="○"/>
-              <a:defRPr b="0" i="0" sz="1400" u="none" cap="none" strike="noStrike">
+              <a:defRPr sz="1400" b="0" i="0" u="none" strike="noStrike" cap="none">
                 <a:solidFill>
                   <a:schemeClr val="dk2"/>
                 </a:solidFill>
@@ -8107,7 +8241,7 @@
                 <a:sym typeface="Arial"/>
               </a:defRPr>
             </a:lvl5pPr>
-            <a:lvl6pPr indent="-317500" lvl="5" marL="2743200" marR="0" rtl="0" algn="l">
+            <a:lvl6pPr marL="2743200" marR="0" lvl="5" indent="-317500" algn="l" rtl="0">
               <a:lnSpc>
                 <a:spcPct val="115000"/>
               </a:lnSpc>
@@ -8123,7 +8257,7 @@
               <a:buSzPts val="1400"/>
               <a:buFont typeface="Arial"/>
               <a:buChar char="■"/>
-              <a:defRPr b="0" i="0" sz="1400" u="none" cap="none" strike="noStrike">
+              <a:defRPr sz="1400" b="0" i="0" u="none" strike="noStrike" cap="none">
                 <a:solidFill>
                   <a:schemeClr val="dk2"/>
                 </a:solidFill>
@@ -8133,7 +8267,7 @@
                 <a:sym typeface="Arial"/>
               </a:defRPr>
             </a:lvl6pPr>
-            <a:lvl7pPr indent="-317500" lvl="6" marL="3200400" marR="0" rtl="0" algn="l">
+            <a:lvl7pPr marL="3200400" marR="0" lvl="6" indent="-317500" algn="l" rtl="0">
               <a:lnSpc>
                 <a:spcPct val="115000"/>
               </a:lnSpc>
@@ -8149,7 +8283,7 @@
               <a:buSzPts val="1400"/>
               <a:buFont typeface="Arial"/>
               <a:buChar char="●"/>
-              <a:defRPr b="0" i="0" sz="1400" u="none" cap="none" strike="noStrike">
+              <a:defRPr sz="1400" b="0" i="0" u="none" strike="noStrike" cap="none">
                 <a:solidFill>
                   <a:schemeClr val="dk2"/>
                 </a:solidFill>
@@ -8159,7 +8293,7 @@
                 <a:sym typeface="Arial"/>
               </a:defRPr>
             </a:lvl7pPr>
-            <a:lvl8pPr indent="-317500" lvl="7" marL="3657600" marR="0" rtl="0" algn="l">
+            <a:lvl8pPr marL="3657600" marR="0" lvl="7" indent="-317500" algn="l" rtl="0">
               <a:lnSpc>
                 <a:spcPct val="115000"/>
               </a:lnSpc>
@@ -8175,7 +8309,7 @@
               <a:buSzPts val="1400"/>
               <a:buFont typeface="Arial"/>
               <a:buChar char="○"/>
-              <a:defRPr b="0" i="0" sz="1400" u="none" cap="none" strike="noStrike">
+              <a:defRPr sz="1400" b="0" i="0" u="none" strike="noStrike" cap="none">
                 <a:solidFill>
                   <a:schemeClr val="dk2"/>
                 </a:solidFill>
@@ -8185,7 +8319,7 @@
                 <a:sym typeface="Arial"/>
               </a:defRPr>
             </a:lvl8pPr>
-            <a:lvl9pPr indent="-317500" lvl="8" marL="4114800" marR="0" rtl="0" algn="l">
+            <a:lvl9pPr marL="4114800" marR="0" lvl="8" indent="-317500" algn="l" rtl="0">
               <a:lnSpc>
                 <a:spcPct val="115000"/>
               </a:lnSpc>
@@ -8201,7 +8335,7 @@
               <a:buSzPts val="1400"/>
               <a:buFont typeface="Arial"/>
               <a:buChar char="■"/>
-              <a:defRPr b="0" i="0" sz="1400" u="none" cap="none" strike="noStrike">
+              <a:defRPr sz="1400" b="0" i="0" u="none" strike="noStrike" cap="none">
                 <a:solidFill>
                   <a:schemeClr val="dk2"/>
                 </a:solidFill>
@@ -8212,15 +8346,19 @@
               </a:defRPr>
             </a:lvl9pPr>
           </a:lstStyle>
-          <a:p/>
+          <a:p>
+            <a:endParaRPr/>
+          </a:p>
         </p:txBody>
       </p:sp>
       <p:sp>
         <p:nvSpPr>
           <p:cNvPr id="8" name="Google Shape;8;p3"/>
-          <p:cNvSpPr txBox="1"/>
+          <p:cNvSpPr txBox="1">
+            <a:spLocks noGrp="1"/>
+          </p:cNvSpPr>
           <p:nvPr>
-            <p:ph idx="12" type="sldNum"/>
+            <p:ph type="sldNum" idx="12"/>
           </p:nvPr>
         </p:nvSpPr>
         <p:spPr>
@@ -8237,27 +8375,27 @@
           </a:ln>
         </p:spPr>
         <p:txBody>
-          <a:bodyPr anchorCtr="0" anchor="ctr" bIns="91425" lIns="91425" spcFirstLastPara="1" rIns="91425" wrap="square" tIns="91425">
+          <a:bodyPr spcFirstLastPara="1" wrap="square" lIns="91425" tIns="91425" rIns="91425" bIns="91425" anchor="ctr" anchorCtr="0">
             <a:noAutofit/>
           </a:bodyPr>
           <a:lstStyle>
-            <a:lvl1pPr indent="0" lvl="0" marL="0" marR="0" rtl="0" algn="r">
-              <a:lnSpc>
-                <a:spcPct val="100000"/>
-              </a:lnSpc>
-              <a:spcBef>
-                <a:spcPts val="0"/>
-              </a:spcBef>
-              <a:spcAft>
-                <a:spcPts val="0"/>
-              </a:spcAft>
-              <a:buClr>
-                <a:srgbClr val="000000"/>
-              </a:buClr>
-              <a:buSzPts val="1000"/>
-              <a:buFont typeface="Arial"/>
-              <a:buNone/>
-              <a:defRPr b="0" i="0" sz="1000" u="none" cap="none" strike="noStrike">
+            <a:lvl1pPr marL="0" marR="0" lvl="0" indent="0" algn="r" rtl="0">
+              <a:lnSpc>
+                <a:spcPct val="100000"/>
+              </a:lnSpc>
+              <a:spcBef>
+                <a:spcPts val="0"/>
+              </a:spcBef>
+              <a:spcAft>
+                <a:spcPts val="0"/>
+              </a:spcAft>
+              <a:buClr>
+                <a:srgbClr val="000000"/>
+              </a:buClr>
+              <a:buSzPts val="1000"/>
+              <a:buFont typeface="Arial"/>
+              <a:buNone/>
+              <a:defRPr sz="1000" b="0" i="0" u="none" strike="noStrike" cap="none">
                 <a:solidFill>
                   <a:schemeClr val="dk2"/>
                 </a:solidFill>
@@ -8267,23 +8405,23 @@
                 <a:sym typeface="Arial"/>
               </a:defRPr>
             </a:lvl1pPr>
-            <a:lvl2pPr indent="0" lvl="1" marL="0" marR="0" rtl="0" algn="r">
-              <a:lnSpc>
-                <a:spcPct val="100000"/>
-              </a:lnSpc>
-              <a:spcBef>
-                <a:spcPts val="0"/>
-              </a:spcBef>
-              <a:spcAft>
-                <a:spcPts val="0"/>
-              </a:spcAft>
-              <a:buClr>
-                <a:srgbClr val="000000"/>
-              </a:buClr>
-              <a:buSzPts val="1000"/>
-              <a:buFont typeface="Arial"/>
-              <a:buNone/>
-              <a:defRPr b="0" i="0" sz="1000" u="none" cap="none" strike="noStrike">
+            <a:lvl2pPr marL="0" marR="0" lvl="1" indent="0" algn="r" rtl="0">
+              <a:lnSpc>
+                <a:spcPct val="100000"/>
+              </a:lnSpc>
+              <a:spcBef>
+                <a:spcPts val="0"/>
+              </a:spcBef>
+              <a:spcAft>
+                <a:spcPts val="0"/>
+              </a:spcAft>
+              <a:buClr>
+                <a:srgbClr val="000000"/>
+              </a:buClr>
+              <a:buSzPts val="1000"/>
+              <a:buFont typeface="Arial"/>
+              <a:buNone/>
+              <a:defRPr sz="1000" b="0" i="0" u="none" strike="noStrike" cap="none">
                 <a:solidFill>
                   <a:schemeClr val="dk2"/>
                 </a:solidFill>
@@ -8293,23 +8431,23 @@
                 <a:sym typeface="Arial"/>
               </a:defRPr>
             </a:lvl2pPr>
-            <a:lvl3pPr indent="0" lvl="2" marL="0" marR="0" rtl="0" algn="r">
-              <a:lnSpc>
-                <a:spcPct val="100000"/>
-              </a:lnSpc>
-              <a:spcBef>
-                <a:spcPts val="0"/>
-              </a:spcBef>
-              <a:spcAft>
-                <a:spcPts val="0"/>
-              </a:spcAft>
-              <a:buClr>
-                <a:srgbClr val="000000"/>
-              </a:buClr>
-              <a:buSzPts val="1000"/>
-              <a:buFont typeface="Arial"/>
-              <a:buNone/>
-              <a:defRPr b="0" i="0" sz="1000" u="none" cap="none" strike="noStrike">
+            <a:lvl3pPr marL="0" marR="0" lvl="2" indent="0" algn="r" rtl="0">
+              <a:lnSpc>
+                <a:spcPct val="100000"/>
+              </a:lnSpc>
+              <a:spcBef>
+                <a:spcPts val="0"/>
+              </a:spcBef>
+              <a:spcAft>
+                <a:spcPts val="0"/>
+              </a:spcAft>
+              <a:buClr>
+                <a:srgbClr val="000000"/>
+              </a:buClr>
+              <a:buSzPts val="1000"/>
+              <a:buFont typeface="Arial"/>
+              <a:buNone/>
+              <a:defRPr sz="1000" b="0" i="0" u="none" strike="noStrike" cap="none">
                 <a:solidFill>
                   <a:schemeClr val="dk2"/>
                 </a:solidFill>
@@ -8319,23 +8457,23 @@
                 <a:sym typeface="Arial"/>
               </a:defRPr>
             </a:lvl3pPr>
-            <a:lvl4pPr indent="0" lvl="3" marL="0" marR="0" rtl="0" algn="r">
-              <a:lnSpc>
-                <a:spcPct val="100000"/>
-              </a:lnSpc>
-              <a:spcBef>
-                <a:spcPts val="0"/>
-              </a:spcBef>
-              <a:spcAft>
-                <a:spcPts val="0"/>
-              </a:spcAft>
-              <a:buClr>
-                <a:srgbClr val="000000"/>
-              </a:buClr>
-              <a:buSzPts val="1000"/>
-              <a:buFont typeface="Arial"/>
-              <a:buNone/>
-              <a:defRPr b="0" i="0" sz="1000" u="none" cap="none" strike="noStrike">
+            <a:lvl4pPr marL="0" marR="0" lvl="3" indent="0" algn="r" rtl="0">
+              <a:lnSpc>
+                <a:spcPct val="100000"/>
+              </a:lnSpc>
+              <a:spcBef>
+                <a:spcPts val="0"/>
+              </a:spcBef>
+              <a:spcAft>
+                <a:spcPts val="0"/>
+              </a:spcAft>
+              <a:buClr>
+                <a:srgbClr val="000000"/>
+              </a:buClr>
+              <a:buSzPts val="1000"/>
+              <a:buFont typeface="Arial"/>
+              <a:buNone/>
+              <a:defRPr sz="1000" b="0" i="0" u="none" strike="noStrike" cap="none">
                 <a:solidFill>
                   <a:schemeClr val="dk2"/>
                 </a:solidFill>
@@ -8345,23 +8483,23 @@
                 <a:sym typeface="Arial"/>
               </a:defRPr>
             </a:lvl4pPr>
-            <a:lvl5pPr indent="0" lvl="4" marL="0" marR="0" rtl="0" algn="r">
-              <a:lnSpc>
-                <a:spcPct val="100000"/>
-              </a:lnSpc>
-              <a:spcBef>
-                <a:spcPts val="0"/>
-              </a:spcBef>
-              <a:spcAft>
-                <a:spcPts val="0"/>
-              </a:spcAft>
-              <a:buClr>
-                <a:srgbClr val="000000"/>
-              </a:buClr>
-              <a:buSzPts val="1000"/>
-              <a:buFont typeface="Arial"/>
-              <a:buNone/>
-              <a:defRPr b="0" i="0" sz="1000" u="none" cap="none" strike="noStrike">
+            <a:lvl5pPr marL="0" marR="0" lvl="4" indent="0" algn="r" rtl="0">
+              <a:lnSpc>
+                <a:spcPct val="100000"/>
+              </a:lnSpc>
+              <a:spcBef>
+                <a:spcPts val="0"/>
+              </a:spcBef>
+              <a:spcAft>
+                <a:spcPts val="0"/>
+              </a:spcAft>
+              <a:buClr>
+                <a:srgbClr val="000000"/>
+              </a:buClr>
+              <a:buSzPts val="1000"/>
+              <a:buFont typeface="Arial"/>
+              <a:buNone/>
+              <a:defRPr sz="1000" b="0" i="0" u="none" strike="noStrike" cap="none">
                 <a:solidFill>
                   <a:schemeClr val="dk2"/>
                 </a:solidFill>
@@ -8371,23 +8509,23 @@
                 <a:sym typeface="Arial"/>
               </a:defRPr>
             </a:lvl5pPr>
-            <a:lvl6pPr indent="0" lvl="5" marL="0" marR="0" rtl="0" algn="r">
-              <a:lnSpc>
-                <a:spcPct val="100000"/>
-              </a:lnSpc>
-              <a:spcBef>
-                <a:spcPts val="0"/>
-              </a:spcBef>
-              <a:spcAft>
-                <a:spcPts val="0"/>
-              </a:spcAft>
-              <a:buClr>
-                <a:srgbClr val="000000"/>
-              </a:buClr>
-              <a:buSzPts val="1000"/>
-              <a:buFont typeface="Arial"/>
-              <a:buNone/>
-              <a:defRPr b="0" i="0" sz="1000" u="none" cap="none" strike="noStrike">
+            <a:lvl6pPr marL="0" marR="0" lvl="5" indent="0" algn="r" rtl="0">
+              <a:lnSpc>
+                <a:spcPct val="100000"/>
+              </a:lnSpc>
+              <a:spcBef>
+                <a:spcPts val="0"/>
+              </a:spcBef>
+              <a:spcAft>
+                <a:spcPts val="0"/>
+              </a:spcAft>
+              <a:buClr>
+                <a:srgbClr val="000000"/>
+              </a:buClr>
+              <a:buSzPts val="1000"/>
+              <a:buFont typeface="Arial"/>
+              <a:buNone/>
+              <a:defRPr sz="1000" b="0" i="0" u="none" strike="noStrike" cap="none">
                 <a:solidFill>
                   <a:schemeClr val="dk2"/>
                 </a:solidFill>
@@ -8397,23 +8535,23 @@
                 <a:sym typeface="Arial"/>
               </a:defRPr>
             </a:lvl6pPr>
-            <a:lvl7pPr indent="0" lvl="6" marL="0" marR="0" rtl="0" algn="r">
-              <a:lnSpc>
-                <a:spcPct val="100000"/>
-              </a:lnSpc>
-              <a:spcBef>
-                <a:spcPts val="0"/>
-              </a:spcBef>
-              <a:spcAft>
-                <a:spcPts val="0"/>
-              </a:spcAft>
-              <a:buClr>
-                <a:srgbClr val="000000"/>
-              </a:buClr>
-              <a:buSzPts val="1000"/>
-              <a:buFont typeface="Arial"/>
-              <a:buNone/>
-              <a:defRPr b="0" i="0" sz="1000" u="none" cap="none" strike="noStrike">
+            <a:lvl7pPr marL="0" marR="0" lvl="6" indent="0" algn="r" rtl="0">
+              <a:lnSpc>
+                <a:spcPct val="100000"/>
+              </a:lnSpc>
+              <a:spcBef>
+                <a:spcPts val="0"/>
+              </a:spcBef>
+              <a:spcAft>
+                <a:spcPts val="0"/>
+              </a:spcAft>
+              <a:buClr>
+                <a:srgbClr val="000000"/>
+              </a:buClr>
+              <a:buSzPts val="1000"/>
+              <a:buFont typeface="Arial"/>
+              <a:buNone/>
+              <a:defRPr sz="1000" b="0" i="0" u="none" strike="noStrike" cap="none">
                 <a:solidFill>
                   <a:schemeClr val="dk2"/>
                 </a:solidFill>
@@ -8423,23 +8561,23 @@
                 <a:sym typeface="Arial"/>
               </a:defRPr>
             </a:lvl7pPr>
-            <a:lvl8pPr indent="0" lvl="7" marL="0" marR="0" rtl="0" algn="r">
-              <a:lnSpc>
-                <a:spcPct val="100000"/>
-              </a:lnSpc>
-              <a:spcBef>
-                <a:spcPts val="0"/>
-              </a:spcBef>
-              <a:spcAft>
-                <a:spcPts val="0"/>
-              </a:spcAft>
-              <a:buClr>
-                <a:srgbClr val="000000"/>
-              </a:buClr>
-              <a:buSzPts val="1000"/>
-              <a:buFont typeface="Arial"/>
-              <a:buNone/>
-              <a:defRPr b="0" i="0" sz="1000" u="none" cap="none" strike="noStrike">
+            <a:lvl8pPr marL="0" marR="0" lvl="7" indent="0" algn="r" rtl="0">
+              <a:lnSpc>
+                <a:spcPct val="100000"/>
+              </a:lnSpc>
+              <a:spcBef>
+                <a:spcPts val="0"/>
+              </a:spcBef>
+              <a:spcAft>
+                <a:spcPts val="0"/>
+              </a:spcAft>
+              <a:buClr>
+                <a:srgbClr val="000000"/>
+              </a:buClr>
+              <a:buSzPts val="1000"/>
+              <a:buFont typeface="Arial"/>
+              <a:buNone/>
+              <a:defRPr sz="1000" b="0" i="0" u="none" strike="noStrike" cap="none">
                 <a:solidFill>
                   <a:schemeClr val="dk2"/>
                 </a:solidFill>
@@ -8449,23 +8587,23 @@
                 <a:sym typeface="Arial"/>
               </a:defRPr>
             </a:lvl8pPr>
-            <a:lvl9pPr indent="0" lvl="8" marL="0" marR="0" rtl="0" algn="r">
-              <a:lnSpc>
-                <a:spcPct val="100000"/>
-              </a:lnSpc>
-              <a:spcBef>
-                <a:spcPts val="0"/>
-              </a:spcBef>
-              <a:spcAft>
-                <a:spcPts val="0"/>
-              </a:spcAft>
-              <a:buClr>
-                <a:srgbClr val="000000"/>
-              </a:buClr>
-              <a:buSzPts val="1000"/>
-              <a:buFont typeface="Arial"/>
-              <a:buNone/>
-              <a:defRPr b="0" i="0" sz="1000" u="none" cap="none" strike="noStrike">
+            <a:lvl9pPr marL="0" marR="0" lvl="8" indent="0" algn="r" rtl="0">
+              <a:lnSpc>
+                <a:spcPct val="100000"/>
+              </a:lnSpc>
+              <a:spcBef>
+                <a:spcPts val="0"/>
+              </a:spcBef>
+              <a:spcAft>
+                <a:spcPts val="0"/>
+              </a:spcAft>
+              <a:buClr>
+                <a:srgbClr val="000000"/>
+              </a:buClr>
+              <a:buSzPts val="1000"/>
+              <a:buFont typeface="Arial"/>
+              <a:buNone/>
+              <a:defRPr sz="1000" b="0" i="0" u="none" strike="noStrike" cap="none">
                 <a:solidFill>
                   <a:schemeClr val="dk2"/>
                 </a:solidFill>
@@ -8477,7 +8615,7 @@
             </a:lvl9pPr>
           </a:lstStyle>
           <a:p>
-            <a:pPr indent="0" lvl="0" marL="0" rtl="0" algn="r">
+            <a:pPr marL="0" lvl="0" indent="0" algn="r" rtl="0">
               <a:spcBef>
                 <a:spcPts val="0"/>
               </a:spcBef>
@@ -8496,7 +8634,7 @@
       </p:sp>
     </p:spTree>
   </p:cSld>
-  <p:clrMap accent1="accent1" accent2="accent2" accent3="accent3" accent4="accent4" accent5="accent5" accent6="accent6" bg1="lt1" bg2="dk2" tx1="dk1" tx2="lt2" folHlink="folHlink" hlink="hlink"/>
+  <p:clrMap bg1="lt1" tx1="dk1" bg2="dk2" tx2="lt2" accent1="accent1" accent2="accent2" accent3="accent3" accent4="accent4" accent5="accent5" accent6="accent6" hlink="hlink" folHlink="folHlink"/>
   <p:sldLayoutIdLst>
     <p:sldLayoutId id="2147483649" r:id="rId1"/>
     <p:sldLayoutId id="2147483650" r:id="rId2"/>
@@ -8511,10 +8649,10 @@
     <p:sldLayoutId id="2147483659" r:id="rId11"/>
     <p:sldLayoutId id="2147483660" r:id="rId12"/>
   </p:sldLayoutIdLst>
-  <p:hf dt="0" ftr="0" hdr="0" sldNum="0"/>
+  <p:hf sldNum="0" hdr="0" ftr="0" dt="0"/>
   <p:txStyles>
     <p:titleStyle>
-      <a:defPPr lvl="0" marR="0" rtl="0" algn="l">
+      <a:defPPr marR="0" lvl="0" algn="l" rtl="0">
         <a:lnSpc>
           <a:spcPct val="100000"/>
         </a:lnSpc>
@@ -8525,7 +8663,7 @@
           <a:spcPts val="0"/>
         </a:spcAft>
       </a:defPPr>
-      <a:lvl1pPr lvl="0" marR="0" rtl="0" algn="l">
+      <a:lvl1pPr marR="0" lvl="0" algn="l" rtl="0">
         <a:lnSpc>
           <a:spcPct val="100000"/>
         </a:lnSpc>
@@ -8539,7 +8677,7 @@
           <a:srgbClr val="000000"/>
         </a:buClr>
         <a:buFont typeface="Arial"/>
-        <a:defRPr b="0" i="0" sz="1400" u="none" cap="none" strike="noStrike">
+        <a:defRPr sz="1400" b="0" i="0" u="none" strike="noStrike" cap="none">
           <a:solidFill>
             <a:srgbClr val="000000"/>
           </a:solidFill>
@@ -8549,7 +8687,7 @@
           <a:sym typeface="Arial"/>
         </a:defRPr>
       </a:lvl1pPr>
-      <a:lvl2pPr lvl="1" marR="0" rtl="0" algn="l">
+      <a:lvl2pPr marR="0" lvl="1" algn="l" rtl="0">
         <a:lnSpc>
           <a:spcPct val="100000"/>
         </a:lnSpc>
@@ -8563,7 +8701,7 @@
           <a:srgbClr val="000000"/>
         </a:buClr>
         <a:buFont typeface="Arial"/>
-        <a:defRPr b="0" i="0" sz="1400" u="none" cap="none" strike="noStrike">
+        <a:defRPr sz="1400" b="0" i="0" u="none" strike="noStrike" cap="none">
           <a:solidFill>
             <a:srgbClr val="000000"/>
           </a:solidFill>
@@ -8573,7 +8711,7 @@
           <a:sym typeface="Arial"/>
         </a:defRPr>
       </a:lvl2pPr>
-      <a:lvl3pPr lvl="2" marR="0" rtl="0" algn="l">
+      <a:lvl3pPr marR="0" lvl="2" algn="l" rtl="0">
         <a:lnSpc>
           <a:spcPct val="100000"/>
         </a:lnSpc>
@@ -8587,7 +8725,7 @@
           <a:srgbClr val="000000"/>
         </a:buClr>
         <a:buFont typeface="Arial"/>
-        <a:defRPr b="0" i="0" sz="1400" u="none" cap="none" strike="noStrike">
+        <a:defRPr sz="1400" b="0" i="0" u="none" strike="noStrike" cap="none">
           <a:solidFill>
             <a:srgbClr val="000000"/>
           </a:solidFill>
@@ -8597,7 +8735,7 @@
           <a:sym typeface="Arial"/>
         </a:defRPr>
       </a:lvl3pPr>
-      <a:lvl4pPr lvl="3" marR="0" rtl="0" algn="l">
+      <a:lvl4pPr marR="0" lvl="3" algn="l" rtl="0">
         <a:lnSpc>
           <a:spcPct val="100000"/>
         </a:lnSpc>
@@ -8611,7 +8749,7 @@
           <a:srgbClr val="000000"/>
         </a:buClr>
         <a:buFont typeface="Arial"/>
-        <a:defRPr b="0" i="0" sz="1400" u="none" cap="none" strike="noStrike">
+        <a:defRPr sz="1400" b="0" i="0" u="none" strike="noStrike" cap="none">
           <a:solidFill>
             <a:srgbClr val="000000"/>
           </a:solidFill>
@@ -8621,7 +8759,7 @@
           <a:sym typeface="Arial"/>
         </a:defRPr>
       </a:lvl4pPr>
-      <a:lvl5pPr lvl="4" marR="0" rtl="0" algn="l">
+      <a:lvl5pPr marR="0" lvl="4" algn="l" rtl="0">
         <a:lnSpc>
           <a:spcPct val="100000"/>
         </a:lnSpc>
@@ -8635,7 +8773,7 @@
           <a:srgbClr val="000000"/>
         </a:buClr>
         <a:buFont typeface="Arial"/>
-        <a:defRPr b="0" i="0" sz="1400" u="none" cap="none" strike="noStrike">
+        <a:defRPr sz="1400" b="0" i="0" u="none" strike="noStrike" cap="none">
           <a:solidFill>
             <a:srgbClr val="000000"/>
           </a:solidFill>
@@ -8645,7 +8783,7 @@
           <a:sym typeface="Arial"/>
         </a:defRPr>
       </a:lvl5pPr>
-      <a:lvl6pPr lvl="5" marR="0" rtl="0" algn="l">
+      <a:lvl6pPr marR="0" lvl="5" algn="l" rtl="0">
         <a:lnSpc>
           <a:spcPct val="100000"/>
         </a:lnSpc>
@@ -8659,7 +8797,7 @@
           <a:srgbClr val="000000"/>
         </a:buClr>
         <a:buFont typeface="Arial"/>
-        <a:defRPr b="0" i="0" sz="1400" u="none" cap="none" strike="noStrike">
+        <a:defRPr sz="1400" b="0" i="0" u="none" strike="noStrike" cap="none">
           <a:solidFill>
             <a:srgbClr val="000000"/>
           </a:solidFill>
@@ -8669,7 +8807,7 @@
           <a:sym typeface="Arial"/>
         </a:defRPr>
       </a:lvl6pPr>
-      <a:lvl7pPr lvl="6" marR="0" rtl="0" algn="l">
+      <a:lvl7pPr marR="0" lvl="6" algn="l" rtl="0">
         <a:lnSpc>
           <a:spcPct val="100000"/>
         </a:lnSpc>
@@ -8683,7 +8821,7 @@
           <a:srgbClr val="000000"/>
         </a:buClr>
         <a:buFont typeface="Arial"/>
-        <a:defRPr b="0" i="0" sz="1400" u="none" cap="none" strike="noStrike">
+        <a:defRPr sz="1400" b="0" i="0" u="none" strike="noStrike" cap="none">
           <a:solidFill>
             <a:srgbClr val="000000"/>
           </a:solidFill>
@@ -8693,7 +8831,7 @@
           <a:sym typeface="Arial"/>
         </a:defRPr>
       </a:lvl7pPr>
-      <a:lvl8pPr lvl="7" marR="0" rtl="0" algn="l">
+      <a:lvl8pPr marR="0" lvl="7" algn="l" rtl="0">
         <a:lnSpc>
           <a:spcPct val="100000"/>
         </a:lnSpc>
@@ -8707,7 +8845,7 @@
           <a:srgbClr val="000000"/>
         </a:buClr>
         <a:buFont typeface="Arial"/>
-        <a:defRPr b="0" i="0" sz="1400" u="none" cap="none" strike="noStrike">
+        <a:defRPr sz="1400" b="0" i="0" u="none" strike="noStrike" cap="none">
           <a:solidFill>
             <a:srgbClr val="000000"/>
           </a:solidFill>
@@ -8717,7 +8855,7 @@
           <a:sym typeface="Arial"/>
         </a:defRPr>
       </a:lvl8pPr>
-      <a:lvl9pPr lvl="8" marR="0" rtl="0" algn="l">
+      <a:lvl9pPr marR="0" lvl="8" algn="l" rtl="0">
         <a:lnSpc>
           <a:spcPct val="100000"/>
         </a:lnSpc>
@@ -8731,7 +8869,7 @@
           <a:srgbClr val="000000"/>
         </a:buClr>
         <a:buFont typeface="Arial"/>
-        <a:defRPr b="0" i="0" sz="1400" u="none" cap="none" strike="noStrike">
+        <a:defRPr sz="1400" b="0" i="0" u="none" strike="noStrike" cap="none">
           <a:solidFill>
             <a:srgbClr val="000000"/>
           </a:solidFill>
@@ -8743,7 +8881,7 @@
       </a:lvl9pPr>
     </p:titleStyle>
     <p:bodyStyle>
-      <a:defPPr lvl="0" marR="0" rtl="0" algn="l">
+      <a:defPPr marR="0" lvl="0" algn="l" rtl="0">
         <a:lnSpc>
           <a:spcPct val="100000"/>
         </a:lnSpc>
@@ -8754,7 +8892,7 @@
           <a:spcPts val="0"/>
         </a:spcAft>
       </a:defPPr>
-      <a:lvl1pPr lvl="0" marR="0" rtl="0" algn="l">
+      <a:lvl1pPr marR="0" lvl="0" algn="l" rtl="0">
         <a:lnSpc>
           <a:spcPct val="100000"/>
         </a:lnSpc>
@@ -8768,7 +8906,7 @@
           <a:srgbClr val="000000"/>
         </a:buClr>
         <a:buFont typeface="Arial"/>
-        <a:defRPr b="0" i="0" sz="1400" u="none" cap="none" strike="noStrike">
+        <a:defRPr sz="1400" b="0" i="0" u="none" strike="noStrike" cap="none">
           <a:solidFill>
             <a:srgbClr val="000000"/>
           </a:solidFill>
@@ -8778,7 +8916,7 @@
           <a:sym typeface="Arial"/>
         </a:defRPr>
       </a:lvl1pPr>
-      <a:lvl2pPr lvl="1" marR="0" rtl="0" algn="l">
+      <a:lvl2pPr marR="0" lvl="1" algn="l" rtl="0">
         <a:lnSpc>
           <a:spcPct val="100000"/>
         </a:lnSpc>
@@ -8792,7 +8930,7 @@
           <a:srgbClr val="000000"/>
         </a:buClr>
         <a:buFont typeface="Arial"/>
-        <a:defRPr b="0" i="0" sz="1400" u="none" cap="none" strike="noStrike">
+        <a:defRPr sz="1400" b="0" i="0" u="none" strike="noStrike" cap="none">
           <a:solidFill>
             <a:srgbClr val="000000"/>
           </a:solidFill>
@@ -8802,7 +8940,7 @@
           <a:sym typeface="Arial"/>
         </a:defRPr>
       </a:lvl2pPr>
-      <a:lvl3pPr lvl="2" marR="0" rtl="0" algn="l">
+      <a:lvl3pPr marR="0" lvl="2" algn="l" rtl="0">
         <a:lnSpc>
           <a:spcPct val="100000"/>
         </a:lnSpc>
@@ -8816,7 +8954,7 @@
           <a:srgbClr val="000000"/>
         </a:buClr>
         <a:buFont typeface="Arial"/>
-        <a:defRPr b="0" i="0" sz="1400" u="none" cap="none" strike="noStrike">
+        <a:defRPr sz="1400" b="0" i="0" u="none" strike="noStrike" cap="none">
           <a:solidFill>
             <a:srgbClr val="000000"/>
           </a:solidFill>
@@ -8826,7 +8964,7 @@
           <a:sym typeface="Arial"/>
         </a:defRPr>
       </a:lvl3pPr>
-      <a:lvl4pPr lvl="3" marR="0" rtl="0" algn="l">
+      <a:lvl4pPr marR="0" lvl="3" algn="l" rtl="0">
         <a:lnSpc>
           <a:spcPct val="100000"/>
         </a:lnSpc>
@@ -8840,7 +8978,7 @@
           <a:srgbClr val="000000"/>
         </a:buClr>
         <a:buFont typeface="Arial"/>
-        <a:defRPr b="0" i="0" sz="1400" u="none" cap="none" strike="noStrike">
+        <a:defRPr sz="1400" b="0" i="0" u="none" strike="noStrike" cap="none">
           <a:solidFill>
             <a:srgbClr val="000000"/>
           </a:solidFill>
@@ -8850,7 +8988,7 @@
           <a:sym typeface="Arial"/>
         </a:defRPr>
       </a:lvl4pPr>
-      <a:lvl5pPr lvl="4" marR="0" rtl="0" algn="l">
+      <a:lvl5pPr marR="0" lvl="4" algn="l" rtl="0">
         <a:lnSpc>
           <a:spcPct val="100000"/>
         </a:lnSpc>
@@ -8864,7 +9002,7 @@
           <a:srgbClr val="000000"/>
         </a:buClr>
         <a:buFont typeface="Arial"/>
-        <a:defRPr b="0" i="0" sz="1400" u="none" cap="none" strike="noStrike">
+        <a:defRPr sz="1400" b="0" i="0" u="none" strike="noStrike" cap="none">
           <a:solidFill>
             <a:srgbClr val="000000"/>
           </a:solidFill>
@@ -8874,7 +9012,7 @@
           <a:sym typeface="Arial"/>
         </a:defRPr>
       </a:lvl5pPr>
-      <a:lvl6pPr lvl="5" marR="0" rtl="0" algn="l">
+      <a:lvl6pPr marR="0" lvl="5" algn="l" rtl="0">
         <a:lnSpc>
           <a:spcPct val="100000"/>
         </a:lnSpc>
@@ -8888,7 +9026,7 @@
           <a:srgbClr val="000000"/>
         </a:buClr>
         <a:buFont typeface="Arial"/>
-        <a:defRPr b="0" i="0" sz="1400" u="none" cap="none" strike="noStrike">
+        <a:defRPr sz="1400" b="0" i="0" u="none" strike="noStrike" cap="none">
           <a:solidFill>
             <a:srgbClr val="000000"/>
           </a:solidFill>
@@ -8898,7 +9036,7 @@
           <a:sym typeface="Arial"/>
         </a:defRPr>
       </a:lvl6pPr>
-      <a:lvl7pPr lvl="6" marR="0" rtl="0" algn="l">
+      <a:lvl7pPr marR="0" lvl="6" algn="l" rtl="0">
         <a:lnSpc>
           <a:spcPct val="100000"/>
         </a:lnSpc>
@@ -8912,7 +9050,7 @@
           <a:srgbClr val="000000"/>
         </a:buClr>
         <a:buFont typeface="Arial"/>
-        <a:defRPr b="0" i="0" sz="1400" u="none" cap="none" strike="noStrike">
+        <a:defRPr sz="1400" b="0" i="0" u="none" strike="noStrike" cap="none">
           <a:solidFill>
             <a:srgbClr val="000000"/>
           </a:solidFill>
@@ -8922,7 +9060,7 @@
           <a:sym typeface="Arial"/>
         </a:defRPr>
       </a:lvl7pPr>
-      <a:lvl8pPr lvl="7" marR="0" rtl="0" algn="l">
+      <a:lvl8pPr marR="0" lvl="7" algn="l" rtl="0">
         <a:lnSpc>
           <a:spcPct val="100000"/>
         </a:lnSpc>
@@ -8936,7 +9074,7 @@
           <a:srgbClr val="000000"/>
         </a:buClr>
         <a:buFont typeface="Arial"/>
-        <a:defRPr b="0" i="0" sz="1400" u="none" cap="none" strike="noStrike">
+        <a:defRPr sz="1400" b="0" i="0" u="none" strike="noStrike" cap="none">
           <a:solidFill>
             <a:srgbClr val="000000"/>
           </a:solidFill>
@@ -8946,7 +9084,7 @@
           <a:sym typeface="Arial"/>
         </a:defRPr>
       </a:lvl8pPr>
-      <a:lvl9pPr lvl="8" marR="0" rtl="0" algn="l">
+      <a:lvl9pPr marR="0" lvl="8" algn="l" rtl="0">
         <a:lnSpc>
           <a:spcPct val="100000"/>
         </a:lnSpc>
@@ -8960,7 +9098,7 @@
           <a:srgbClr val="000000"/>
         </a:buClr>
         <a:buFont typeface="Arial"/>
-        <a:defRPr b="0" i="0" sz="1400" u="none" cap="none" strike="noStrike">
+        <a:defRPr sz="1400" b="0" i="0" u="none" strike="noStrike" cap="none">
           <a:solidFill>
             <a:srgbClr val="000000"/>
           </a:solidFill>
@@ -8972,7 +9110,7 @@
       </a:lvl9pPr>
     </p:bodyStyle>
     <p:otherStyle>
-      <a:defPPr lvl="0" marR="0" rtl="0" algn="l">
+      <a:defPPr marR="0" lvl="0" algn="l" rtl="0">
         <a:lnSpc>
           <a:spcPct val="100000"/>
         </a:lnSpc>
@@ -8983,7 +9121,7 @@
           <a:spcPts val="0"/>
         </a:spcAft>
       </a:defPPr>
-      <a:lvl1pPr lvl="0" marR="0" rtl="0" algn="l">
+      <a:lvl1pPr marR="0" lvl="0" algn="l" rtl="0">
         <a:lnSpc>
           <a:spcPct val="100000"/>
         </a:lnSpc>
@@ -8997,7 +9135,7 @@
           <a:srgbClr val="000000"/>
         </a:buClr>
         <a:buFont typeface="Arial"/>
-        <a:defRPr b="0" i="0" sz="1400" u="none" cap="none" strike="noStrike">
+        <a:defRPr sz="1400" b="0" i="0" u="none" strike="noStrike" cap="none">
           <a:solidFill>
             <a:srgbClr val="000000"/>
           </a:solidFill>
@@ -9007,7 +9145,7 @@
           <a:sym typeface="Arial"/>
         </a:defRPr>
       </a:lvl1pPr>
-      <a:lvl2pPr lvl="1" marR="0" rtl="0" algn="l">
+      <a:lvl2pPr marR="0" lvl="1" algn="l" rtl="0">
         <a:lnSpc>
           <a:spcPct val="100000"/>
         </a:lnSpc>
@@ -9021,7 +9159,7 @@
           <a:srgbClr val="000000"/>
         </a:buClr>
         <a:buFont typeface="Arial"/>
-        <a:defRPr b="0" i="0" sz="1400" u="none" cap="none" strike="noStrike">
+        <a:defRPr sz="1400" b="0" i="0" u="none" strike="noStrike" cap="none">
           <a:solidFill>
             <a:srgbClr val="000000"/>
           </a:solidFill>
@@ -9031,7 +9169,7 @@
           <a:sym typeface="Arial"/>
         </a:defRPr>
       </a:lvl2pPr>
-      <a:lvl3pPr lvl="2" marR="0" rtl="0" algn="l">
+      <a:lvl3pPr marR="0" lvl="2" algn="l" rtl="0">
         <a:lnSpc>
           <a:spcPct val="100000"/>
         </a:lnSpc>
@@ -9045,7 +9183,7 @@
           <a:srgbClr val="000000"/>
         </a:buClr>
         <a:buFont typeface="Arial"/>
-        <a:defRPr b="0" i="0" sz="1400" u="none" cap="none" strike="noStrike">
+        <a:defRPr sz="1400" b="0" i="0" u="none" strike="noStrike" cap="none">
           <a:solidFill>
             <a:srgbClr val="000000"/>
           </a:solidFill>
@@ -9055,7 +9193,7 @@
           <a:sym typeface="Arial"/>
         </a:defRPr>
       </a:lvl3pPr>
-      <a:lvl4pPr lvl="3" marR="0" rtl="0" algn="l">
+      <a:lvl4pPr marR="0" lvl="3" algn="l" rtl="0">
         <a:lnSpc>
           <a:spcPct val="100000"/>
         </a:lnSpc>
@@ -9069,7 +9207,7 @@
           <a:srgbClr val="000000"/>
         </a:buClr>
         <a:buFont typeface="Arial"/>
-        <a:defRPr b="0" i="0" sz="1400" u="none" cap="none" strike="noStrike">
+        <a:defRPr sz="1400" b="0" i="0" u="none" strike="noStrike" cap="none">
           <a:solidFill>
             <a:srgbClr val="000000"/>
           </a:solidFill>
@@ -9079,7 +9217,7 @@
           <a:sym typeface="Arial"/>
         </a:defRPr>
       </a:lvl4pPr>
-      <a:lvl5pPr lvl="4" marR="0" rtl="0" algn="l">
+      <a:lvl5pPr marR="0" lvl="4" algn="l" rtl="0">
         <a:lnSpc>
           <a:spcPct val="100000"/>
         </a:lnSpc>
@@ -9093,7 +9231,7 @@
           <a:srgbClr val="000000"/>
         </a:buClr>
         <a:buFont typeface="Arial"/>
-        <a:defRPr b="0" i="0" sz="1400" u="none" cap="none" strike="noStrike">
+        <a:defRPr sz="1400" b="0" i="0" u="none" strike="noStrike" cap="none">
           <a:solidFill>
             <a:srgbClr val="000000"/>
           </a:solidFill>
@@ -9103,7 +9241,7 @@
           <a:sym typeface="Arial"/>
         </a:defRPr>
       </a:lvl5pPr>
-      <a:lvl6pPr lvl="5" marR="0" rtl="0" algn="l">
+      <a:lvl6pPr marR="0" lvl="5" algn="l" rtl="0">
         <a:lnSpc>
           <a:spcPct val="100000"/>
         </a:lnSpc>
@@ -9117,7 +9255,7 @@
           <a:srgbClr val="000000"/>
         </a:buClr>
         <a:buFont typeface="Arial"/>
-        <a:defRPr b="0" i="0" sz="1400" u="none" cap="none" strike="noStrike">
+        <a:defRPr sz="1400" b="0" i="0" u="none" strike="noStrike" cap="none">
           <a:solidFill>
             <a:srgbClr val="000000"/>
           </a:solidFill>
@@ -9127,7 +9265,7 @@
           <a:sym typeface="Arial"/>
         </a:defRPr>
       </a:lvl6pPr>
-      <a:lvl7pPr lvl="6" marR="0" rtl="0" algn="l">
+      <a:lvl7pPr marR="0" lvl="6" algn="l" rtl="0">
         <a:lnSpc>
           <a:spcPct val="100000"/>
         </a:lnSpc>
@@ -9141,7 +9279,7 @@
           <a:srgbClr val="000000"/>
         </a:buClr>
         <a:buFont typeface="Arial"/>
-        <a:defRPr b="0" i="0" sz="1400" u="none" cap="none" strike="noStrike">
+        <a:defRPr sz="1400" b="0" i="0" u="none" strike="noStrike" cap="none">
           <a:solidFill>
             <a:srgbClr val="000000"/>
           </a:solidFill>
@@ -9151,7 +9289,7 @@
           <a:sym typeface="Arial"/>
         </a:defRPr>
       </a:lvl7pPr>
-      <a:lvl8pPr lvl="7" marR="0" rtl="0" algn="l">
+      <a:lvl8pPr marR="0" lvl="7" algn="l" rtl="0">
         <a:lnSpc>
           <a:spcPct val="100000"/>
         </a:lnSpc>
@@ -9165,7 +9303,7 @@
           <a:srgbClr val="000000"/>
         </a:buClr>
         <a:buFont typeface="Arial"/>
-        <a:defRPr b="0" i="0" sz="1400" u="none" cap="none" strike="noStrike">
+        <a:defRPr sz="1400" b="0" i="0" u="none" strike="noStrike" cap="none">
           <a:solidFill>
             <a:srgbClr val="000000"/>
           </a:solidFill>
@@ -9175,7 +9313,7 @@
           <a:sym typeface="Arial"/>
         </a:defRPr>
       </a:lvl8pPr>
-      <a:lvl9pPr lvl="8" marR="0" rtl="0" algn="l">
+      <a:lvl9pPr marR="0" lvl="8" algn="l" rtl="0">
         <a:lnSpc>
           <a:spcPct val="100000"/>
         </a:lnSpc>
@@ -9189,7 +9327,7 @@
           <a:srgbClr val="000000"/>
         </a:buClr>
         <a:buFont typeface="Arial"/>
-        <a:defRPr b="0" i="0" sz="1400" u="none" cap="none" strike="noStrike">
+        <a:defRPr sz="1400" b="0" i="0" u="none" strike="noStrike" cap="none">
           <a:solidFill>
             <a:srgbClr val="000000"/>
           </a:solidFill>
@@ -9205,11 +9343,11 @@
 </file>
 
 <file path=ppt/slides/slide1.xml><?xml version="1.0" encoding="utf-8"?>
-<p:sld xmlns:a="http://schemas.openxmlformats.org/drawingml/2006/main" xmlns:r="http://schemas.openxmlformats.org/officeDocument/2006/relationships" xmlns:mc="http://schemas.openxmlformats.org/markup-compatibility/2006" xmlns:mv="urn:schemas-microsoft-com:mac:vml" xmlns:p="http://schemas.openxmlformats.org/presentationml/2006/main" xmlns:c="http://schemas.openxmlformats.org/drawingml/2006/chart" xmlns:dgm="http://schemas.openxmlformats.org/drawingml/2006/diagram" xmlns:o="urn:schemas-microsoft-com:office:office" xmlns:v="urn:schemas-microsoft-com:vml" xmlns:pvml="urn:schemas-microsoft-com:office:powerpoint" xmlns:com="http://schemas.openxmlformats.org/drawingml/2006/compatibility" xmlns:p14="http://schemas.microsoft.com/office/powerpoint/2010/main" xmlns:p15="http://schemas.microsoft.com/office/powerpoint/2012/main" xmlns:ahyp="http://schemas.microsoft.com/office/drawing/2018/hyperlinkcolor">
+<p:sld xmlns:a="http://schemas.openxmlformats.org/drawingml/2006/main" xmlns:r="http://schemas.openxmlformats.org/officeDocument/2006/relationships" xmlns:p="http://schemas.openxmlformats.org/presentationml/2006/main">
   <p:cSld>
     <p:spTree>
       <p:nvGrpSpPr>
-        <p:cNvPr id="56" name="Shape 56"/>
+        <p:cNvPr id="1" name="Shape 56"/>
         <p:cNvGrpSpPr/>
         <p:nvPr/>
       </p:nvGrpSpPr>
@@ -9224,7 +9362,9 @@
       <p:sp>
         <p:nvSpPr>
           <p:cNvPr id="57" name="Google Shape;57;p1"/>
-          <p:cNvSpPr txBox="1"/>
+          <p:cNvSpPr txBox="1">
+            <a:spLocks noGrp="1"/>
+          </p:cNvSpPr>
           <p:nvPr>
             <p:ph type="ctrTitle"/>
           </p:nvPr>
@@ -9245,12 +9385,12 @@
           </a:ln>
         </p:spPr>
         <p:txBody>
-          <a:bodyPr anchorCtr="0" anchor="b" bIns="91425" lIns="91425" spcFirstLastPara="1" rIns="91425" wrap="square" tIns="91425">
+          <a:bodyPr spcFirstLastPara="1" wrap="square" lIns="91425" tIns="91425" rIns="91425" bIns="91425" anchor="b" anchorCtr="0">
             <a:noAutofit/>
           </a:bodyPr>
           <a:lstStyle/>
           <a:p>
-            <a:pPr indent="0" lvl="0" marL="0" rtl="0" algn="ctr">
+            <a:pPr marL="0" lvl="0" indent="0" algn="ctr" rtl="0">
               <a:lnSpc>
                 <a:spcPct val="100000"/>
               </a:lnSpc>
@@ -9264,7 +9404,7 @@
               <a:buNone/>
             </a:pPr>
             <a:r>
-              <a:rPr b="1" lang="ko">
+              <a:rPr lang="ko" b="1">
                 <a:solidFill>
                   <a:srgbClr val="FFFFFF"/>
                 </a:solidFill>
@@ -9286,7 +9426,7 @@
             </a:endParaRPr>
           </a:p>
           <a:p>
-            <a:pPr indent="0" lvl="0" marL="0" rtl="0" algn="ctr">
+            <a:pPr marL="0" lvl="0" indent="0" algn="ctr" rtl="0">
               <a:lnSpc>
                 <a:spcPct val="100000"/>
               </a:lnSpc>
@@ -9300,7 +9440,7 @@
               <a:buNone/>
             </a:pPr>
             <a:r>
-              <a:rPr b="1" lang="ko">
+              <a:rPr lang="ko" b="1">
                 <a:solidFill>
                   <a:srgbClr val="FFFFFF"/>
                 </a:solidFill>
@@ -9323,132 +9463,6 @@
           </a:p>
         </p:txBody>
       </p:sp>
-      <p:sp>
-        <p:nvSpPr>
-          <p:cNvPr id="58" name="Google Shape;58;p1"/>
-          <p:cNvSpPr txBox="1"/>
-          <p:nvPr>
-            <p:ph idx="1" type="subTitle"/>
-          </p:nvPr>
-        </p:nvSpPr>
-        <p:spPr>
-          <a:xfrm>
-            <a:off x="311700" y="3275425"/>
-            <a:ext cx="8520600" cy="792600"/>
-          </a:xfrm>
-          <a:prstGeom prst="rect">
-            <a:avLst/>
-          </a:prstGeom>
-          <a:noFill/>
-          <a:ln>
-            <a:noFill/>
-          </a:ln>
-        </p:spPr>
-        <p:txBody>
-          <a:bodyPr anchorCtr="0" anchor="t" bIns="91425" lIns="91425" spcFirstLastPara="1" rIns="91425" wrap="square" tIns="91425">
-            <a:noAutofit/>
-          </a:bodyPr>
-          <a:lstStyle/>
-          <a:p>
-            <a:pPr indent="0" lvl="0" marL="0" rtl="0" algn="ctr">
-              <a:lnSpc>
-                <a:spcPct val="100000"/>
-              </a:lnSpc>
-              <a:spcBef>
-                <a:spcPts val="0"/>
-              </a:spcBef>
-              <a:spcAft>
-                <a:spcPts val="0"/>
-              </a:spcAft>
-              <a:buClr>
-                <a:schemeClr val="dk1"/>
-              </a:buClr>
-              <a:buSzPts val="1100"/>
-              <a:buFont typeface="Arial"/>
-              <a:buNone/>
-            </a:pPr>
-            <a:r>
-              <a:t/>
-            </a:r>
-            <a:endParaRPr>
-              <a:solidFill>
-                <a:schemeClr val="dk1"/>
-              </a:solidFill>
-              <a:latin typeface="Verdana"/>
-              <a:ea typeface="Verdana"/>
-              <a:cs typeface="Verdana"/>
-              <a:sym typeface="Verdana"/>
-            </a:endParaRPr>
-          </a:p>
-          <a:p>
-            <a:pPr indent="0" lvl="0" marL="0" rtl="0" algn="ctr">
-              <a:lnSpc>
-                <a:spcPct val="100000"/>
-              </a:lnSpc>
-              <a:spcBef>
-                <a:spcPts val="0"/>
-              </a:spcBef>
-              <a:spcAft>
-                <a:spcPts val="0"/>
-              </a:spcAft>
-              <a:buClr>
-                <a:schemeClr val="dk1"/>
-              </a:buClr>
-              <a:buSzPts val="1100"/>
-              <a:buFont typeface="Arial"/>
-              <a:buNone/>
-            </a:pPr>
-            <a:r>
-              <a:rPr b="1" lang="ko">
-                <a:solidFill>
-                  <a:schemeClr val="dk1"/>
-                </a:solidFill>
-                <a:latin typeface="Verdana"/>
-                <a:ea typeface="Verdana"/>
-                <a:cs typeface="Verdana"/>
-                <a:sym typeface="Verdana"/>
-              </a:rPr>
-              <a:t>소준섭</a:t>
-            </a:r>
-            <a:endParaRPr b="1">
-              <a:solidFill>
-                <a:schemeClr val="dk1"/>
-              </a:solidFill>
-              <a:latin typeface="Verdana"/>
-              <a:ea typeface="Verdana"/>
-              <a:cs typeface="Verdana"/>
-              <a:sym typeface="Verdana"/>
-            </a:endParaRPr>
-          </a:p>
-          <a:p>
-            <a:pPr indent="0" lvl="0" marL="0" marR="0" rtl="0" algn="ctr">
-              <a:lnSpc>
-                <a:spcPct val="100000"/>
-              </a:lnSpc>
-              <a:spcBef>
-                <a:spcPts val="0"/>
-              </a:spcBef>
-              <a:spcAft>
-                <a:spcPts val="0"/>
-              </a:spcAft>
-              <a:buSzPts val="2800"/>
-              <a:buNone/>
-            </a:pPr>
-            <a:r>
-              <a:t/>
-            </a:r>
-            <a:endParaRPr>
-              <a:solidFill>
-                <a:srgbClr val="000000"/>
-              </a:solidFill>
-              <a:latin typeface="Verdana"/>
-              <a:ea typeface="Verdana"/>
-              <a:cs typeface="Verdana"/>
-              <a:sym typeface="Verdana"/>
-            </a:endParaRPr>
-          </a:p>
-        </p:txBody>
-      </p:sp>
       <p:pic>
         <p:nvPicPr>
           <p:cNvPr id="59" name="Google Shape;59;p1"/>
@@ -9459,7 +9473,7 @@
           <a:blip r:embed="rId3">
             <a:alphaModFix/>
           </a:blip>
-          <a:srcRect b="0" l="0" r="82409" t="0"/>
+          <a:srcRect r="82409"/>
           <a:stretch/>
         </p:blipFill>
         <p:spPr>
@@ -9485,11 +9499,11 @@
 </file>
 
 <file path=ppt/slides/slide2.xml><?xml version="1.0" encoding="utf-8"?>
-<p:sld xmlns:a="http://schemas.openxmlformats.org/drawingml/2006/main" xmlns:r="http://schemas.openxmlformats.org/officeDocument/2006/relationships" xmlns:mc="http://schemas.openxmlformats.org/markup-compatibility/2006" xmlns:mv="urn:schemas-microsoft-com:mac:vml" xmlns:p="http://schemas.openxmlformats.org/presentationml/2006/main" xmlns:c="http://schemas.openxmlformats.org/drawingml/2006/chart" xmlns:dgm="http://schemas.openxmlformats.org/drawingml/2006/diagram" xmlns:o="urn:schemas-microsoft-com:office:office" xmlns:v="urn:schemas-microsoft-com:vml" xmlns:pvml="urn:schemas-microsoft-com:office:powerpoint" xmlns:com="http://schemas.openxmlformats.org/drawingml/2006/compatibility" xmlns:p14="http://schemas.microsoft.com/office/powerpoint/2010/main" xmlns:p15="http://schemas.microsoft.com/office/powerpoint/2012/main" xmlns:ahyp="http://schemas.microsoft.com/office/drawing/2018/hyperlinkcolor">
+<p:sld xmlns:a="http://schemas.openxmlformats.org/drawingml/2006/main" xmlns:r="http://schemas.openxmlformats.org/officeDocument/2006/relationships" xmlns:p="http://schemas.openxmlformats.org/presentationml/2006/main">
   <p:cSld>
     <p:spTree>
       <p:nvGrpSpPr>
-        <p:cNvPr id="63" name="Shape 63"/>
+        <p:cNvPr id="1" name="Shape 63"/>
         <p:cNvGrpSpPr/>
         <p:nvPr/>
       </p:nvGrpSpPr>
@@ -9504,7 +9518,9 @@
       <p:sp>
         <p:nvSpPr>
           <p:cNvPr id="64" name="Google Shape;64;p2"/>
-          <p:cNvSpPr txBox="1"/>
+          <p:cNvSpPr txBox="1">
+            <a:spLocks noGrp="1"/>
+          </p:cNvSpPr>
           <p:nvPr>
             <p:ph type="title"/>
           </p:nvPr>
@@ -9523,12 +9539,12 @@
           </a:ln>
         </p:spPr>
         <p:txBody>
-          <a:bodyPr anchorCtr="0" anchor="t" bIns="91425" lIns="91425" spcFirstLastPara="1" rIns="91425" wrap="square" tIns="91425">
+          <a:bodyPr spcFirstLastPara="1" wrap="square" lIns="91425" tIns="91425" rIns="91425" bIns="91425" anchor="t" anchorCtr="0">
             <a:noAutofit/>
           </a:bodyPr>
           <a:lstStyle/>
           <a:p>
-            <a:pPr indent="0" lvl="0" marL="0" rtl="0" algn="l">
+            <a:pPr marL="0" lvl="0" indent="0" algn="l" rtl="0">
               <a:lnSpc>
                 <a:spcPct val="100000"/>
               </a:lnSpc>
@@ -9542,7 +9558,7 @@
               <a:buNone/>
             </a:pPr>
             <a:r>
-              <a:rPr b="1" lang="ko">
+              <a:rPr lang="ko" b="1">
                 <a:latin typeface="Verdana"/>
                 <a:ea typeface="Verdana"/>
                 <a:cs typeface="Verdana"/>
@@ -9562,9 +9578,11 @@
       <p:sp>
         <p:nvSpPr>
           <p:cNvPr id="65" name="Google Shape;65;p2"/>
-          <p:cNvSpPr txBox="1"/>
+          <p:cNvSpPr txBox="1">
+            <a:spLocks noGrp="1"/>
+          </p:cNvSpPr>
           <p:nvPr>
-            <p:ph idx="1" type="body"/>
+            <p:ph type="body" idx="1"/>
           </p:nvPr>
         </p:nvSpPr>
         <p:spPr>
@@ -9581,12 +9599,12 @@
           </a:ln>
         </p:spPr>
         <p:txBody>
-          <a:bodyPr anchorCtr="0" anchor="t" bIns="91425" lIns="91425" spcFirstLastPara="1" rIns="91425" wrap="square" tIns="91425">
+          <a:bodyPr spcFirstLastPara="1" wrap="square" lIns="91425" tIns="91425" rIns="91425" bIns="91425" anchor="t" anchorCtr="0">
             <a:noAutofit/>
           </a:bodyPr>
           <a:lstStyle/>
           <a:p>
-            <a:pPr indent="-336550" lvl="0" marL="457200" rtl="0" algn="l">
+            <a:pPr marL="457200" lvl="0" indent="-336550" algn="l" rtl="0">
               <a:lnSpc>
                 <a:spcPct val="115000"/>
               </a:lnSpc>
@@ -9604,7 +9622,7 @@
               <a:buChar char="●"/>
             </a:pPr>
             <a:r>
-              <a:rPr b="1" lang="ko" sz="1700">
+              <a:rPr lang="ko" sz="1700" b="1">
                 <a:solidFill>
                   <a:schemeClr val="dk1"/>
                 </a:solidFill>
@@ -9615,7 +9633,7 @@
               </a:rPr>
               <a:t>Tensorflow layers</a:t>
             </a:r>
-            <a:endParaRPr b="1" sz="1700">
+            <a:endParaRPr sz="1700" b="1">
               <a:solidFill>
                 <a:schemeClr val="dk1"/>
               </a:solidFill>
@@ -9626,7 +9644,7 @@
             </a:endParaRPr>
           </a:p>
           <a:p>
-            <a:pPr indent="-336550" lvl="1" marL="914400" rtl="0" algn="l">
+            <a:pPr marL="914400" lvl="1" indent="-336550" algn="l" rtl="0">
               <a:lnSpc>
                 <a:spcPct val="115000"/>
               </a:lnSpc>
@@ -9677,7 +9695,7 @@
             </a:endParaRPr>
           </a:p>
           <a:p>
-            <a:pPr indent="-336550" lvl="0" marL="457200" rtl="0" algn="l">
+            <a:pPr marL="457200" lvl="0" indent="-336550" algn="l" rtl="0">
               <a:lnSpc>
                 <a:spcPct val="115000"/>
               </a:lnSpc>
@@ -9695,7 +9713,7 @@
               <a:buChar char="●"/>
             </a:pPr>
             <a:r>
-              <a:rPr b="1" lang="ko" sz="1700">
+              <a:rPr lang="ko" sz="1700" b="1">
                 <a:solidFill>
                   <a:schemeClr val="dk1"/>
                 </a:solidFill>
@@ -9706,7 +9724,7 @@
               </a:rPr>
               <a:t>실습</a:t>
             </a:r>
-            <a:endParaRPr b="1" sz="1700">
+            <a:endParaRPr sz="1700" b="1">
               <a:solidFill>
                 <a:schemeClr val="dk1"/>
               </a:solidFill>
@@ -9717,7 +9735,7 @@
             </a:endParaRPr>
           </a:p>
           <a:p>
-            <a:pPr indent="-336550" lvl="1" marL="914400" rtl="0" algn="l">
+            <a:pPr marL="914400" lvl="1" indent="-336550" algn="l" rtl="0">
               <a:lnSpc>
                 <a:spcPct val="115000"/>
               </a:lnSpc>
@@ -9768,7 +9786,7 @@
           <a:blip r:embed="rId3">
             <a:alphaModFix/>
           </a:blip>
-          <a:srcRect b="0" l="0" r="82409" t="0"/>
+          <a:srcRect r="82409"/>
           <a:stretch/>
         </p:blipFill>
         <p:spPr>
@@ -9794,7 +9812,7 @@
 </file>
 
 <file path=ppt/theme/theme1.xml><?xml version="1.0" encoding="utf-8"?>
-<a:theme xmlns:a="http://schemas.openxmlformats.org/drawingml/2006/main" xmlns:r="http://schemas.openxmlformats.org/officeDocument/2006/relationships" name="Simple Light">
+<a:theme xmlns:a="http://schemas.openxmlformats.org/drawingml/2006/main" name="Simple Light">
   <a:themeElements>
     <a:clrScheme name="Simple Light">
       <a:dk1>
@@ -10069,11 +10087,13 @@
       </a:bgFillStyleLst>
     </a:fmtScheme>
   </a:themeElements>
+  <a:objectDefaults/>
+  <a:extraClrSchemeLst/>
 </a:theme>
 </file>
 
 <file path=ppt/theme/theme2.xml><?xml version="1.0" encoding="utf-8"?>
-<a:theme xmlns:a="http://schemas.openxmlformats.org/drawingml/2006/main" xmlns:r="http://schemas.openxmlformats.org/officeDocument/2006/relationships">
+<a:theme xmlns:a="http://schemas.openxmlformats.org/drawingml/2006/main">
   <a:themeElements>
     <a:clrScheme name="Default">
       <a:dk1>
@@ -10348,5 +10368,7 @@
       </a:bgFillStyleLst>
     </a:fmtScheme>
   </a:themeElements>
+  <a:objectDefaults/>
+  <a:extraClrSchemeLst/>
 </a:theme>
 </file>